--- a/slides/day3_slides.pptx
+++ b/slides/day3_slides.pptx
@@ -5,7 +5,7 @@
     <p:sldMasterId id="2147483660" r:id="rId1"/>
   </p:sldMasterIdLst>
   <p:notesMasterIdLst>
-    <p:notesMasterId r:id="rId47"/>
+    <p:notesMasterId r:id="rId48"/>
   </p:notesMasterIdLst>
   <p:sldIdLst>
     <p:sldId id="256" r:id="rId2"/>
@@ -53,6 +53,7 @@
     <p:sldId id="445" r:id="rId44"/>
     <p:sldId id="446" r:id="rId45"/>
     <p:sldId id="447" r:id="rId46"/>
+    <p:sldId id="448" r:id="rId47"/>
   </p:sldIdLst>
   <p:sldSz cx="9144000" cy="6858000" type="screen4x3"/>
   <p:notesSz cx="6858000" cy="9144000"/>
@@ -13333,6 +13334,64 @@
     <p:extLst>
       <p:ext uri="{BB962C8B-B14F-4D97-AF65-F5344CB8AC3E}">
         <p14:creationId xmlns:p14="http://schemas.microsoft.com/office/powerpoint/2010/main" val="3712131961"/>
+      </p:ext>
+    </p:extLst>
+  </p:cSld>
+  <p:clrMapOvr>
+    <a:masterClrMapping/>
+  </p:clrMapOvr>
+</p:sld>
+</file>
+
+<file path=ppt/slides/slide46.xml><?xml version="1.0" encoding="utf-8"?>
+<p:sld xmlns:a="http://schemas.openxmlformats.org/drawingml/2006/main" xmlns:r="http://schemas.openxmlformats.org/officeDocument/2006/relationships" xmlns:p="http://schemas.openxmlformats.org/presentationml/2006/main">
+  <p:cSld>
+    <p:spTree>
+      <p:nvGrpSpPr>
+        <p:cNvPr id="1" name=""/>
+        <p:cNvGrpSpPr/>
+        <p:nvPr/>
+      </p:nvGrpSpPr>
+      <p:grpSpPr>
+        <a:xfrm>
+          <a:off x="0" y="0"/>
+          <a:ext cx="0" cy="0"/>
+          <a:chOff x="0" y="0"/>
+          <a:chExt cx="0" cy="0"/>
+        </a:xfrm>
+      </p:grpSpPr>
+      <p:sp>
+        <p:nvSpPr>
+          <p:cNvPr id="2" name="Title 1"/>
+          <p:cNvSpPr>
+            <a:spLocks noGrp="1"/>
+          </p:cNvSpPr>
+          <p:nvPr>
+            <p:ph type="title"/>
+          </p:nvPr>
+        </p:nvSpPr>
+        <p:spPr>
+          <a:xfrm>
+            <a:off x="2230714" y="3087537"/>
+            <a:ext cx="4688183" cy="692215"/>
+          </a:xfrm>
+        </p:spPr>
+        <p:txBody>
+          <a:bodyPr/>
+          <a:lstStyle/>
+          <a:p>
+            <a:r>
+              <a:rPr lang="en-US" dirty="0" smtClean="0"/>
+              <a:t>exercise break</a:t>
+            </a:r>
+            <a:endParaRPr lang="en-US" dirty="0"/>
+          </a:p>
+        </p:txBody>
+      </p:sp>
+    </p:spTree>
+    <p:extLst>
+      <p:ext uri="{BB962C8B-B14F-4D97-AF65-F5344CB8AC3E}">
+        <p14:creationId xmlns:p14="http://schemas.microsoft.com/office/powerpoint/2010/main" val="33043725"/>
       </p:ext>
     </p:extLst>
   </p:cSld>

--- a/slides/day3_slides.pptx
+++ b/slides/day3_slides.pptx
@@ -237,7 +237,7 @@
           <a:p>
             <a:fld id="{F833E4A7-8C8F-0444-B05A-6DE0ED7B35B0}" type="datetimeFigureOut">
               <a:rPr lang="en-US" smtClean="0"/>
-              <a:t>5/17/15</a:t>
+              <a:t>5/20/15</a:t>
             </a:fld>
             <a:endParaRPr lang="en-US"/>
           </a:p>
@@ -698,7 +698,7 @@
           <a:p>
             <a:fld id="{CAF647BD-C221-1844-9ED2-A7F7759EF665}" type="datetimeFigureOut">
               <a:rPr lang="en-US" smtClean="0"/>
-              <a:t>5/17/15</a:t>
+              <a:t>5/20/15</a:t>
             </a:fld>
             <a:endParaRPr lang="en-US"/>
           </a:p>
@@ -963,7 +963,7 @@
           <a:p>
             <a:fld id="{CAF647BD-C221-1844-9ED2-A7F7759EF665}" type="datetimeFigureOut">
               <a:rPr lang="en-US" smtClean="0"/>
-              <a:t>5/17/15</a:t>
+              <a:t>5/20/15</a:t>
             </a:fld>
             <a:endParaRPr lang="en-US"/>
           </a:p>
@@ -1138,7 +1138,7 @@
           <a:p>
             <a:fld id="{CAF647BD-C221-1844-9ED2-A7F7759EF665}" type="datetimeFigureOut">
               <a:rPr lang="en-US" smtClean="0"/>
-              <a:t>5/17/15</a:t>
+              <a:t>5/20/15</a:t>
             </a:fld>
             <a:endParaRPr lang="en-US"/>
           </a:p>
@@ -1303,7 +1303,7 @@
           <a:p>
             <a:fld id="{CAF647BD-C221-1844-9ED2-A7F7759EF665}" type="datetimeFigureOut">
               <a:rPr lang="en-US" smtClean="0"/>
-              <a:t>5/17/15</a:t>
+              <a:t>5/20/15</a:t>
             </a:fld>
             <a:endParaRPr lang="en-US"/>
           </a:p>
@@ -1552,7 +1552,7 @@
           <a:p>
             <a:fld id="{CAF647BD-C221-1844-9ED2-A7F7759EF665}" type="datetimeFigureOut">
               <a:rPr lang="en-US" smtClean="0"/>
-              <a:t>5/17/15</a:t>
+              <a:t>5/20/15</a:t>
             </a:fld>
             <a:endParaRPr lang="en-US"/>
           </a:p>
@@ -1835,7 +1835,7 @@
           <a:p>
             <a:fld id="{CAF647BD-C221-1844-9ED2-A7F7759EF665}" type="datetimeFigureOut">
               <a:rPr lang="en-US" smtClean="0"/>
-              <a:t>5/17/15</a:t>
+              <a:t>5/20/15</a:t>
             </a:fld>
             <a:endParaRPr lang="en-US"/>
           </a:p>
@@ -2274,7 +2274,7 @@
           <a:p>
             <a:fld id="{CAF647BD-C221-1844-9ED2-A7F7759EF665}" type="datetimeFigureOut">
               <a:rPr lang="en-US" smtClean="0"/>
-              <a:t>5/17/15</a:t>
+              <a:t>5/20/15</a:t>
             </a:fld>
             <a:endParaRPr lang="en-US"/>
           </a:p>
@@ -2387,7 +2387,7 @@
           <a:p>
             <a:fld id="{CAF647BD-C221-1844-9ED2-A7F7759EF665}" type="datetimeFigureOut">
               <a:rPr lang="en-US" smtClean="0"/>
-              <a:t>5/17/15</a:t>
+              <a:t>5/20/15</a:t>
             </a:fld>
             <a:endParaRPr lang="en-US"/>
           </a:p>
@@ -2477,7 +2477,7 @@
           <a:p>
             <a:fld id="{CAF647BD-C221-1844-9ED2-A7F7759EF665}" type="datetimeFigureOut">
               <a:rPr lang="en-US" smtClean="0"/>
-              <a:t>5/17/15</a:t>
+              <a:t>5/20/15</a:t>
             </a:fld>
             <a:endParaRPr lang="en-US"/>
           </a:p>
@@ -2719,7 +2719,7 @@
           <a:p>
             <a:fld id="{CAF647BD-C221-1844-9ED2-A7F7759EF665}" type="datetimeFigureOut">
               <a:rPr lang="en-US" smtClean="0"/>
-              <a:t>5/17/15</a:t>
+              <a:t>5/20/15</a:t>
             </a:fld>
             <a:endParaRPr lang="en-US"/>
           </a:p>
@@ -3013,7 +3013,7 @@
           <a:p>
             <a:fld id="{CAF647BD-C221-1844-9ED2-A7F7759EF665}" type="datetimeFigureOut">
               <a:rPr lang="en-US" smtClean="0"/>
-              <a:t>5/17/15</a:t>
+              <a:t>5/20/15</a:t>
             </a:fld>
             <a:endParaRPr lang="en-US"/>
           </a:p>
@@ -3307,7 +3307,7 @@
           <a:p>
             <a:fld id="{CAF647BD-C221-1844-9ED2-A7F7759EF665}" type="datetimeFigureOut">
               <a:rPr lang="en-US" smtClean="0"/>
-              <a:t>5/17/15</a:t>
+              <a:t>5/20/15</a:t>
             </a:fld>
             <a:endParaRPr lang="en-US"/>
           </a:p>
@@ -12768,14 +12768,7 @@
                 <a:latin typeface="Monaco"/>
                 <a:cs typeface="Monaco"/>
               </a:rPr>
-              <a:t>filename </a:t>
-            </a:r>
-            <a:r>
-              <a:rPr lang="en-US" dirty="0" smtClean="0">
-                <a:latin typeface="Monaco"/>
-                <a:cs typeface="Monaco"/>
-              </a:rPr>
-              <a:t>= "</a:t>
+              <a:t>filename = "</a:t>
             </a:r>
             <a:r>
               <a:rPr lang="en-US" dirty="0" err="1" smtClean="0">
@@ -12804,14 +12797,7 @@
                 <a:latin typeface="Monaco"/>
                 <a:cs typeface="Monaco"/>
               </a:rPr>
-              <a:t>file_handle = open(filename, "r"</a:t>
-            </a:r>
-            <a:r>
-              <a:rPr lang="en-US" dirty="0" smtClean="0">
-                <a:latin typeface="Monaco"/>
-                <a:cs typeface="Monaco"/>
-              </a:rPr>
-              <a:t>)</a:t>
+              <a:t>file_handle = open(filename, "r")</a:t>
             </a:r>
           </a:p>
           <a:p>
@@ -12982,45 +12968,20 @@
               </a:rPr>
               <a:t># Solution: include the full path!</a:t>
             </a:r>
+          </a:p>
+          <a:p>
             <a:endParaRPr lang="en-US" dirty="0" smtClean="0">
               <a:latin typeface="Monaco"/>
               <a:cs typeface="Monaco"/>
             </a:endParaRPr>
           </a:p>
           <a:p>
-            <a:endParaRPr lang="en-US" dirty="0" smtClean="0">
-              <a:latin typeface="Monaco"/>
-              <a:cs typeface="Monaco"/>
-            </a:endParaRPr>
-          </a:p>
-          <a:p>
-            <a:r>
-              <a:rPr lang="en-US" dirty="0" smtClean="0">
-                <a:latin typeface="Monaco"/>
-                <a:cs typeface="Monaco"/>
-              </a:rPr>
-              <a:t>filename </a:t>
-            </a:r>
-            <a:r>
-              <a:rPr lang="en-US" dirty="0" smtClean="0">
-                <a:latin typeface="Monaco"/>
-                <a:cs typeface="Monaco"/>
-              </a:rPr>
-              <a:t>= "</a:t>
-            </a:r>
-            <a:r>
-              <a:rPr lang="en-US" dirty="0" smtClean="0">
-                <a:latin typeface="Monaco"/>
-                <a:cs typeface="Monaco"/>
-              </a:rPr>
-              <a:t>my_file.txt</a:t>
-            </a:r>
-            <a:r>
-              <a:rPr lang="en-US" dirty="0" smtClean="0">
-                <a:latin typeface="Monaco"/>
-                <a:cs typeface="Monaco"/>
-              </a:rPr>
-              <a:t>"</a:t>
+            <a:r>
+              <a:rPr lang="en-US" dirty="0" smtClean="0">
+                <a:latin typeface="Monaco"/>
+                <a:cs typeface="Monaco"/>
+              </a:rPr>
+              <a:t>filename = "my_file.txt"</a:t>
             </a:r>
           </a:p>
           <a:p>
@@ -13044,28 +13005,7 @@
                 <a:latin typeface="Monaco"/>
                 <a:cs typeface="Monaco"/>
               </a:rPr>
-              <a:t>file_handle = open</a:t>
-            </a:r>
-            <a:r>
-              <a:rPr lang="en-US" dirty="0" smtClean="0">
-                <a:latin typeface="Monaco"/>
-                <a:cs typeface="Monaco"/>
-              </a:rPr>
-              <a:t>(path + filename</a:t>
-            </a:r>
-            <a:r>
-              <a:rPr lang="en-US" dirty="0" smtClean="0">
-                <a:latin typeface="Monaco"/>
-                <a:cs typeface="Monaco"/>
-              </a:rPr>
-              <a:t>, "r</a:t>
-            </a:r>
-            <a:r>
-              <a:rPr lang="en-US" dirty="0" smtClean="0">
-                <a:latin typeface="Monaco"/>
-                <a:cs typeface="Monaco"/>
-              </a:rPr>
-              <a:t>"</a:t>
+              <a:t>file_handle = open(path + filename, "r"</a:t>
             </a:r>
             <a:r>
               <a:rPr lang="en-US" dirty="0">
@@ -13182,28 +13122,7 @@
                 <a:latin typeface="Monaco"/>
                 <a:cs typeface="Monaco"/>
               </a:rPr>
-              <a:t>filename </a:t>
-            </a:r>
-            <a:r>
-              <a:rPr lang="en-US" dirty="0" smtClean="0">
-                <a:latin typeface="Monaco"/>
-                <a:cs typeface="Monaco"/>
-              </a:rPr>
-              <a:t>= "</a:t>
-            </a:r>
-            <a:r>
-              <a:rPr lang="en-US" dirty="0" smtClean="0">
-                <a:latin typeface="Monaco"/>
-                <a:cs typeface="Monaco"/>
-              </a:rPr>
-              <a:t>my_file.txt</a:t>
-            </a:r>
-            <a:r>
-              <a:rPr lang="en-US" dirty="0" smtClean="0">
-                <a:latin typeface="Monaco"/>
-                <a:cs typeface="Monaco"/>
-              </a:rPr>
-              <a:t>"</a:t>
+              <a:t>filename = "my_file.txt"</a:t>
             </a:r>
           </a:p>
           <a:p>
@@ -13227,28 +13146,7 @@
                 <a:latin typeface="Monaco"/>
                 <a:cs typeface="Monaco"/>
               </a:rPr>
-              <a:t>file_handle = open</a:t>
-            </a:r>
-            <a:r>
-              <a:rPr lang="en-US" dirty="0" smtClean="0">
-                <a:latin typeface="Monaco"/>
-                <a:cs typeface="Monaco"/>
-              </a:rPr>
-              <a:t>(path + filename</a:t>
-            </a:r>
-            <a:r>
-              <a:rPr lang="en-US" dirty="0" smtClean="0">
-                <a:latin typeface="Monaco"/>
-                <a:cs typeface="Monaco"/>
-              </a:rPr>
-              <a:t>, "r"</a:t>
-            </a:r>
-            <a:r>
-              <a:rPr lang="en-US" dirty="0" smtClean="0">
-                <a:latin typeface="Monaco"/>
-                <a:cs typeface="Monaco"/>
-              </a:rPr>
-              <a:t>)</a:t>
+              <a:t>file_handle = open(path + filename, "r")</a:t>
             </a:r>
           </a:p>
           <a:p>
@@ -13493,7 +13391,7 @@
         <p:spPr>
           <a:xfrm>
             <a:off x="1035539" y="2414085"/>
-            <a:ext cx="4617370" cy="1477328"/>
+            <a:ext cx="5109893" cy="1631216"/>
           </a:xfrm>
           <a:prstGeom prst="rect">
             <a:avLst/>
@@ -13507,14 +13405,14 @@
           <a:lstStyle/>
           <a:p>
             <a:r>
-              <a:rPr lang="en-US" dirty="0">
+              <a:rPr lang="en-US" sz="2000" dirty="0">
                 <a:latin typeface="Monaco"/>
                 <a:cs typeface="Monaco"/>
               </a:rPr>
               <a:t>my_list = [1, 2, 3, 4, 5, 6</a:t>
             </a:r>
             <a:r>
-              <a:rPr lang="en-US" dirty="0" smtClean="0">
+              <a:rPr lang="en-US" sz="2000" dirty="0" smtClean="0">
                 <a:latin typeface="Monaco"/>
                 <a:cs typeface="Monaco"/>
               </a:rPr>
@@ -13522,14 +13420,14 @@
             </a:r>
           </a:p>
           <a:p>
-            <a:endParaRPr lang="en-US" dirty="0">
+            <a:endParaRPr lang="en-US" sz="2000" dirty="0">
               <a:latin typeface="Monaco"/>
               <a:cs typeface="Monaco"/>
             </a:endParaRPr>
           </a:p>
           <a:p>
             <a:r>
-              <a:rPr lang="en-US" dirty="0">
+              <a:rPr lang="en-US" sz="2000" dirty="0">
                 <a:solidFill>
                   <a:schemeClr val="accent3"/>
                 </a:solidFill>
@@ -13539,14 +13437,14 @@
               <a:t>a</a:t>
             </a:r>
             <a:r>
-              <a:rPr lang="en-US" dirty="0">
+              <a:rPr lang="en-US" sz="2000" dirty="0">
                 <a:latin typeface="Monaco"/>
                 <a:cs typeface="Monaco"/>
               </a:rPr>
               <a:t> = </a:t>
             </a:r>
             <a:r>
-              <a:rPr lang="en-US" dirty="0" smtClean="0">
+              <a:rPr lang="en-US" sz="2000" dirty="0" smtClean="0">
                 <a:solidFill>
                   <a:schemeClr val="accent5"/>
                 </a:solidFill>
@@ -13556,14 +13454,14 @@
               <a:t>len</a:t>
             </a:r>
             <a:r>
-              <a:rPr lang="en-US" dirty="0" smtClean="0">
+              <a:rPr lang="en-US" sz="2000" dirty="0" smtClean="0">
                 <a:latin typeface="Monaco"/>
                 <a:cs typeface="Monaco"/>
               </a:rPr>
               <a:t>(</a:t>
             </a:r>
             <a:r>
-              <a:rPr lang="en-US" dirty="0">
+              <a:rPr lang="en-US" sz="2000" dirty="0">
                 <a:solidFill>
                   <a:schemeClr val="accent6"/>
                 </a:solidFill>
@@ -13573,21 +13471,21 @@
               <a:t>my_list</a:t>
             </a:r>
             <a:r>
-              <a:rPr lang="en-US" dirty="0">
+              <a:rPr lang="en-US" sz="2000" dirty="0">
                 <a:latin typeface="Monaco"/>
                 <a:cs typeface="Monaco"/>
               </a:rPr>
               <a:t>)  </a:t>
             </a:r>
             <a:r>
-              <a:rPr lang="en-US" dirty="0" smtClean="0">
+              <a:rPr lang="en-US" sz="2000" dirty="0" smtClean="0">
                 <a:latin typeface="Monaco"/>
                 <a:cs typeface="Monaco"/>
               </a:rPr>
               <a:t> # </a:t>
             </a:r>
             <a:r>
-              <a:rPr lang="en-US" dirty="0">
+              <a:rPr lang="en-US" sz="2000" dirty="0">
                 <a:latin typeface="Monaco"/>
                 <a:cs typeface="Monaco"/>
               </a:rPr>
@@ -13596,7 +13494,7 @@
           </a:p>
           <a:p>
             <a:r>
-              <a:rPr lang="en-US" dirty="0">
+              <a:rPr lang="en-US" sz="2000" dirty="0">
                 <a:latin typeface="Monaco"/>
                 <a:cs typeface="Monaco"/>
               </a:rPr>
@@ -13604,7 +13502,7 @@
             </a:r>
           </a:p>
           <a:p>
-            <a:endParaRPr lang="en-US" dirty="0"/>
+            <a:endParaRPr lang="en-US" sz="2000" dirty="0"/>
           </a:p>
         </p:txBody>
       </p:sp>
@@ -13774,7 +13672,7 @@
         <p:spPr>
           <a:xfrm>
             <a:off x="1035539" y="2414085"/>
-            <a:ext cx="4617370" cy="1477328"/>
+            <a:ext cx="5109893" cy="1631216"/>
           </a:xfrm>
           <a:prstGeom prst="rect">
             <a:avLst/>
@@ -13788,14 +13686,14 @@
           <a:lstStyle/>
           <a:p>
             <a:r>
-              <a:rPr lang="en-US" dirty="0">
+              <a:rPr lang="en-US" sz="2000" dirty="0">
                 <a:latin typeface="Monaco"/>
                 <a:cs typeface="Monaco"/>
               </a:rPr>
               <a:t>my_list = [1, 2, 3, 4, 5, 6</a:t>
             </a:r>
             <a:r>
-              <a:rPr lang="en-US" dirty="0" smtClean="0">
+              <a:rPr lang="en-US" sz="2000" dirty="0" smtClean="0">
                 <a:latin typeface="Monaco"/>
                 <a:cs typeface="Monaco"/>
               </a:rPr>
@@ -13803,14 +13701,14 @@
             </a:r>
           </a:p>
           <a:p>
-            <a:endParaRPr lang="en-US" dirty="0">
+            <a:endParaRPr lang="en-US" sz="2000" dirty="0">
               <a:latin typeface="Monaco"/>
               <a:cs typeface="Monaco"/>
             </a:endParaRPr>
           </a:p>
           <a:p>
             <a:r>
-              <a:rPr lang="en-US" dirty="0">
+              <a:rPr lang="en-US" sz="2000" dirty="0">
                 <a:solidFill>
                   <a:schemeClr val="accent3"/>
                 </a:solidFill>
@@ -13820,14 +13718,14 @@
               <a:t>a</a:t>
             </a:r>
             <a:r>
-              <a:rPr lang="en-US" dirty="0">
+              <a:rPr lang="en-US" sz="2000" dirty="0">
                 <a:latin typeface="Monaco"/>
                 <a:cs typeface="Monaco"/>
               </a:rPr>
               <a:t> = </a:t>
             </a:r>
             <a:r>
-              <a:rPr lang="en-US" dirty="0" smtClean="0">
+              <a:rPr lang="en-US" sz="2000" dirty="0" smtClean="0">
                 <a:solidFill>
                   <a:schemeClr val="accent5"/>
                 </a:solidFill>
@@ -13837,14 +13735,14 @@
               <a:t>len</a:t>
             </a:r>
             <a:r>
-              <a:rPr lang="en-US" dirty="0" smtClean="0">
+              <a:rPr lang="en-US" sz="2000" dirty="0" smtClean="0">
                 <a:latin typeface="Monaco"/>
                 <a:cs typeface="Monaco"/>
               </a:rPr>
               <a:t>(</a:t>
             </a:r>
             <a:r>
-              <a:rPr lang="en-US" dirty="0">
+              <a:rPr lang="en-US" sz="2000" dirty="0">
                 <a:solidFill>
                   <a:schemeClr val="accent6"/>
                 </a:solidFill>
@@ -13854,21 +13752,21 @@
               <a:t>my_list</a:t>
             </a:r>
             <a:r>
-              <a:rPr lang="en-US" dirty="0">
+              <a:rPr lang="en-US" sz="2000" dirty="0">
                 <a:latin typeface="Monaco"/>
                 <a:cs typeface="Monaco"/>
               </a:rPr>
               <a:t>)  </a:t>
             </a:r>
             <a:r>
-              <a:rPr lang="en-US" dirty="0" smtClean="0">
+              <a:rPr lang="en-US" sz="2000" dirty="0" smtClean="0">
                 <a:latin typeface="Monaco"/>
                 <a:cs typeface="Monaco"/>
               </a:rPr>
               <a:t> # </a:t>
             </a:r>
             <a:r>
-              <a:rPr lang="en-US" dirty="0">
+              <a:rPr lang="en-US" sz="2000" dirty="0">
                 <a:latin typeface="Monaco"/>
                 <a:cs typeface="Monaco"/>
               </a:rPr>
@@ -13877,7 +13775,7 @@
           </a:p>
           <a:p>
             <a:r>
-              <a:rPr lang="en-US" dirty="0">
+              <a:rPr lang="en-US" sz="2000" dirty="0">
                 <a:latin typeface="Monaco"/>
                 <a:cs typeface="Monaco"/>
               </a:rPr>
@@ -13885,7 +13783,7 @@
             </a:r>
           </a:p>
           <a:p>
-            <a:endParaRPr lang="en-US" dirty="0"/>
+            <a:endParaRPr lang="en-US" sz="2000" dirty="0"/>
           </a:p>
         </p:txBody>
       </p:sp>

--- a/slides/day3_slides.pptx
+++ b/slides/day3_slides.pptx
@@ -5,55 +5,58 @@
     <p:sldMasterId id="2147483660" r:id="rId1"/>
   </p:sldMasterIdLst>
   <p:notesMasterIdLst>
-    <p:notesMasterId r:id="rId48"/>
+    <p:notesMasterId r:id="rId51"/>
   </p:notesMasterIdLst>
   <p:sldIdLst>
     <p:sldId id="256" r:id="rId2"/>
     <p:sldId id="425" r:id="rId3"/>
-    <p:sldId id="407" r:id="rId4"/>
-    <p:sldId id="400" r:id="rId5"/>
-    <p:sldId id="408" r:id="rId6"/>
-    <p:sldId id="401" r:id="rId7"/>
-    <p:sldId id="402" r:id="rId8"/>
-    <p:sldId id="409" r:id="rId9"/>
-    <p:sldId id="410" r:id="rId10"/>
-    <p:sldId id="411" r:id="rId11"/>
-    <p:sldId id="412" r:id="rId12"/>
-    <p:sldId id="403" r:id="rId13"/>
-    <p:sldId id="404" r:id="rId14"/>
-    <p:sldId id="413" r:id="rId15"/>
-    <p:sldId id="414" r:id="rId16"/>
-    <p:sldId id="415" r:id="rId17"/>
-    <p:sldId id="416" r:id="rId18"/>
-    <p:sldId id="406" r:id="rId19"/>
-    <p:sldId id="405" r:id="rId20"/>
-    <p:sldId id="418" r:id="rId21"/>
-    <p:sldId id="417" r:id="rId22"/>
-    <p:sldId id="419" r:id="rId23"/>
-    <p:sldId id="420" r:id="rId24"/>
-    <p:sldId id="421" r:id="rId25"/>
-    <p:sldId id="422" r:id="rId26"/>
-    <p:sldId id="424" r:id="rId27"/>
-    <p:sldId id="383" r:id="rId28"/>
-    <p:sldId id="426" r:id="rId29"/>
-    <p:sldId id="427" r:id="rId30"/>
-    <p:sldId id="428" r:id="rId31"/>
-    <p:sldId id="436" r:id="rId32"/>
-    <p:sldId id="437" r:id="rId33"/>
-    <p:sldId id="438" r:id="rId34"/>
-    <p:sldId id="434" r:id="rId35"/>
-    <p:sldId id="433" r:id="rId36"/>
-    <p:sldId id="432" r:id="rId37"/>
-    <p:sldId id="435" r:id="rId38"/>
-    <p:sldId id="440" r:id="rId39"/>
-    <p:sldId id="441" r:id="rId40"/>
-    <p:sldId id="439" r:id="rId41"/>
-    <p:sldId id="444" r:id="rId42"/>
-    <p:sldId id="443" r:id="rId43"/>
-    <p:sldId id="445" r:id="rId44"/>
-    <p:sldId id="446" r:id="rId45"/>
-    <p:sldId id="447" r:id="rId46"/>
-    <p:sldId id="448" r:id="rId47"/>
+    <p:sldId id="449" r:id="rId4"/>
+    <p:sldId id="407" r:id="rId5"/>
+    <p:sldId id="400" r:id="rId6"/>
+    <p:sldId id="408" r:id="rId7"/>
+    <p:sldId id="401" r:id="rId8"/>
+    <p:sldId id="402" r:id="rId9"/>
+    <p:sldId id="409" r:id="rId10"/>
+    <p:sldId id="410" r:id="rId11"/>
+    <p:sldId id="411" r:id="rId12"/>
+    <p:sldId id="412" r:id="rId13"/>
+    <p:sldId id="403" r:id="rId14"/>
+    <p:sldId id="404" r:id="rId15"/>
+    <p:sldId id="413" r:id="rId16"/>
+    <p:sldId id="414" r:id="rId17"/>
+    <p:sldId id="415" r:id="rId18"/>
+    <p:sldId id="416" r:id="rId19"/>
+    <p:sldId id="450" r:id="rId20"/>
+    <p:sldId id="451" r:id="rId21"/>
+    <p:sldId id="405" r:id="rId22"/>
+    <p:sldId id="418" r:id="rId23"/>
+    <p:sldId id="417" r:id="rId24"/>
+    <p:sldId id="419" r:id="rId25"/>
+    <p:sldId id="420" r:id="rId26"/>
+    <p:sldId id="421" r:id="rId27"/>
+    <p:sldId id="422" r:id="rId28"/>
+    <p:sldId id="424" r:id="rId29"/>
+    <p:sldId id="383" r:id="rId30"/>
+    <p:sldId id="426" r:id="rId31"/>
+    <p:sldId id="427" r:id="rId32"/>
+    <p:sldId id="428" r:id="rId33"/>
+    <p:sldId id="452" r:id="rId34"/>
+    <p:sldId id="436" r:id="rId35"/>
+    <p:sldId id="437" r:id="rId36"/>
+    <p:sldId id="438" r:id="rId37"/>
+    <p:sldId id="434" r:id="rId38"/>
+    <p:sldId id="433" r:id="rId39"/>
+    <p:sldId id="432" r:id="rId40"/>
+    <p:sldId id="435" r:id="rId41"/>
+    <p:sldId id="440" r:id="rId42"/>
+    <p:sldId id="441" r:id="rId43"/>
+    <p:sldId id="439" r:id="rId44"/>
+    <p:sldId id="444" r:id="rId45"/>
+    <p:sldId id="453" r:id="rId46"/>
+    <p:sldId id="443" r:id="rId47"/>
+    <p:sldId id="445" r:id="rId48"/>
+    <p:sldId id="454" r:id="rId49"/>
+    <p:sldId id="448" r:id="rId50"/>
   </p:sldIdLst>
   <p:sldSz cx="9144000" cy="6858000" type="screen4x3"/>
   <p:notesSz cx="6858000" cy="9144000"/>
@@ -237,7 +240,7 @@
           <a:p>
             <a:fld id="{F833E4A7-8C8F-0444-B05A-6DE0ED7B35B0}" type="datetimeFigureOut">
               <a:rPr lang="en-US" smtClean="0"/>
-              <a:t>5/20/15</a:t>
+              <a:t>5/21/15</a:t>
             </a:fld>
             <a:endParaRPr lang="en-US"/>
           </a:p>
@@ -698,7 +701,7 @@
           <a:p>
             <a:fld id="{CAF647BD-C221-1844-9ED2-A7F7759EF665}" type="datetimeFigureOut">
               <a:rPr lang="en-US" smtClean="0"/>
-              <a:t>5/20/15</a:t>
+              <a:t>5/21/15</a:t>
             </a:fld>
             <a:endParaRPr lang="en-US"/>
           </a:p>
@@ -963,7 +966,7 @@
           <a:p>
             <a:fld id="{CAF647BD-C221-1844-9ED2-A7F7759EF665}" type="datetimeFigureOut">
               <a:rPr lang="en-US" smtClean="0"/>
-              <a:t>5/20/15</a:t>
+              <a:t>5/21/15</a:t>
             </a:fld>
             <a:endParaRPr lang="en-US"/>
           </a:p>
@@ -1138,7 +1141,7 @@
           <a:p>
             <a:fld id="{CAF647BD-C221-1844-9ED2-A7F7759EF665}" type="datetimeFigureOut">
               <a:rPr lang="en-US" smtClean="0"/>
-              <a:t>5/20/15</a:t>
+              <a:t>5/21/15</a:t>
             </a:fld>
             <a:endParaRPr lang="en-US"/>
           </a:p>
@@ -1303,7 +1306,7 @@
           <a:p>
             <a:fld id="{CAF647BD-C221-1844-9ED2-A7F7759EF665}" type="datetimeFigureOut">
               <a:rPr lang="en-US" smtClean="0"/>
-              <a:t>5/20/15</a:t>
+              <a:t>5/21/15</a:t>
             </a:fld>
             <a:endParaRPr lang="en-US"/>
           </a:p>
@@ -1552,7 +1555,7 @@
           <a:p>
             <a:fld id="{CAF647BD-C221-1844-9ED2-A7F7759EF665}" type="datetimeFigureOut">
               <a:rPr lang="en-US" smtClean="0"/>
-              <a:t>5/20/15</a:t>
+              <a:t>5/21/15</a:t>
             </a:fld>
             <a:endParaRPr lang="en-US"/>
           </a:p>
@@ -1835,7 +1838,7 @@
           <a:p>
             <a:fld id="{CAF647BD-C221-1844-9ED2-A7F7759EF665}" type="datetimeFigureOut">
               <a:rPr lang="en-US" smtClean="0"/>
-              <a:t>5/20/15</a:t>
+              <a:t>5/21/15</a:t>
             </a:fld>
             <a:endParaRPr lang="en-US"/>
           </a:p>
@@ -2274,7 +2277,7 @@
           <a:p>
             <a:fld id="{CAF647BD-C221-1844-9ED2-A7F7759EF665}" type="datetimeFigureOut">
               <a:rPr lang="en-US" smtClean="0"/>
-              <a:t>5/20/15</a:t>
+              <a:t>5/21/15</a:t>
             </a:fld>
             <a:endParaRPr lang="en-US"/>
           </a:p>
@@ -2387,7 +2390,7 @@
           <a:p>
             <a:fld id="{CAF647BD-C221-1844-9ED2-A7F7759EF665}" type="datetimeFigureOut">
               <a:rPr lang="en-US" smtClean="0"/>
-              <a:t>5/20/15</a:t>
+              <a:t>5/21/15</a:t>
             </a:fld>
             <a:endParaRPr lang="en-US"/>
           </a:p>
@@ -2477,7 +2480,7 @@
           <a:p>
             <a:fld id="{CAF647BD-C221-1844-9ED2-A7F7759EF665}" type="datetimeFigureOut">
               <a:rPr lang="en-US" smtClean="0"/>
-              <a:t>5/20/15</a:t>
+              <a:t>5/21/15</a:t>
             </a:fld>
             <a:endParaRPr lang="en-US"/>
           </a:p>
@@ -2719,7 +2722,7 @@
           <a:p>
             <a:fld id="{CAF647BD-C221-1844-9ED2-A7F7759EF665}" type="datetimeFigureOut">
               <a:rPr lang="en-US" smtClean="0"/>
-              <a:t>5/20/15</a:t>
+              <a:t>5/21/15</a:t>
             </a:fld>
             <a:endParaRPr lang="en-US"/>
           </a:p>
@@ -3013,7 +3016,7 @@
           <a:p>
             <a:fld id="{CAF647BD-C221-1844-9ED2-A7F7759EF665}" type="datetimeFigureOut">
               <a:rPr lang="en-US" smtClean="0"/>
-              <a:t>5/20/15</a:t>
+              <a:t>5/21/15</a:t>
             </a:fld>
             <a:endParaRPr lang="en-US"/>
           </a:p>
@@ -3307,7 +3310,7 @@
           <a:p>
             <a:fld id="{CAF647BD-C221-1844-9ED2-A7F7759EF665}" type="datetimeFigureOut">
               <a:rPr lang="en-US" smtClean="0"/>
-              <a:t>5/20/15</a:t>
+              <a:t>5/21/15</a:t>
             </a:fld>
             <a:endParaRPr lang="en-US"/>
           </a:p>
@@ -3932,7 +3935,7 @@
         <p:spPr>
           <a:xfrm>
             <a:off x="457199" y="1770509"/>
-            <a:ext cx="8338444" cy="5078314"/>
+            <a:ext cx="8338444" cy="2862323"/>
           </a:xfrm>
           <a:prstGeom prst="rect">
             <a:avLst/>
@@ -4164,148 +4167,12 @@
               <a:t>j</a:t>
             </a:r>
           </a:p>
-          <a:p>
-            <a:endParaRPr lang="en-US" dirty="0">
-              <a:latin typeface="Monaco"/>
-              <a:cs typeface="Monaco"/>
-            </a:endParaRPr>
-          </a:p>
-          <a:p>
-            <a:r>
-              <a:rPr lang="en-US" dirty="0" smtClean="0">
-                <a:latin typeface="Monaco"/>
-                <a:cs typeface="Monaco"/>
-              </a:rPr>
-              <a:t># Now we can use the function!</a:t>
-            </a:r>
-          </a:p>
-          <a:p>
-            <a:r>
-              <a:rPr lang="en-US" dirty="0" smtClean="0">
-                <a:latin typeface="Monaco"/>
-                <a:cs typeface="Monaco"/>
-              </a:rPr>
-              <a:t>my_list = [1,2,3,4,5,6]</a:t>
-            </a:r>
-          </a:p>
-          <a:p>
-            <a:r>
-              <a:rPr lang="en-US" dirty="0" smtClean="0">
-                <a:solidFill>
-                  <a:schemeClr val="accent3"/>
-                </a:solidFill>
-                <a:latin typeface="Monaco"/>
-                <a:cs typeface="Monaco"/>
-              </a:rPr>
-              <a:t>b</a:t>
-            </a:r>
-            <a:r>
-              <a:rPr lang="en-US" dirty="0" smtClean="0">
-                <a:latin typeface="Monaco"/>
-                <a:cs typeface="Monaco"/>
-              </a:rPr>
-              <a:t> = </a:t>
-            </a:r>
-            <a:r>
-              <a:rPr lang="en-US" dirty="0" err="1" smtClean="0">
-                <a:solidFill>
-                  <a:srgbClr val="DC5924"/>
-                </a:solidFill>
-                <a:latin typeface="Monaco"/>
-                <a:cs typeface="Monaco"/>
-              </a:rPr>
-              <a:t>my_len</a:t>
-            </a:r>
-            <a:r>
-              <a:rPr lang="en-US" dirty="0" smtClean="0">
-                <a:latin typeface="Monaco"/>
-                <a:cs typeface="Monaco"/>
-              </a:rPr>
-              <a:t>(</a:t>
-            </a:r>
-            <a:r>
-              <a:rPr lang="en-US" dirty="0" smtClean="0">
-                <a:solidFill>
-                  <a:srgbClr val="B4B392"/>
-                </a:solidFill>
-                <a:latin typeface="Monaco"/>
-                <a:cs typeface="Monaco"/>
-              </a:rPr>
-              <a:t>my_list</a:t>
-            </a:r>
-            <a:r>
-              <a:rPr lang="en-US" dirty="0" smtClean="0">
-                <a:latin typeface="Monaco"/>
-                <a:cs typeface="Monaco"/>
-              </a:rPr>
-              <a:t>)</a:t>
-            </a:r>
-          </a:p>
-          <a:p>
-            <a:r>
-              <a:rPr lang="en-US" dirty="0" smtClean="0">
-                <a:latin typeface="Monaco"/>
-                <a:cs typeface="Monaco"/>
-              </a:rPr>
-              <a:t>print </a:t>
-            </a:r>
-            <a:r>
-              <a:rPr lang="en-US" dirty="0" smtClean="0">
-                <a:solidFill>
-                  <a:schemeClr val="accent3"/>
-                </a:solidFill>
-                <a:latin typeface="Monaco"/>
-                <a:cs typeface="Monaco"/>
-              </a:rPr>
-              <a:t>b</a:t>
-            </a:r>
-          </a:p>
-          <a:p>
-            <a:r>
-              <a:rPr lang="en-US" dirty="0">
-                <a:latin typeface="Monaco"/>
-                <a:cs typeface="Monaco"/>
-              </a:rPr>
-              <a:t>	</a:t>
-            </a:r>
-            <a:r>
-              <a:rPr lang="en-US" dirty="0" smtClean="0">
-                <a:solidFill>
-                  <a:schemeClr val="bg1">
-                    <a:lumMod val="65000"/>
-                  </a:schemeClr>
-                </a:solidFill>
-                <a:latin typeface="Monaco"/>
-                <a:cs typeface="Monaco"/>
-              </a:rPr>
-              <a:t>6</a:t>
-            </a:r>
-            <a:endParaRPr lang="en-US" dirty="0">
-              <a:latin typeface="Monaco"/>
-              <a:cs typeface="Monaco"/>
-            </a:endParaRPr>
-          </a:p>
-          <a:p>
-            <a:endParaRPr lang="en-US" dirty="0" smtClean="0">
-              <a:latin typeface="Monaco"/>
-              <a:cs typeface="Monaco"/>
-            </a:endParaRPr>
-          </a:p>
-          <a:p>
-            <a:r>
-              <a:rPr lang="en-US" dirty="0" smtClean="0">
-                <a:latin typeface="Monaco"/>
-                <a:cs typeface="Monaco"/>
-              </a:rPr>
-              <a:t> </a:t>
-            </a:r>
-          </a:p>
         </p:txBody>
       </p:sp>
     </p:spTree>
     <p:extLst>
       <p:ext uri="{BB962C8B-B14F-4D97-AF65-F5344CB8AC3E}">
-        <p14:creationId xmlns:p14="http://schemas.microsoft.com/office/powerpoint/2010/main" val="4072509237"/>
+        <p14:creationId xmlns:p14="http://schemas.microsoft.com/office/powerpoint/2010/main" val="3019156721"/>
       </p:ext>
     </p:extLst>
   </p:cSld>
@@ -4364,7 +4231,7 @@
         <p:spPr>
           <a:xfrm>
             <a:off x="457199" y="1770509"/>
-            <a:ext cx="8338444" cy="4801315"/>
+            <a:ext cx="8338444" cy="5078314"/>
           </a:xfrm>
           <a:prstGeom prst="rect">
             <a:avLst/>
@@ -4712,6 +4579,12 @@
               </a:rPr>
               <a:t>6</a:t>
             </a:r>
+            <a:endParaRPr lang="en-US" dirty="0">
+              <a:latin typeface="Monaco"/>
+              <a:cs typeface="Monaco"/>
+            </a:endParaRPr>
+          </a:p>
+          <a:p>
             <a:endParaRPr lang="en-US" dirty="0" smtClean="0">
               <a:latin typeface="Monaco"/>
               <a:cs typeface="Monaco"/>
@@ -4725,91 +4598,6 @@
               </a:rPr>
               <a:t> </a:t>
             </a:r>
-          </a:p>
-        </p:txBody>
-      </p:sp>
-      <p:sp>
-        <p:nvSpPr>
-          <p:cNvPr id="5" name="TextBox 4"/>
-          <p:cNvSpPr txBox="1"/>
-          <p:nvPr/>
-        </p:nvSpPr>
-        <p:spPr>
-          <a:xfrm>
-            <a:off x="4650808" y="3042416"/>
-            <a:ext cx="4257911" cy="1754327"/>
-          </a:xfrm>
-          <a:prstGeom prst="rect">
-            <a:avLst/>
-          </a:prstGeom>
-          <a:noFill/>
-          <a:ln w="28575" cmpd="sng">
-            <a:solidFill>
-              <a:schemeClr val="accent2"/>
-            </a:solidFill>
-          </a:ln>
-        </p:spPr>
-        <p:txBody>
-          <a:bodyPr wrap="square" rtlCol="0">
-            <a:spAutoFit/>
-          </a:bodyPr>
-          <a:lstStyle/>
-          <a:p>
-            <a:r>
-              <a:rPr lang="en-US" dirty="0" smtClean="0">
-                <a:solidFill>
-                  <a:schemeClr val="accent5"/>
-                </a:solidFill>
-              </a:rPr>
-              <a:t>Function names </a:t>
-            </a:r>
-            <a:r>
-              <a:rPr lang="en-US" dirty="0" smtClean="0"/>
-              <a:t>should be meaningful</a:t>
-            </a:r>
-          </a:p>
-          <a:p>
-            <a:endParaRPr lang="en-US" dirty="0" smtClean="0"/>
-          </a:p>
-          <a:p>
-            <a:r>
-              <a:rPr lang="en-US" dirty="0" smtClean="0">
-                <a:solidFill>
-                  <a:schemeClr val="accent6"/>
-                </a:solidFill>
-              </a:rPr>
-              <a:t>Arguments</a:t>
-            </a:r>
-            <a:r>
-              <a:rPr lang="en-US" dirty="0" smtClean="0"/>
-              <a:t> are </a:t>
-            </a:r>
-            <a:r>
-              <a:rPr lang="en-US" i="1" dirty="0" smtClean="0"/>
-              <a:t>arbitrary variable names</a:t>
-            </a:r>
-          </a:p>
-          <a:p>
-            <a:endParaRPr lang="en-US" i="1" dirty="0"/>
-          </a:p>
-          <a:p>
-            <a:r>
-              <a:rPr lang="en-US" dirty="0" smtClean="0">
-                <a:solidFill>
-                  <a:schemeClr val="accent3"/>
-                </a:solidFill>
-              </a:rPr>
-              <a:t>Variables</a:t>
-            </a:r>
-            <a:r>
-              <a:rPr lang="en-US" dirty="0" smtClean="0"/>
-              <a:t> defined/used in the function </a:t>
-            </a:r>
-            <a:r>
-              <a:rPr lang="en-US" i="1" dirty="0" smtClean="0"/>
-              <a:t>exist only in the function</a:t>
-            </a:r>
-            <a:endParaRPr lang="en-US" dirty="0"/>
           </a:p>
         </p:txBody>
       </p:sp>
@@ -4875,7 +4663,7 @@
         <p:spPr>
           <a:xfrm>
             <a:off x="457199" y="1770509"/>
-            <a:ext cx="8338444" cy="5909311"/>
+            <a:ext cx="8338444" cy="4801315"/>
           </a:xfrm>
           <a:prstGeom prst="rect">
             <a:avLst/>
@@ -5223,55 +5011,6 @@
               </a:rPr>
               <a:t>6</a:t>
             </a:r>
-          </a:p>
-          <a:p>
-            <a:r>
-              <a:rPr lang="en-US" dirty="0" smtClean="0">
-                <a:latin typeface="Monaco"/>
-                <a:cs typeface="Monaco"/>
-              </a:rPr>
-              <a:t>print j</a:t>
-            </a:r>
-          </a:p>
-          <a:p>
-            <a:r>
-              <a:rPr lang="en-US" dirty="0">
-                <a:solidFill>
-                  <a:schemeClr val="tx2"/>
-                </a:solidFill>
-                <a:latin typeface="Monaco"/>
-                <a:cs typeface="Monaco"/>
-              </a:rPr>
-              <a:t>	</a:t>
-            </a:r>
-            <a:r>
-              <a:rPr lang="en-US" dirty="0" err="1">
-                <a:solidFill>
-                  <a:schemeClr val="tx2"/>
-                </a:solidFill>
-                <a:latin typeface="Monaco"/>
-                <a:cs typeface="Monaco"/>
-              </a:rPr>
-              <a:t>NameError</a:t>
-            </a:r>
-            <a:r>
-              <a:rPr lang="en-US" dirty="0">
-                <a:solidFill>
-                  <a:schemeClr val="tx2"/>
-                </a:solidFill>
-                <a:latin typeface="Monaco"/>
-                <a:cs typeface="Monaco"/>
-              </a:rPr>
-              <a:t>: name 'j' is not defined</a:t>
-            </a:r>
-          </a:p>
-          <a:p>
-            <a:endParaRPr lang="en-US" dirty="0">
-              <a:latin typeface="Monaco"/>
-              <a:cs typeface="Monaco"/>
-            </a:endParaRPr>
-          </a:p>
-          <a:p>
             <a:endParaRPr lang="en-US" dirty="0" smtClean="0">
               <a:latin typeface="Monaco"/>
               <a:cs typeface="Monaco"/>
@@ -5376,7 +5115,7 @@
     </p:spTree>
     <p:extLst>
       <p:ext uri="{BB962C8B-B14F-4D97-AF65-F5344CB8AC3E}">
-        <p14:creationId xmlns:p14="http://schemas.microsoft.com/office/powerpoint/2010/main" val="2039778305"/>
+        <p14:creationId xmlns:p14="http://schemas.microsoft.com/office/powerpoint/2010/main" val="4072509237"/>
       </p:ext>
     </p:extLst>
   </p:cSld>
@@ -5420,6 +5159,566 @@
           <a:p>
             <a:r>
               <a:rPr lang="en-US" dirty="0" smtClean="0"/>
+              <a:t>so how can we re-write the len() function?</a:t>
+            </a:r>
+            <a:endParaRPr lang="en-US" dirty="0"/>
+          </a:p>
+        </p:txBody>
+      </p:sp>
+      <p:sp>
+        <p:nvSpPr>
+          <p:cNvPr id="4" name="TextBox 3"/>
+          <p:cNvSpPr txBox="1"/>
+          <p:nvPr/>
+        </p:nvSpPr>
+        <p:spPr>
+          <a:xfrm>
+            <a:off x="457199" y="1770509"/>
+            <a:ext cx="8338444" cy="5909311"/>
+          </a:xfrm>
+          <a:prstGeom prst="rect">
+            <a:avLst/>
+          </a:prstGeom>
+          <a:noFill/>
+        </p:spPr>
+        <p:txBody>
+          <a:bodyPr wrap="square" rtlCol="0">
+            <a:spAutoFit/>
+          </a:bodyPr>
+          <a:lstStyle/>
+          <a:p>
+            <a:r>
+              <a:rPr lang="en-US" dirty="0" smtClean="0">
+                <a:latin typeface="Monaco"/>
+                <a:cs typeface="Monaco"/>
+              </a:rPr>
+              <a:t># Example function construction </a:t>
+            </a:r>
+            <a:endParaRPr lang="en-US" dirty="0">
+              <a:solidFill>
+                <a:schemeClr val="bg1">
+                  <a:lumMod val="65000"/>
+                </a:schemeClr>
+              </a:solidFill>
+              <a:latin typeface="Monaco"/>
+              <a:cs typeface="Monaco"/>
+            </a:endParaRPr>
+          </a:p>
+          <a:p>
+            <a:r>
+              <a:rPr lang="en-US" dirty="0" smtClean="0">
+                <a:solidFill>
+                  <a:srgbClr val="000000"/>
+                </a:solidFill>
+                <a:latin typeface="Monaco"/>
+                <a:cs typeface="Monaco"/>
+              </a:rPr>
+              <a:t>def </a:t>
+            </a:r>
+            <a:r>
+              <a:rPr lang="en-US" dirty="0" err="1" smtClean="0">
+                <a:solidFill>
+                  <a:schemeClr val="accent5"/>
+                </a:solidFill>
+                <a:latin typeface="Monaco"/>
+                <a:cs typeface="Monaco"/>
+              </a:rPr>
+              <a:t>my_len</a:t>
+            </a:r>
+            <a:r>
+              <a:rPr lang="en-US" dirty="0" smtClean="0">
+                <a:solidFill>
+                  <a:srgbClr val="000000"/>
+                </a:solidFill>
+                <a:latin typeface="Monaco"/>
+                <a:cs typeface="Monaco"/>
+              </a:rPr>
+              <a:t>(</a:t>
+            </a:r>
+            <a:r>
+              <a:rPr lang="en-US" dirty="0" smtClean="0">
+                <a:solidFill>
+                  <a:schemeClr val="accent6"/>
+                </a:solidFill>
+                <a:latin typeface="Monaco"/>
+                <a:cs typeface="Monaco"/>
+              </a:rPr>
+              <a:t>item</a:t>
+            </a:r>
+            <a:r>
+              <a:rPr lang="en-US" dirty="0" smtClean="0">
+                <a:solidFill>
+                  <a:srgbClr val="000000"/>
+                </a:solidFill>
+                <a:latin typeface="Monaco"/>
+                <a:cs typeface="Monaco"/>
+              </a:rPr>
+              <a:t>):</a:t>
+            </a:r>
+          </a:p>
+          <a:p>
+            <a:endParaRPr lang="en-US" dirty="0" smtClean="0">
+              <a:solidFill>
+                <a:srgbClr val="000000"/>
+              </a:solidFill>
+              <a:latin typeface="Monaco"/>
+              <a:cs typeface="Monaco"/>
+            </a:endParaRPr>
+          </a:p>
+          <a:p>
+            <a:r>
+              <a:rPr lang="en-US" dirty="0">
+                <a:solidFill>
+                  <a:srgbClr val="000000"/>
+                </a:solidFill>
+                <a:latin typeface="Monaco"/>
+                <a:cs typeface="Monaco"/>
+              </a:rPr>
+              <a:t>	</a:t>
+            </a:r>
+            <a:r>
+              <a:rPr lang="en-US" dirty="0" smtClean="0">
+                <a:solidFill>
+                  <a:srgbClr val="000000"/>
+                </a:solidFill>
+                <a:latin typeface="Monaco"/>
+                <a:cs typeface="Monaco"/>
+              </a:rPr>
+              <a:t># Loop over item to count its size</a:t>
+            </a:r>
+          </a:p>
+          <a:p>
+            <a:r>
+              <a:rPr lang="en-US" dirty="0" smtClean="0">
+                <a:solidFill>
+                  <a:srgbClr val="000000"/>
+                </a:solidFill>
+                <a:latin typeface="Monaco"/>
+                <a:cs typeface="Monaco"/>
+              </a:rPr>
+              <a:t>	j = 0</a:t>
+            </a:r>
+          </a:p>
+          <a:p>
+            <a:r>
+              <a:rPr lang="en-US" dirty="0">
+                <a:solidFill>
+                  <a:srgbClr val="000000"/>
+                </a:solidFill>
+                <a:latin typeface="Monaco"/>
+                <a:cs typeface="Monaco"/>
+              </a:rPr>
+              <a:t>	</a:t>
+            </a:r>
+            <a:r>
+              <a:rPr lang="en-US" dirty="0" smtClean="0">
+                <a:solidFill>
+                  <a:srgbClr val="000000"/>
+                </a:solidFill>
+                <a:latin typeface="Monaco"/>
+                <a:cs typeface="Monaco"/>
+              </a:rPr>
+              <a:t>for entry in item:</a:t>
+            </a:r>
+          </a:p>
+          <a:p>
+            <a:r>
+              <a:rPr lang="en-US" dirty="0">
+                <a:solidFill>
+                  <a:srgbClr val="000000"/>
+                </a:solidFill>
+                <a:latin typeface="Monaco"/>
+                <a:cs typeface="Monaco"/>
+              </a:rPr>
+              <a:t>	</a:t>
+            </a:r>
+            <a:r>
+              <a:rPr lang="en-US" dirty="0" smtClean="0">
+                <a:solidFill>
+                  <a:srgbClr val="000000"/>
+                </a:solidFill>
+                <a:latin typeface="Monaco"/>
+                <a:cs typeface="Monaco"/>
+              </a:rPr>
+              <a:t>	j += 1</a:t>
+            </a:r>
+          </a:p>
+          <a:p>
+            <a:endParaRPr lang="en-US" dirty="0" smtClean="0">
+              <a:solidFill>
+                <a:srgbClr val="000000"/>
+              </a:solidFill>
+              <a:latin typeface="Monaco"/>
+              <a:cs typeface="Monaco"/>
+            </a:endParaRPr>
+          </a:p>
+          <a:p>
+            <a:r>
+              <a:rPr lang="en-US" dirty="0">
+                <a:solidFill>
+                  <a:srgbClr val="000000"/>
+                </a:solidFill>
+                <a:latin typeface="Monaco"/>
+                <a:cs typeface="Monaco"/>
+              </a:rPr>
+              <a:t>	</a:t>
+            </a:r>
+            <a:r>
+              <a:rPr lang="en-US" dirty="0" smtClean="0">
+                <a:solidFill>
+                  <a:srgbClr val="000000"/>
+                </a:solidFill>
+                <a:latin typeface="Monaco"/>
+                <a:cs typeface="Monaco"/>
+              </a:rPr>
+              <a:t># Return the size</a:t>
+            </a:r>
+          </a:p>
+          <a:p>
+            <a:r>
+              <a:rPr lang="en-US" dirty="0">
+                <a:solidFill>
+                  <a:srgbClr val="000000"/>
+                </a:solidFill>
+                <a:latin typeface="Monaco"/>
+                <a:cs typeface="Monaco"/>
+              </a:rPr>
+              <a:t>	</a:t>
+            </a:r>
+            <a:r>
+              <a:rPr lang="en-US" dirty="0" smtClean="0">
+                <a:solidFill>
+                  <a:srgbClr val="000000"/>
+                </a:solidFill>
+                <a:latin typeface="Monaco"/>
+                <a:cs typeface="Monaco"/>
+              </a:rPr>
+              <a:t>return </a:t>
+            </a:r>
+            <a:r>
+              <a:rPr lang="en-US" dirty="0" smtClean="0">
+                <a:solidFill>
+                  <a:srgbClr val="526DB0"/>
+                </a:solidFill>
+                <a:latin typeface="Monaco"/>
+                <a:cs typeface="Monaco"/>
+              </a:rPr>
+              <a:t>j</a:t>
+            </a:r>
+          </a:p>
+          <a:p>
+            <a:endParaRPr lang="en-US" dirty="0">
+              <a:latin typeface="Monaco"/>
+              <a:cs typeface="Monaco"/>
+            </a:endParaRPr>
+          </a:p>
+          <a:p>
+            <a:r>
+              <a:rPr lang="en-US" dirty="0" smtClean="0">
+                <a:latin typeface="Monaco"/>
+                <a:cs typeface="Monaco"/>
+              </a:rPr>
+              <a:t># Now we can use the function!</a:t>
+            </a:r>
+          </a:p>
+          <a:p>
+            <a:r>
+              <a:rPr lang="en-US" dirty="0" smtClean="0">
+                <a:latin typeface="Monaco"/>
+                <a:cs typeface="Monaco"/>
+              </a:rPr>
+              <a:t>my_list = [1,2,3,4,5,6]</a:t>
+            </a:r>
+          </a:p>
+          <a:p>
+            <a:r>
+              <a:rPr lang="en-US" dirty="0" smtClean="0">
+                <a:solidFill>
+                  <a:schemeClr val="accent3"/>
+                </a:solidFill>
+                <a:latin typeface="Monaco"/>
+                <a:cs typeface="Monaco"/>
+              </a:rPr>
+              <a:t>b</a:t>
+            </a:r>
+            <a:r>
+              <a:rPr lang="en-US" dirty="0" smtClean="0">
+                <a:latin typeface="Monaco"/>
+                <a:cs typeface="Monaco"/>
+              </a:rPr>
+              <a:t> = </a:t>
+            </a:r>
+            <a:r>
+              <a:rPr lang="en-US" dirty="0" err="1" smtClean="0">
+                <a:solidFill>
+                  <a:srgbClr val="DC5924"/>
+                </a:solidFill>
+                <a:latin typeface="Monaco"/>
+                <a:cs typeface="Monaco"/>
+              </a:rPr>
+              <a:t>my_len</a:t>
+            </a:r>
+            <a:r>
+              <a:rPr lang="en-US" dirty="0" smtClean="0">
+                <a:latin typeface="Monaco"/>
+                <a:cs typeface="Monaco"/>
+              </a:rPr>
+              <a:t>(</a:t>
+            </a:r>
+            <a:r>
+              <a:rPr lang="en-US" dirty="0" smtClean="0">
+                <a:solidFill>
+                  <a:srgbClr val="B4B392"/>
+                </a:solidFill>
+                <a:latin typeface="Monaco"/>
+                <a:cs typeface="Monaco"/>
+              </a:rPr>
+              <a:t>my_list</a:t>
+            </a:r>
+            <a:r>
+              <a:rPr lang="en-US" dirty="0" smtClean="0">
+                <a:latin typeface="Monaco"/>
+                <a:cs typeface="Monaco"/>
+              </a:rPr>
+              <a:t>)</a:t>
+            </a:r>
+          </a:p>
+          <a:p>
+            <a:r>
+              <a:rPr lang="en-US" dirty="0" smtClean="0">
+                <a:latin typeface="Monaco"/>
+                <a:cs typeface="Monaco"/>
+              </a:rPr>
+              <a:t>print </a:t>
+            </a:r>
+            <a:r>
+              <a:rPr lang="en-US" dirty="0" smtClean="0">
+                <a:solidFill>
+                  <a:schemeClr val="accent3"/>
+                </a:solidFill>
+                <a:latin typeface="Monaco"/>
+                <a:cs typeface="Monaco"/>
+              </a:rPr>
+              <a:t>b</a:t>
+            </a:r>
+          </a:p>
+          <a:p>
+            <a:r>
+              <a:rPr lang="en-US" dirty="0">
+                <a:latin typeface="Monaco"/>
+                <a:cs typeface="Monaco"/>
+              </a:rPr>
+              <a:t>	</a:t>
+            </a:r>
+            <a:r>
+              <a:rPr lang="en-US" dirty="0" smtClean="0">
+                <a:solidFill>
+                  <a:schemeClr val="bg1">
+                    <a:lumMod val="65000"/>
+                  </a:schemeClr>
+                </a:solidFill>
+                <a:latin typeface="Monaco"/>
+                <a:cs typeface="Monaco"/>
+              </a:rPr>
+              <a:t>6</a:t>
+            </a:r>
+          </a:p>
+          <a:p>
+            <a:r>
+              <a:rPr lang="en-US" dirty="0" smtClean="0">
+                <a:latin typeface="Monaco"/>
+                <a:cs typeface="Monaco"/>
+              </a:rPr>
+              <a:t>print j</a:t>
+            </a:r>
+          </a:p>
+          <a:p>
+            <a:r>
+              <a:rPr lang="en-US" dirty="0">
+                <a:solidFill>
+                  <a:schemeClr val="tx2"/>
+                </a:solidFill>
+                <a:latin typeface="Monaco"/>
+                <a:cs typeface="Monaco"/>
+              </a:rPr>
+              <a:t>	</a:t>
+            </a:r>
+            <a:r>
+              <a:rPr lang="en-US" dirty="0" err="1">
+                <a:solidFill>
+                  <a:schemeClr val="tx2"/>
+                </a:solidFill>
+                <a:latin typeface="Monaco"/>
+                <a:cs typeface="Monaco"/>
+              </a:rPr>
+              <a:t>NameError</a:t>
+            </a:r>
+            <a:r>
+              <a:rPr lang="en-US" dirty="0">
+                <a:solidFill>
+                  <a:schemeClr val="tx2"/>
+                </a:solidFill>
+                <a:latin typeface="Monaco"/>
+                <a:cs typeface="Monaco"/>
+              </a:rPr>
+              <a:t>: name 'j' is not defined</a:t>
+            </a:r>
+          </a:p>
+          <a:p>
+            <a:endParaRPr lang="en-US" dirty="0">
+              <a:latin typeface="Monaco"/>
+              <a:cs typeface="Monaco"/>
+            </a:endParaRPr>
+          </a:p>
+          <a:p>
+            <a:endParaRPr lang="en-US" dirty="0" smtClean="0">
+              <a:latin typeface="Monaco"/>
+              <a:cs typeface="Monaco"/>
+            </a:endParaRPr>
+          </a:p>
+          <a:p>
+            <a:r>
+              <a:rPr lang="en-US" dirty="0" smtClean="0">
+                <a:latin typeface="Monaco"/>
+                <a:cs typeface="Monaco"/>
+              </a:rPr>
+              <a:t> </a:t>
+            </a:r>
+          </a:p>
+        </p:txBody>
+      </p:sp>
+      <p:sp>
+        <p:nvSpPr>
+          <p:cNvPr id="5" name="TextBox 4"/>
+          <p:cNvSpPr txBox="1"/>
+          <p:nvPr/>
+        </p:nvSpPr>
+        <p:spPr>
+          <a:xfrm>
+            <a:off x="4650808" y="3042416"/>
+            <a:ext cx="4257911" cy="1754327"/>
+          </a:xfrm>
+          <a:prstGeom prst="rect">
+            <a:avLst/>
+          </a:prstGeom>
+          <a:noFill/>
+          <a:ln w="28575" cmpd="sng">
+            <a:solidFill>
+              <a:schemeClr val="accent2"/>
+            </a:solidFill>
+          </a:ln>
+        </p:spPr>
+        <p:txBody>
+          <a:bodyPr wrap="square" rtlCol="0">
+            <a:spAutoFit/>
+          </a:bodyPr>
+          <a:lstStyle/>
+          <a:p>
+            <a:r>
+              <a:rPr lang="en-US" dirty="0" smtClean="0">
+                <a:solidFill>
+                  <a:schemeClr val="accent5"/>
+                </a:solidFill>
+              </a:rPr>
+              <a:t>Function names </a:t>
+            </a:r>
+            <a:r>
+              <a:rPr lang="en-US" dirty="0" smtClean="0"/>
+              <a:t>should be meaningful</a:t>
+            </a:r>
+          </a:p>
+          <a:p>
+            <a:endParaRPr lang="en-US" dirty="0" smtClean="0"/>
+          </a:p>
+          <a:p>
+            <a:r>
+              <a:rPr lang="en-US" dirty="0" smtClean="0">
+                <a:solidFill>
+                  <a:schemeClr val="accent6"/>
+                </a:solidFill>
+              </a:rPr>
+              <a:t>Arguments</a:t>
+            </a:r>
+            <a:r>
+              <a:rPr lang="en-US" dirty="0" smtClean="0"/>
+              <a:t> are </a:t>
+            </a:r>
+            <a:r>
+              <a:rPr lang="en-US" i="1" dirty="0" smtClean="0"/>
+              <a:t>arbitrary variable names</a:t>
+            </a:r>
+          </a:p>
+          <a:p>
+            <a:endParaRPr lang="en-US" i="1" dirty="0"/>
+          </a:p>
+          <a:p>
+            <a:r>
+              <a:rPr lang="en-US" dirty="0" smtClean="0">
+                <a:solidFill>
+                  <a:schemeClr val="accent3"/>
+                </a:solidFill>
+              </a:rPr>
+              <a:t>Variables</a:t>
+            </a:r>
+            <a:r>
+              <a:rPr lang="en-US" dirty="0" smtClean="0"/>
+              <a:t> defined/used in the function </a:t>
+            </a:r>
+            <a:r>
+              <a:rPr lang="en-US" i="1" dirty="0" smtClean="0"/>
+              <a:t>exist only in the function</a:t>
+            </a:r>
+            <a:endParaRPr lang="en-US" dirty="0"/>
+          </a:p>
+        </p:txBody>
+      </p:sp>
+    </p:spTree>
+    <p:extLst>
+      <p:ext uri="{BB962C8B-B14F-4D97-AF65-F5344CB8AC3E}">
+        <p14:creationId xmlns:p14="http://schemas.microsoft.com/office/powerpoint/2010/main" val="2039778305"/>
+      </p:ext>
+    </p:extLst>
+  </p:cSld>
+  <p:clrMapOvr>
+    <a:masterClrMapping/>
+  </p:clrMapOvr>
+</p:sld>
+</file>
+
+<file path=ppt/slides/slide14.xml><?xml version="1.0" encoding="utf-8"?>
+<p:sld xmlns:a="http://schemas.openxmlformats.org/drawingml/2006/main" xmlns:r="http://schemas.openxmlformats.org/officeDocument/2006/relationships" xmlns:p="http://schemas.openxmlformats.org/presentationml/2006/main">
+  <p:cSld>
+    <p:spTree>
+      <p:nvGrpSpPr>
+        <p:cNvPr id="1" name=""/>
+        <p:cNvGrpSpPr/>
+        <p:nvPr/>
+      </p:nvGrpSpPr>
+      <p:grpSpPr>
+        <a:xfrm>
+          <a:off x="0" y="0"/>
+          <a:ext cx="0" cy="0"/>
+          <a:chOff x="0" y="0"/>
+          <a:chExt cx="0" cy="0"/>
+        </a:xfrm>
+      </p:grpSpPr>
+      <p:sp>
+        <p:nvSpPr>
+          <p:cNvPr id="2" name="Title 1"/>
+          <p:cNvSpPr>
+            <a:spLocks noGrp="1"/>
+          </p:cNvSpPr>
+          <p:nvPr>
+            <p:ph type="title"/>
+          </p:nvPr>
+        </p:nvSpPr>
+        <p:spPr/>
+        <p:txBody>
+          <a:bodyPr/>
+          <a:lstStyle/>
+          <a:p>
+            <a:r>
+              <a:rPr lang="en-US" dirty="0" smtClean="0"/>
               <a:t>functions are generic formulas</a:t>
             </a:r>
             <a:endParaRPr lang="en-US" dirty="0"/>
@@ -5523,7 +5822,7 @@
 </p:sld>
 </file>
 
-<file path=ppt/slides/slide14.xml><?xml version="1.0" encoding="utf-8"?>
+<file path=ppt/slides/slide15.xml><?xml version="1.0" encoding="utf-8"?>
 <p:sld xmlns:a="http://schemas.openxmlformats.org/drawingml/2006/main" xmlns:r="http://schemas.openxmlformats.org/officeDocument/2006/relationships" xmlns:p="http://schemas.openxmlformats.org/presentationml/2006/main">
   <p:cSld>
     <p:spTree>
@@ -5749,177 +6048,6 @@
 </p:sld>
 </file>
 
-<file path=ppt/slides/slide15.xml><?xml version="1.0" encoding="utf-8"?>
-<p:sld xmlns:a="http://schemas.openxmlformats.org/drawingml/2006/main" xmlns:r="http://schemas.openxmlformats.org/officeDocument/2006/relationships" xmlns:p="http://schemas.openxmlformats.org/presentationml/2006/main">
-  <p:cSld>
-    <p:spTree>
-      <p:nvGrpSpPr>
-        <p:cNvPr id="1" name=""/>
-        <p:cNvGrpSpPr/>
-        <p:nvPr/>
-      </p:nvGrpSpPr>
-      <p:grpSpPr>
-        <a:xfrm>
-          <a:off x="0" y="0"/>
-          <a:ext cx="0" cy="0"/>
-          <a:chOff x="0" y="0"/>
-          <a:chExt cx="0" cy="0"/>
-        </a:xfrm>
-      </p:grpSpPr>
-      <p:sp>
-        <p:nvSpPr>
-          <p:cNvPr id="2" name="Title 1"/>
-          <p:cNvSpPr>
-            <a:spLocks noGrp="1"/>
-          </p:cNvSpPr>
-          <p:nvPr>
-            <p:ph type="title"/>
-          </p:nvPr>
-        </p:nvSpPr>
-        <p:spPr/>
-        <p:txBody>
-          <a:bodyPr/>
-          <a:lstStyle/>
-          <a:p>
-            <a:r>
-              <a:rPr lang="en-US" dirty="0" smtClean="0"/>
-              <a:t>functions are generic formulas</a:t>
-            </a:r>
-            <a:endParaRPr lang="en-US" dirty="0"/>
-          </a:p>
-        </p:txBody>
-      </p:sp>
-      <p:sp>
-        <p:nvSpPr>
-          <p:cNvPr id="4" name="TextBox 3"/>
-          <p:cNvSpPr txBox="1"/>
-          <p:nvPr/>
-        </p:nvSpPr>
-        <p:spPr>
-          <a:xfrm>
-            <a:off x="365827" y="1651736"/>
-            <a:ext cx="8338444" cy="2585323"/>
-          </a:xfrm>
-          <a:prstGeom prst="rect">
-            <a:avLst/>
-          </a:prstGeom>
-          <a:noFill/>
-        </p:spPr>
-        <p:txBody>
-          <a:bodyPr wrap="square" rtlCol="0">
-            <a:spAutoFit/>
-          </a:bodyPr>
-          <a:lstStyle/>
-          <a:p>
-            <a:endParaRPr lang="en-US" dirty="0">
-              <a:solidFill>
-                <a:schemeClr val="bg1">
-                  <a:lumMod val="65000"/>
-                </a:schemeClr>
-              </a:solidFill>
-              <a:latin typeface="Monaco"/>
-              <a:cs typeface="Monaco"/>
-            </a:endParaRPr>
-          </a:p>
-          <a:p>
-            <a:r>
-              <a:rPr lang="en-US" dirty="0" smtClean="0">
-                <a:latin typeface="Monaco"/>
-                <a:cs typeface="Monaco"/>
-              </a:rPr>
-              <a:t>def triangle_area(l, w):</a:t>
-            </a:r>
-          </a:p>
-          <a:p>
-            <a:r>
-              <a:rPr lang="en-US" dirty="0">
-                <a:latin typeface="Monaco"/>
-                <a:cs typeface="Monaco"/>
-              </a:rPr>
-              <a:t>	</a:t>
-            </a:r>
-            <a:r>
-              <a:rPr lang="en-US" dirty="0" smtClean="0">
-                <a:latin typeface="Monaco"/>
-                <a:cs typeface="Monaco"/>
-              </a:rPr>
-              <a:t>area = l*w / 2.0</a:t>
-            </a:r>
-          </a:p>
-          <a:p>
-            <a:r>
-              <a:rPr lang="en-US" dirty="0">
-                <a:latin typeface="Monaco"/>
-                <a:cs typeface="Monaco"/>
-              </a:rPr>
-              <a:t>	</a:t>
-            </a:r>
-            <a:r>
-              <a:rPr lang="en-US" dirty="0" smtClean="0">
-                <a:latin typeface="Monaco"/>
-                <a:cs typeface="Monaco"/>
-              </a:rPr>
-              <a:t>return area</a:t>
-            </a:r>
-          </a:p>
-          <a:p>
-            <a:endParaRPr lang="en-US" dirty="0" smtClean="0">
-              <a:latin typeface="Monaco"/>
-              <a:cs typeface="Monaco"/>
-            </a:endParaRPr>
-          </a:p>
-          <a:p>
-            <a:endParaRPr lang="en-US" dirty="0" smtClean="0">
-              <a:latin typeface="Monaco"/>
-              <a:cs typeface="Monaco"/>
-            </a:endParaRPr>
-          </a:p>
-          <a:p>
-            <a:r>
-              <a:rPr lang="en-US" dirty="0" smtClean="0">
-                <a:latin typeface="Monaco"/>
-                <a:cs typeface="Monaco"/>
-              </a:rPr>
-              <a:t># Usage 1</a:t>
-            </a:r>
-            <a:endParaRPr lang="en-US" dirty="0">
-              <a:latin typeface="Monaco"/>
-              <a:cs typeface="Monaco"/>
-            </a:endParaRPr>
-          </a:p>
-          <a:p>
-            <a:r>
-              <a:rPr lang="en-US" dirty="0" smtClean="0">
-                <a:latin typeface="Monaco"/>
-                <a:cs typeface="Monaco"/>
-              </a:rPr>
-              <a:t>area = triangle_area(7, 6)</a:t>
-            </a:r>
-          </a:p>
-          <a:p>
-            <a:r>
-              <a:rPr lang="en-US" dirty="0" smtClean="0">
-                <a:latin typeface="Monaco"/>
-                <a:cs typeface="Monaco"/>
-              </a:rPr>
-              <a:t> </a:t>
-            </a:r>
-          </a:p>
-        </p:txBody>
-      </p:sp>
-    </p:spTree>
-    <p:extLst>
-      <p:ext uri="{BB962C8B-B14F-4D97-AF65-F5344CB8AC3E}">
-        <p14:creationId xmlns:p14="http://schemas.microsoft.com/office/powerpoint/2010/main" val="2581601203"/>
-      </p:ext>
-    </p:extLst>
-  </p:cSld>
-  <p:clrMapOvr>
-    <a:masterClrMapping/>
-  </p:clrMapOvr>
-</p:sld>
-</file>
-
 <file path=ppt/slides/slide16.xml><?xml version="1.0" encoding="utf-8"?>
 <p:sld xmlns:a="http://schemas.openxmlformats.org/drawingml/2006/main" xmlns:r="http://schemas.openxmlformats.org/officeDocument/2006/relationships" xmlns:p="http://schemas.openxmlformats.org/presentationml/2006/main">
   <p:cSld>
@@ -5969,7 +6097,7 @@
         <p:spPr>
           <a:xfrm>
             <a:off x="365827" y="1651736"/>
-            <a:ext cx="8338444" cy="3970318"/>
+            <a:ext cx="8338444" cy="2585323"/>
           </a:xfrm>
           <a:prstGeom prst="rect">
             <a:avLst/>
@@ -6068,48 +6196,6 @@
             </a:r>
           </a:p>
           <a:p>
-            <a:endParaRPr lang="en-US" dirty="0" smtClean="0">
-              <a:latin typeface="Monaco"/>
-              <a:cs typeface="Monaco"/>
-            </a:endParaRPr>
-          </a:p>
-          <a:p>
-            <a:r>
-              <a:rPr lang="en-US" dirty="0" smtClean="0">
-                <a:latin typeface="Monaco"/>
-                <a:cs typeface="Monaco"/>
-              </a:rPr>
-              <a:t># Usage 2</a:t>
-            </a:r>
-          </a:p>
-          <a:p>
-            <a:r>
-              <a:rPr lang="en-US" dirty="0" smtClean="0">
-                <a:latin typeface="Monaco"/>
-                <a:cs typeface="Monaco"/>
-              </a:rPr>
-              <a:t>length = 7</a:t>
-            </a:r>
-          </a:p>
-          <a:p>
-            <a:r>
-              <a:rPr lang="en-US" dirty="0" smtClean="0">
-                <a:latin typeface="Monaco"/>
-                <a:cs typeface="Monaco"/>
-              </a:rPr>
-              <a:t>width = 6</a:t>
-            </a:r>
-          </a:p>
-          <a:p>
-            <a:r>
-              <a:rPr lang="en-US" dirty="0" smtClean="0">
-                <a:latin typeface="Monaco"/>
-                <a:cs typeface="Monaco"/>
-              </a:rPr>
-              <a:t>area = triangle_area(length, width)</a:t>
-            </a:r>
-          </a:p>
-          <a:p>
             <a:r>
               <a:rPr lang="en-US" dirty="0" smtClean="0">
                 <a:latin typeface="Monaco"/>
@@ -6123,7 +6209,7 @@
     </p:spTree>
     <p:extLst>
       <p:ext uri="{BB962C8B-B14F-4D97-AF65-F5344CB8AC3E}">
-        <p14:creationId xmlns:p14="http://schemas.microsoft.com/office/powerpoint/2010/main" val="3157093459"/>
+        <p14:creationId xmlns:p14="http://schemas.microsoft.com/office/powerpoint/2010/main" val="2581601203"/>
       </p:ext>
     </p:extLst>
   </p:cSld>
@@ -6182,7 +6268,7 @@
         <p:spPr>
           <a:xfrm>
             <a:off x="365827" y="1651736"/>
-            <a:ext cx="8338444" cy="5632312"/>
+            <a:ext cx="8338444" cy="3970318"/>
           </a:xfrm>
           <a:prstGeom prst="rect">
             <a:avLst/>
@@ -6321,58 +6407,6 @@
               </a:rPr>
               <a:t>area = triangle_area(length, width)</a:t>
             </a:r>
-          </a:p>
-          <a:p>
-            <a:endParaRPr lang="en-US" dirty="0">
-              <a:latin typeface="Monaco"/>
-              <a:cs typeface="Monaco"/>
-            </a:endParaRPr>
-          </a:p>
-          <a:p>
-            <a:r>
-              <a:rPr lang="en-US" dirty="0" smtClean="0">
-                <a:latin typeface="Monaco"/>
-                <a:cs typeface="Monaco"/>
-              </a:rPr>
-              <a:t># Usage 3</a:t>
-            </a:r>
-          </a:p>
-          <a:p>
-            <a:r>
-              <a:rPr lang="en-US" dirty="0" smtClean="0">
-                <a:latin typeface="Monaco"/>
-                <a:cs typeface="Monaco"/>
-              </a:rPr>
-              <a:t>l = 7</a:t>
-            </a:r>
-          </a:p>
-          <a:p>
-            <a:r>
-              <a:rPr lang="en-US" dirty="0" smtClean="0">
-                <a:latin typeface="Monaco"/>
-                <a:cs typeface="Monaco"/>
-              </a:rPr>
-              <a:t>w = 6</a:t>
-            </a:r>
-          </a:p>
-          <a:p>
-            <a:r>
-              <a:rPr lang="en-US" dirty="0" smtClean="0">
-                <a:latin typeface="Monaco"/>
-                <a:cs typeface="Monaco"/>
-              </a:rPr>
-              <a:t>area = triangle_area(l, w)</a:t>
-            </a:r>
-            <a:endParaRPr lang="en-US" dirty="0">
-              <a:latin typeface="Monaco"/>
-              <a:cs typeface="Monaco"/>
-            </a:endParaRPr>
-          </a:p>
-          <a:p>
-            <a:endParaRPr lang="en-US" dirty="0" smtClean="0">
-              <a:latin typeface="Monaco"/>
-              <a:cs typeface="Monaco"/>
-            </a:endParaRPr>
           </a:p>
           <a:p>
             <a:r>
@@ -6432,45 +6466,9 @@
           <a:p>
             <a:r>
               <a:rPr lang="en-US" dirty="0" smtClean="0"/>
-              <a:t>how do I know my function works?</a:t>
+              <a:t>functions are generic formulas</a:t>
             </a:r>
             <a:endParaRPr lang="en-US" dirty="0"/>
-          </a:p>
-        </p:txBody>
-      </p:sp>
-      <p:sp>
-        <p:nvSpPr>
-          <p:cNvPr id="3" name="Content Placeholder 2"/>
-          <p:cNvSpPr>
-            <a:spLocks noGrp="1"/>
-          </p:cNvSpPr>
-          <p:nvPr>
-            <p:ph idx="1"/>
-          </p:nvPr>
-        </p:nvSpPr>
-        <p:spPr/>
-        <p:txBody>
-          <a:bodyPr/>
-          <a:lstStyle/>
-          <a:p>
-            <a:pPr marL="457200" indent="-457200">
-              <a:buFont typeface="Arial"/>
-              <a:buChar char="•"/>
-            </a:pPr>
-            <a:r>
-              <a:rPr lang="en-US" dirty="0" smtClean="0"/>
-              <a:t>Use test-cases!!</a:t>
-            </a:r>
-          </a:p>
-          <a:p>
-            <a:pPr marL="914400" lvl="1" indent="-457200">
-              <a:buFont typeface="Arial"/>
-              <a:buChar char="•"/>
-            </a:pPr>
-            <a:r>
-              <a:rPr lang="en-US" dirty="0" smtClean="0"/>
-              <a:t>After writing a function, *always* test it with something that you know should work</a:t>
-            </a:r>
           </a:p>
         </p:txBody>
       </p:sp>
@@ -6482,8 +6480,8 @@
         </p:nvSpPr>
         <p:spPr>
           <a:xfrm>
-            <a:off x="457200" y="3376602"/>
-            <a:ext cx="8338444" cy="3139321"/>
+            <a:off x="365827" y="1651736"/>
+            <a:ext cx="8338444" cy="5632312"/>
           </a:xfrm>
           <a:prstGeom prst="rect">
             <a:avLst/>
@@ -6528,7 +6526,7 @@
                 <a:latin typeface="Monaco"/>
                 <a:cs typeface="Monaco"/>
               </a:rPr>
-              <a:t>area = l*w/ 2.0</a:t>
+              <a:t>area = l*w / 2.0</a:t>
             </a:r>
           </a:p>
           <a:p>
@@ -6548,6 +6546,25 @@
             </a:r>
           </a:p>
           <a:p>
+            <a:endParaRPr lang="en-US" dirty="0" smtClean="0">
+              <a:latin typeface="Monaco"/>
+              <a:cs typeface="Monaco"/>
+            </a:endParaRPr>
+          </a:p>
+          <a:p>
+            <a:endParaRPr lang="en-US" dirty="0" smtClean="0">
+              <a:latin typeface="Monaco"/>
+              <a:cs typeface="Monaco"/>
+            </a:endParaRPr>
+          </a:p>
+          <a:p>
+            <a:r>
+              <a:rPr lang="en-US" dirty="0" smtClean="0">
+                <a:latin typeface="Monaco"/>
+                <a:cs typeface="Monaco"/>
+              </a:rPr>
+              <a:t># Usage 1</a:t>
+            </a:r>
             <a:endParaRPr lang="en-US" dirty="0">
               <a:latin typeface="Monaco"/>
               <a:cs typeface="Monaco"/>
@@ -6559,7 +6576,7 @@
                 <a:latin typeface="Monaco"/>
                 <a:cs typeface="Monaco"/>
               </a:rPr>
-              <a:t># Before using the function all over the place, make sure that l=7, w=6 prints 21</a:t>
+              <a:t>area = triangle_area(7, 6)</a:t>
             </a:r>
           </a:p>
           <a:p>
@@ -6574,35 +6591,78 @@
                 <a:latin typeface="Monaco"/>
                 <a:cs typeface="Monaco"/>
               </a:rPr>
-              <a:t>print triangle_area(7,6)</a:t>
-            </a:r>
-          </a:p>
-          <a:p>
-            <a:r>
-              <a:rPr lang="en-US" dirty="0">
-                <a:latin typeface="Monaco"/>
-                <a:cs typeface="Monaco"/>
-              </a:rPr>
-              <a:t>	</a:t>
-            </a:r>
-            <a:r>
-              <a:rPr lang="en-US" dirty="0" smtClean="0">
-                <a:solidFill>
-                  <a:schemeClr val="bg1">
-                    <a:lumMod val="65000"/>
-                  </a:schemeClr>
-                </a:solidFill>
-                <a:latin typeface="Monaco"/>
-                <a:cs typeface="Monaco"/>
-              </a:rPr>
-              <a:t>21</a:t>
-            </a:r>
+              <a:t># Usage 2</a:t>
+            </a:r>
+          </a:p>
+          <a:p>
+            <a:r>
+              <a:rPr lang="en-US" dirty="0" smtClean="0">
+                <a:latin typeface="Monaco"/>
+                <a:cs typeface="Monaco"/>
+              </a:rPr>
+              <a:t>length = 7</a:t>
+            </a:r>
+          </a:p>
+          <a:p>
+            <a:r>
+              <a:rPr lang="en-US" dirty="0" smtClean="0">
+                <a:latin typeface="Monaco"/>
+                <a:cs typeface="Monaco"/>
+              </a:rPr>
+              <a:t>width = 6</a:t>
+            </a:r>
+          </a:p>
+          <a:p>
+            <a:r>
+              <a:rPr lang="en-US" dirty="0" smtClean="0">
+                <a:latin typeface="Monaco"/>
+                <a:cs typeface="Monaco"/>
+              </a:rPr>
+              <a:t>area = triangle_area(length, width)</a:t>
+            </a:r>
+          </a:p>
+          <a:p>
             <a:endParaRPr lang="en-US" dirty="0">
-              <a:solidFill>
-                <a:schemeClr val="bg1">
-                  <a:lumMod val="65000"/>
-                </a:schemeClr>
-              </a:solidFill>
+              <a:latin typeface="Monaco"/>
+              <a:cs typeface="Monaco"/>
+            </a:endParaRPr>
+          </a:p>
+          <a:p>
+            <a:r>
+              <a:rPr lang="en-US" dirty="0" smtClean="0">
+                <a:latin typeface="Monaco"/>
+                <a:cs typeface="Monaco"/>
+              </a:rPr>
+              <a:t># Usage 3</a:t>
+            </a:r>
+          </a:p>
+          <a:p>
+            <a:r>
+              <a:rPr lang="en-US" dirty="0" smtClean="0">
+                <a:latin typeface="Monaco"/>
+                <a:cs typeface="Monaco"/>
+              </a:rPr>
+              <a:t>l = 7</a:t>
+            </a:r>
+          </a:p>
+          <a:p>
+            <a:r>
+              <a:rPr lang="en-US" dirty="0" smtClean="0">
+                <a:latin typeface="Monaco"/>
+                <a:cs typeface="Monaco"/>
+              </a:rPr>
+              <a:t>w = 6</a:t>
+            </a:r>
+          </a:p>
+          <a:p>
+            <a:r>
+              <a:rPr lang="en-US" dirty="0" smtClean="0">
+                <a:latin typeface="Monaco"/>
+                <a:cs typeface="Monaco"/>
+              </a:rPr>
+              <a:t>area = triangle_area(l, w)</a:t>
+            </a:r>
+            <a:endParaRPr lang="en-US" dirty="0">
               <a:latin typeface="Monaco"/>
               <a:cs typeface="Monaco"/>
             </a:endParaRPr>
@@ -6613,12 +6673,21 @@
               <a:cs typeface="Monaco"/>
             </a:endParaRPr>
           </a:p>
+          <a:p>
+            <a:r>
+              <a:rPr lang="en-US" dirty="0" smtClean="0">
+                <a:latin typeface="Monaco"/>
+                <a:cs typeface="Monaco"/>
+              </a:rPr>
+              <a:t> </a:t>
+            </a:r>
+          </a:p>
         </p:txBody>
       </p:sp>
     </p:spTree>
     <p:extLst>
       <p:ext uri="{BB962C8B-B14F-4D97-AF65-F5344CB8AC3E}">
-        <p14:creationId xmlns:p14="http://schemas.microsoft.com/office/powerpoint/2010/main" val="298666741"/>
+        <p14:creationId xmlns:p14="http://schemas.microsoft.com/office/powerpoint/2010/main" val="3157093459"/>
       </p:ext>
     </p:extLst>
   </p:cSld>
@@ -6662,7 +6731,7 @@
           <a:p>
             <a:r>
               <a:rPr lang="en-US" dirty="0" smtClean="0"/>
-              <a:t>a note on scope</a:t>
+              <a:t>use test cases to ensure your function works</a:t>
             </a:r>
             <a:endParaRPr lang="en-US" dirty="0"/>
           </a:p>
@@ -6680,9 +6749,7 @@
         </p:nvSpPr>
         <p:spPr/>
         <p:txBody>
-          <a:bodyPr>
-            <a:normAutofit/>
-          </a:bodyPr>
+          <a:bodyPr/>
           <a:lstStyle/>
           <a:p>
             <a:pPr marL="457200" indent="-457200">
@@ -6691,41 +6758,7 @@
             </a:pPr>
             <a:r>
               <a:rPr lang="en-US" dirty="0" smtClean="0"/>
-              <a:t>Scope: the portion of your code where a certain variable/function exists</a:t>
-            </a:r>
-          </a:p>
-          <a:p>
-            <a:pPr marL="457200" indent="-457200">
-              <a:buFont typeface="Arial"/>
-              <a:buChar char="•"/>
-            </a:pPr>
-            <a:endParaRPr lang="en-US" dirty="0"/>
-          </a:p>
-          <a:p>
-            <a:pPr marL="457200" indent="-457200">
-              <a:buFont typeface="Arial"/>
-              <a:buChar char="•"/>
-            </a:pPr>
-            <a:r>
-              <a:rPr lang="en-US" dirty="0" smtClean="0"/>
-              <a:t>In Python, scope is basically top-to-bottom</a:t>
-            </a:r>
-          </a:p>
-          <a:p>
-            <a:pPr marL="457200" indent="-457200">
-              <a:buFont typeface="Arial"/>
-              <a:buChar char="•"/>
-            </a:pPr>
-            <a:endParaRPr lang="en-US" dirty="0" smtClean="0"/>
-          </a:p>
-          <a:p>
-            <a:pPr marL="457200" indent="-457200">
-              <a:buFont typeface="Arial"/>
-              <a:buChar char="•"/>
-            </a:pPr>
-            <a:r>
-              <a:rPr lang="en-US" dirty="0" smtClean="0"/>
-              <a:t>Punch-line: define functions at the *top* of your script!</a:t>
+              <a:t>After writing a function, *always* test it with input that you know should work</a:t>
             </a:r>
           </a:p>
         </p:txBody>
@@ -6733,7 +6766,7 @@
     </p:spTree>
     <p:extLst>
       <p:ext uri="{BB962C8B-B14F-4D97-AF65-F5344CB8AC3E}">
-        <p14:creationId xmlns:p14="http://schemas.microsoft.com/office/powerpoint/2010/main" val="3182309301"/>
+        <p14:creationId xmlns:p14="http://schemas.microsoft.com/office/powerpoint/2010/main" val="1691605035"/>
       </p:ext>
     </p:extLst>
   </p:cSld>
@@ -6813,48 +6846,6 @@
               <a:rPr lang="en-US" dirty="0" smtClean="0"/>
               <a:t> will return information about a particular function</a:t>
             </a:r>
-          </a:p>
-          <a:p>
-            <a:pPr marL="457200" indent="-457200">
-              <a:buFont typeface="Arial"/>
-              <a:buChar char="•"/>
-            </a:pPr>
-            <a:endParaRPr lang="en-US" dirty="0"/>
-          </a:p>
-          <a:p>
-            <a:pPr marL="457200" indent="-457200">
-              <a:buFont typeface="Arial"/>
-              <a:buChar char="•"/>
-            </a:pPr>
-            <a:r>
-              <a:rPr lang="en-US" dirty="0" err="1" smtClean="0">
-                <a:latin typeface="Monaco"/>
-                <a:cs typeface="Monaco"/>
-              </a:rPr>
-              <a:t>dir</a:t>
-            </a:r>
-            <a:r>
-              <a:rPr lang="en-US" dirty="0" smtClean="0">
-                <a:latin typeface="Monaco"/>
-                <a:cs typeface="Monaco"/>
-              </a:rPr>
-              <a:t>() </a:t>
-            </a:r>
-            <a:r>
-              <a:rPr lang="en-US" dirty="0" smtClean="0"/>
-              <a:t>will return a list of which methods/attributes/functions that can be used with a given object</a:t>
-            </a:r>
-          </a:p>
-          <a:p>
-            <a:pPr marL="914400" lvl="1" indent="-457200">
-              <a:buFont typeface="Arial"/>
-              <a:buChar char="•"/>
-            </a:pPr>
-            <a:r>
-              <a:rPr lang="en-US" dirty="0" smtClean="0"/>
-              <a:t>Ignore the ones with __underscores__</a:t>
-            </a:r>
-            <a:endParaRPr lang="en-US" dirty="0"/>
           </a:p>
         </p:txBody>
       </p:sp>
@@ -6905,9 +6896,35 @@
           <a:p>
             <a:r>
               <a:rPr lang="en-US" dirty="0" smtClean="0"/>
-              <a:t>returning multiple values</a:t>
+              <a:t>use test cases to ensure your function works</a:t>
             </a:r>
             <a:endParaRPr lang="en-US" dirty="0"/>
+          </a:p>
+        </p:txBody>
+      </p:sp>
+      <p:sp>
+        <p:nvSpPr>
+          <p:cNvPr id="3" name="Content Placeholder 2"/>
+          <p:cNvSpPr>
+            <a:spLocks noGrp="1"/>
+          </p:cNvSpPr>
+          <p:nvPr>
+            <p:ph idx="1"/>
+          </p:nvPr>
+        </p:nvSpPr>
+        <p:spPr/>
+        <p:txBody>
+          <a:bodyPr/>
+          <a:lstStyle/>
+          <a:p>
+            <a:pPr marL="457200" indent="-457200">
+              <a:buFont typeface="Arial"/>
+              <a:buChar char="•"/>
+            </a:pPr>
+            <a:r>
+              <a:rPr lang="en-US" dirty="0" smtClean="0"/>
+              <a:t>After writing a function, *always* test it with input that you know should work</a:t>
+            </a:r>
           </a:p>
         </p:txBody>
       </p:sp>
@@ -6919,8 +6936,8 @@
         </p:nvSpPr>
         <p:spPr>
           <a:xfrm>
-            <a:off x="457199" y="1727554"/>
-            <a:ext cx="8338444" cy="1200329"/>
+            <a:off x="457200" y="3376602"/>
+            <a:ext cx="8338444" cy="3139321"/>
           </a:xfrm>
           <a:prstGeom prst="rect">
             <a:avLst/>
@@ -6933,12 +6950,23 @@
           </a:bodyPr>
           <a:lstStyle/>
           <a:p>
-            <a:r>
-              <a:rPr lang="en-US" dirty="0" smtClean="0">
-                <a:latin typeface="Monaco"/>
-                <a:cs typeface="Monaco"/>
-              </a:rPr>
-              <a:t>def square_cube(x):</a:t>
+            <a:endParaRPr lang="en-US" dirty="0">
+              <a:solidFill>
+                <a:schemeClr val="bg1">
+                  <a:lumMod val="65000"/>
+                </a:schemeClr>
+              </a:solidFill>
+              <a:latin typeface="Monaco"/>
+              <a:cs typeface="Monaco"/>
+            </a:endParaRPr>
+          </a:p>
+          <a:p>
+            <a:r>
+              <a:rPr lang="en-US" dirty="0" smtClean="0">
+                <a:latin typeface="Monaco"/>
+                <a:cs typeface="Monaco"/>
+              </a:rPr>
+              <a:t>def triangle_area(l, w):</a:t>
             </a:r>
           </a:p>
           <a:p>
@@ -6954,16 +6982,7 @@
                 <a:latin typeface="Monaco"/>
                 <a:cs typeface="Monaco"/>
               </a:rPr>
-              <a:t>square = x**2</a:t>
-            </a:r>
-          </a:p>
-          <a:p>
-            <a:r>
-              <a:rPr lang="en-US" dirty="0" smtClean="0">
-                <a:latin typeface="Monaco"/>
-                <a:cs typeface="Monaco"/>
-              </a:rPr>
-              <a:t>	cube   = x**3</a:t>
+              <a:t>area = l*w/ 2.0</a:t>
             </a:r>
           </a:p>
           <a:p>
@@ -6979,15 +6998,81 @@
                 <a:latin typeface="Monaco"/>
                 <a:cs typeface="Monaco"/>
               </a:rPr>
-              <a:t>return square, cube    # separate values with a comma</a:t>
-            </a:r>
+              <a:t>return area</a:t>
+            </a:r>
+          </a:p>
+          <a:p>
+            <a:endParaRPr lang="en-US" dirty="0">
+              <a:latin typeface="Monaco"/>
+              <a:cs typeface="Monaco"/>
+            </a:endParaRPr>
+          </a:p>
+          <a:p>
+            <a:r>
+              <a:rPr lang="en-US" dirty="0" smtClean="0">
+                <a:latin typeface="Monaco"/>
+                <a:cs typeface="Monaco"/>
+              </a:rPr>
+              <a:t># Before using the function all over the place, make sure 	that l=7, w=6 prints 21</a:t>
+            </a:r>
+          </a:p>
+          <a:p>
+            <a:endParaRPr lang="en-US" dirty="0" smtClean="0">
+              <a:latin typeface="Monaco"/>
+              <a:cs typeface="Monaco"/>
+            </a:endParaRPr>
+          </a:p>
+          <a:p>
+            <a:r>
+              <a:rPr lang="en-US" dirty="0" smtClean="0">
+                <a:latin typeface="Monaco"/>
+                <a:cs typeface="Monaco"/>
+              </a:rPr>
+              <a:t>print triangle_area(7,6)</a:t>
+            </a:r>
+          </a:p>
+          <a:p>
+            <a:r>
+              <a:rPr lang="en-US" dirty="0">
+                <a:latin typeface="Monaco"/>
+                <a:cs typeface="Monaco"/>
+              </a:rPr>
+              <a:t>	</a:t>
+            </a:r>
+            <a:r>
+              <a:rPr lang="en-US" dirty="0" smtClean="0">
+                <a:solidFill>
+                  <a:schemeClr val="bg1">
+                    <a:lumMod val="65000"/>
+                  </a:schemeClr>
+                </a:solidFill>
+                <a:latin typeface="Monaco"/>
+                <a:cs typeface="Monaco"/>
+              </a:rPr>
+              <a:t>21</a:t>
+            </a:r>
+            <a:endParaRPr lang="en-US" dirty="0">
+              <a:solidFill>
+                <a:schemeClr val="bg1">
+                  <a:lumMod val="65000"/>
+                </a:schemeClr>
+              </a:solidFill>
+              <a:latin typeface="Monaco"/>
+              <a:cs typeface="Monaco"/>
+            </a:endParaRPr>
+          </a:p>
+          <a:p>
+            <a:endParaRPr lang="en-US" dirty="0" smtClean="0">
+              <a:latin typeface="Monaco"/>
+              <a:cs typeface="Monaco"/>
+            </a:endParaRPr>
           </a:p>
         </p:txBody>
       </p:sp>
     </p:spTree>
     <p:extLst>
       <p:ext uri="{BB962C8B-B14F-4D97-AF65-F5344CB8AC3E}">
-        <p14:creationId xmlns:p14="http://schemas.microsoft.com/office/powerpoint/2010/main" val="1411696820"/>
+        <p14:creationId xmlns:p14="http://schemas.microsoft.com/office/powerpoint/2010/main" val="1749885072"/>
       </p:ext>
     </p:extLst>
   </p:cSld>
@@ -7031,7 +7116,7 @@
           <a:p>
             <a:r>
               <a:rPr lang="en-US" dirty="0" smtClean="0"/>
-              <a:t>returning multiple values</a:t>
+              <a:t>a note on scope</a:t>
             </a:r>
             <a:endParaRPr lang="en-US" dirty="0"/>
           </a:p>
@@ -7039,179 +7124,62 @@
       </p:sp>
       <p:sp>
         <p:nvSpPr>
-          <p:cNvPr id="4" name="TextBox 3"/>
-          <p:cNvSpPr txBox="1"/>
-          <p:nvPr/>
-        </p:nvSpPr>
-        <p:spPr>
-          <a:xfrm>
-            <a:off x="457200" y="1727554"/>
-            <a:ext cx="8338444" cy="2862323"/>
-          </a:xfrm>
-          <a:prstGeom prst="rect">
-            <a:avLst/>
-          </a:prstGeom>
-          <a:noFill/>
-        </p:spPr>
-        <p:txBody>
-          <a:bodyPr wrap="square" rtlCol="0">
-            <a:spAutoFit/>
+          <p:cNvPr id="3" name="Content Placeholder 2"/>
+          <p:cNvSpPr>
+            <a:spLocks noGrp="1"/>
+          </p:cNvSpPr>
+          <p:nvPr>
+            <p:ph idx="1"/>
+          </p:nvPr>
+        </p:nvSpPr>
+        <p:spPr/>
+        <p:txBody>
+          <a:bodyPr>
+            <a:normAutofit/>
           </a:bodyPr>
           <a:lstStyle/>
           <a:p>
-            <a:r>
-              <a:rPr lang="en-US" dirty="0" smtClean="0">
-                <a:latin typeface="Monaco"/>
-                <a:cs typeface="Monaco"/>
-              </a:rPr>
-              <a:t>def square_cube(x):</a:t>
-            </a:r>
-          </a:p>
-          <a:p>
-            <a:r>
-              <a:rPr lang="en-US" dirty="0">
-                <a:latin typeface="Monaco"/>
-                <a:cs typeface="Monaco"/>
-              </a:rPr>
-              <a:t>	</a:t>
-            </a:r>
-            <a:r>
-              <a:rPr lang="en-US" dirty="0" smtClean="0">
-                <a:latin typeface="Monaco"/>
-                <a:cs typeface="Monaco"/>
-              </a:rPr>
-              <a:t>square = x**2</a:t>
-            </a:r>
-          </a:p>
-          <a:p>
-            <a:r>
-              <a:rPr lang="en-US" dirty="0" smtClean="0">
-                <a:latin typeface="Monaco"/>
-                <a:cs typeface="Monaco"/>
-              </a:rPr>
-              <a:t>	cube   = x**3</a:t>
-            </a:r>
-          </a:p>
-          <a:p>
-            <a:r>
-              <a:rPr lang="en-US" dirty="0">
-                <a:latin typeface="Monaco"/>
-                <a:cs typeface="Monaco"/>
-              </a:rPr>
-              <a:t>	</a:t>
-            </a:r>
-            <a:r>
-              <a:rPr lang="en-US" dirty="0" smtClean="0">
-                <a:latin typeface="Monaco"/>
-                <a:cs typeface="Monaco"/>
-              </a:rPr>
-              <a:t>return square</a:t>
-            </a:r>
-            <a:r>
-              <a:rPr lang="en-US" dirty="0">
-                <a:latin typeface="Monaco"/>
-                <a:cs typeface="Monaco"/>
-              </a:rPr>
-              <a:t>, cube </a:t>
-            </a:r>
-            <a:r>
-              <a:rPr lang="en-US" dirty="0" smtClean="0">
-                <a:latin typeface="Monaco"/>
-                <a:cs typeface="Monaco"/>
-              </a:rPr>
-              <a:t>   # </a:t>
-            </a:r>
-            <a:r>
-              <a:rPr lang="en-US" dirty="0">
-                <a:latin typeface="Monaco"/>
-                <a:cs typeface="Monaco"/>
-              </a:rPr>
-              <a:t>separate values with a </a:t>
-            </a:r>
-            <a:r>
-              <a:rPr lang="en-US" dirty="0" smtClean="0">
-                <a:latin typeface="Monaco"/>
-                <a:cs typeface="Monaco"/>
-              </a:rPr>
-              <a:t>comma</a:t>
-            </a:r>
-          </a:p>
-          <a:p>
-            <a:endParaRPr lang="en-US" dirty="0">
-              <a:latin typeface="Monaco"/>
-              <a:cs typeface="Monaco"/>
-            </a:endParaRPr>
-          </a:p>
-          <a:p>
-            <a:r>
-              <a:rPr lang="en-US" dirty="0" smtClean="0">
-                <a:latin typeface="Monaco"/>
-                <a:cs typeface="Monaco"/>
-              </a:rPr>
-              <a:t>s, c = square_cube(5)</a:t>
-            </a:r>
-          </a:p>
-          <a:p>
-            <a:r>
-              <a:rPr lang="en-US" dirty="0" smtClean="0">
-                <a:latin typeface="Monaco"/>
-                <a:cs typeface="Monaco"/>
-              </a:rPr>
-              <a:t>print s</a:t>
-            </a:r>
-          </a:p>
-          <a:p>
-            <a:r>
-              <a:rPr lang="en-US" dirty="0" smtClean="0">
-                <a:latin typeface="Monaco"/>
-                <a:cs typeface="Monaco"/>
-              </a:rPr>
-              <a:t>	</a:t>
-            </a:r>
-            <a:r>
-              <a:rPr lang="en-US" dirty="0" smtClean="0">
-                <a:solidFill>
-                  <a:srgbClr val="A6A6A6"/>
-                </a:solidFill>
-                <a:latin typeface="Monaco"/>
-                <a:cs typeface="Monaco"/>
-              </a:rPr>
-              <a:t>25</a:t>
-            </a:r>
-            <a:endParaRPr lang="en-US" dirty="0">
-              <a:solidFill>
-                <a:srgbClr val="A6A6A6"/>
-              </a:solidFill>
-              <a:latin typeface="Monaco"/>
-              <a:cs typeface="Monaco"/>
-            </a:endParaRPr>
-          </a:p>
-          <a:p>
-            <a:r>
-              <a:rPr lang="en-US" dirty="0" smtClean="0">
-                <a:latin typeface="Monaco"/>
-                <a:cs typeface="Monaco"/>
-              </a:rPr>
-              <a:t>print c</a:t>
-            </a:r>
-          </a:p>
-          <a:p>
-            <a:r>
-              <a:rPr lang="en-US" dirty="0">
-                <a:latin typeface="Monaco"/>
-                <a:cs typeface="Monaco"/>
-              </a:rPr>
-              <a:t>	</a:t>
-            </a:r>
-            <a:r>
-              <a:rPr lang="en-US" dirty="0" smtClean="0">
-                <a:solidFill>
-                  <a:srgbClr val="A6A6A6"/>
-                </a:solidFill>
-                <a:latin typeface="Monaco"/>
-                <a:cs typeface="Monaco"/>
-              </a:rPr>
-              <a:t>125</a:t>
+            <a:pPr marL="457200" indent="-457200">
+              <a:buFont typeface="Arial"/>
+              <a:buChar char="•"/>
+            </a:pPr>
+            <a:r>
+              <a:rPr lang="en-US" dirty="0" smtClean="0"/>
+              <a:t>Scope: the portion of your code where a certain variable/function exists</a:t>
+            </a:r>
+          </a:p>
+          <a:p>
+            <a:pPr marL="457200" indent="-457200">
+              <a:buFont typeface="Arial"/>
+              <a:buChar char="•"/>
+            </a:pPr>
+            <a:endParaRPr lang="en-US" dirty="0"/>
+          </a:p>
+          <a:p>
+            <a:pPr marL="457200" indent="-457200">
+              <a:buFont typeface="Arial"/>
+              <a:buChar char="•"/>
+            </a:pPr>
+            <a:r>
+              <a:rPr lang="en-US" dirty="0" smtClean="0"/>
+              <a:t>In Python, scope is basically top-to-bottom</a:t>
+            </a:r>
+          </a:p>
+          <a:p>
+            <a:pPr marL="457200" indent="-457200">
+              <a:buFont typeface="Arial"/>
+              <a:buChar char="•"/>
+            </a:pPr>
+            <a:endParaRPr lang="en-US" dirty="0" smtClean="0"/>
+          </a:p>
+          <a:p>
+            <a:pPr marL="457200" indent="-457200">
+              <a:buFont typeface="Arial"/>
+              <a:buChar char="•"/>
+            </a:pPr>
+            <a:r>
+              <a:rPr lang="en-US" dirty="0" smtClean="0"/>
+              <a:t>Punch-line: define functions at the *top* of your script!</a:t>
             </a:r>
           </a:p>
         </p:txBody>
@@ -7219,7 +7187,7 @@
     </p:spTree>
     <p:extLst>
       <p:ext uri="{BB962C8B-B14F-4D97-AF65-F5344CB8AC3E}">
-        <p14:creationId xmlns:p14="http://schemas.microsoft.com/office/powerpoint/2010/main" val="4000329539"/>
+        <p14:creationId xmlns:p14="http://schemas.microsoft.com/office/powerpoint/2010/main" val="3182309301"/>
       </p:ext>
     </p:extLst>
   </p:cSld>
@@ -7277,8 +7245,8 @@
         </p:nvSpPr>
         <p:spPr>
           <a:xfrm>
-            <a:off x="457200" y="1727554"/>
-            <a:ext cx="8338444" cy="4801315"/>
+            <a:off x="457199" y="1727554"/>
+            <a:ext cx="8338444" cy="1200329"/>
           </a:xfrm>
           <a:prstGeom prst="rect">
             <a:avLst/>
@@ -7337,225 +7305,15 @@
                 <a:latin typeface="Monaco"/>
                 <a:cs typeface="Monaco"/>
               </a:rPr>
-              <a:t>return square</a:t>
-            </a:r>
-            <a:r>
-              <a:rPr lang="en-US" dirty="0">
-                <a:latin typeface="Monaco"/>
-                <a:cs typeface="Monaco"/>
-              </a:rPr>
-              <a:t>, cube </a:t>
-            </a:r>
-            <a:r>
-              <a:rPr lang="en-US" dirty="0" smtClean="0">
-                <a:latin typeface="Monaco"/>
-                <a:cs typeface="Monaco"/>
-              </a:rPr>
-              <a:t>   # </a:t>
-            </a:r>
-            <a:r>
-              <a:rPr lang="en-US" dirty="0">
-                <a:latin typeface="Monaco"/>
-                <a:cs typeface="Monaco"/>
-              </a:rPr>
-              <a:t>separate values with a </a:t>
-            </a:r>
-            <a:r>
-              <a:rPr lang="en-US" dirty="0" smtClean="0">
-                <a:latin typeface="Monaco"/>
-                <a:cs typeface="Monaco"/>
-              </a:rPr>
-              <a:t>comma</a:t>
-            </a:r>
-          </a:p>
-          <a:p>
-            <a:endParaRPr lang="en-US" dirty="0">
-              <a:latin typeface="Monaco"/>
-              <a:cs typeface="Monaco"/>
-            </a:endParaRPr>
-          </a:p>
-          <a:p>
-            <a:r>
-              <a:rPr lang="en-US" dirty="0" smtClean="0">
-                <a:latin typeface="Monaco"/>
-                <a:cs typeface="Monaco"/>
-              </a:rPr>
-              <a:t>s, c = square_cube(5)</a:t>
-            </a:r>
-          </a:p>
-          <a:p>
-            <a:r>
-              <a:rPr lang="en-US" dirty="0" smtClean="0">
-                <a:latin typeface="Monaco"/>
-                <a:cs typeface="Monaco"/>
-              </a:rPr>
-              <a:t>print s</a:t>
-            </a:r>
-          </a:p>
-          <a:p>
-            <a:r>
-              <a:rPr lang="en-US" dirty="0" smtClean="0">
-                <a:latin typeface="Monaco"/>
-                <a:cs typeface="Monaco"/>
-              </a:rPr>
-              <a:t>	</a:t>
-            </a:r>
-            <a:r>
-              <a:rPr lang="en-US" dirty="0" smtClean="0">
-                <a:solidFill>
-                  <a:srgbClr val="A6A6A6"/>
-                </a:solidFill>
-                <a:latin typeface="Monaco"/>
-                <a:cs typeface="Monaco"/>
-              </a:rPr>
-              <a:t>25</a:t>
-            </a:r>
-            <a:endParaRPr lang="en-US" dirty="0">
-              <a:solidFill>
-                <a:srgbClr val="A6A6A6"/>
-              </a:solidFill>
-              <a:latin typeface="Monaco"/>
-              <a:cs typeface="Monaco"/>
-            </a:endParaRPr>
-          </a:p>
-          <a:p>
-            <a:r>
-              <a:rPr lang="en-US" dirty="0" smtClean="0">
-                <a:latin typeface="Monaco"/>
-                <a:cs typeface="Monaco"/>
-              </a:rPr>
-              <a:t>print c</a:t>
-            </a:r>
-          </a:p>
-          <a:p>
-            <a:r>
-              <a:rPr lang="en-US" dirty="0">
-                <a:latin typeface="Monaco"/>
-                <a:cs typeface="Monaco"/>
-              </a:rPr>
-              <a:t>	</a:t>
-            </a:r>
-            <a:r>
-              <a:rPr lang="en-US" dirty="0" smtClean="0">
-                <a:solidFill>
-                  <a:srgbClr val="A6A6A6"/>
-                </a:solidFill>
-                <a:latin typeface="Monaco"/>
-                <a:cs typeface="Monaco"/>
-              </a:rPr>
-              <a:t>125</a:t>
-            </a:r>
-          </a:p>
-          <a:p>
-            <a:endParaRPr lang="en-US" dirty="0" smtClean="0">
-              <a:solidFill>
-                <a:srgbClr val="A6A6A6"/>
-              </a:solidFill>
-              <a:latin typeface="Monaco"/>
-              <a:cs typeface="Monaco"/>
-            </a:endParaRPr>
-          </a:p>
-          <a:p>
-            <a:r>
-              <a:rPr lang="en-US" dirty="0" smtClean="0">
-                <a:solidFill>
-                  <a:srgbClr val="000000"/>
-                </a:solidFill>
-                <a:latin typeface="Monaco"/>
-                <a:cs typeface="Monaco"/>
-              </a:rPr>
-              <a:t># Equivalent usage</a:t>
-            </a:r>
-            <a:endParaRPr lang="en-US" dirty="0">
-              <a:solidFill>
-                <a:srgbClr val="000000"/>
-              </a:solidFill>
-              <a:latin typeface="Monaco"/>
-              <a:cs typeface="Monaco"/>
-            </a:endParaRPr>
-          </a:p>
-          <a:p>
-            <a:r>
-              <a:rPr lang="en-US" dirty="0" smtClean="0">
-                <a:latin typeface="Monaco"/>
-                <a:cs typeface="Monaco"/>
-              </a:rPr>
-              <a:t>answer = square_cube(5)</a:t>
-            </a:r>
-          </a:p>
-          <a:p>
-            <a:r>
-              <a:rPr lang="en-US" dirty="0" smtClean="0">
-                <a:latin typeface="Monaco"/>
-                <a:cs typeface="Monaco"/>
-              </a:rPr>
-              <a:t>print answer[0]</a:t>
-            </a:r>
-          </a:p>
-          <a:p>
-            <a:r>
-              <a:rPr lang="en-US" dirty="0">
-                <a:latin typeface="Monaco"/>
-                <a:cs typeface="Monaco"/>
-              </a:rPr>
-              <a:t>	</a:t>
-            </a:r>
-            <a:r>
-              <a:rPr lang="en-US" dirty="0" smtClean="0">
-                <a:solidFill>
-                  <a:srgbClr val="A6A6A6"/>
-                </a:solidFill>
-                <a:latin typeface="Monaco"/>
-                <a:cs typeface="Monaco"/>
-              </a:rPr>
-              <a:t>25</a:t>
-            </a:r>
-            <a:endParaRPr lang="en-US" dirty="0">
-              <a:latin typeface="Monaco"/>
-              <a:cs typeface="Monaco"/>
-            </a:endParaRPr>
-          </a:p>
-          <a:p>
-            <a:r>
-              <a:rPr lang="en-US" dirty="0" smtClean="0">
-                <a:latin typeface="Monaco"/>
-                <a:cs typeface="Monaco"/>
-              </a:rPr>
-              <a:t>print answer[1]</a:t>
-            </a:r>
-          </a:p>
-          <a:p>
-            <a:r>
-              <a:rPr lang="en-US" dirty="0">
-                <a:latin typeface="Monaco"/>
-                <a:cs typeface="Monaco"/>
-              </a:rPr>
-              <a:t>	</a:t>
-            </a:r>
-            <a:r>
-              <a:rPr lang="en-US" dirty="0" smtClean="0">
-                <a:solidFill>
-                  <a:srgbClr val="A6A6A6"/>
-                </a:solidFill>
-                <a:latin typeface="Monaco"/>
-                <a:cs typeface="Monaco"/>
-              </a:rPr>
-              <a:t>125</a:t>
-            </a:r>
-            <a:endParaRPr lang="en-US" dirty="0">
-              <a:solidFill>
-                <a:srgbClr val="A6A6A6"/>
-              </a:solidFill>
-              <a:latin typeface="Monaco"/>
-              <a:cs typeface="Monaco"/>
-            </a:endParaRPr>
+              <a:t>return square, cube    # separate values with a comma</a:t>
+            </a:r>
           </a:p>
         </p:txBody>
       </p:sp>
     </p:spTree>
     <p:extLst>
       <p:ext uri="{BB962C8B-B14F-4D97-AF65-F5344CB8AC3E}">
-        <p14:creationId xmlns:p14="http://schemas.microsoft.com/office/powerpoint/2010/main" val="1600491119"/>
+        <p14:creationId xmlns:p14="http://schemas.microsoft.com/office/powerpoint/2010/main" val="1411696820"/>
       </p:ext>
     </p:extLst>
   </p:cSld>
@@ -7599,7 +7357,7 @@
           <a:p>
             <a:r>
               <a:rPr lang="en-US" dirty="0" smtClean="0"/>
-              <a:t>functions don't need to return anything!</a:t>
+              <a:t>returning multiple values</a:t>
             </a:r>
             <a:endParaRPr lang="en-US" dirty="0"/>
           </a:p>
@@ -7613,8 +7371,8 @@
         </p:nvSpPr>
         <p:spPr>
           <a:xfrm>
-            <a:off x="457199" y="1727554"/>
-            <a:ext cx="8338444" cy="1477328"/>
+            <a:off x="457200" y="1727554"/>
+            <a:ext cx="8338444" cy="2862323"/>
           </a:xfrm>
           <a:prstGeom prst="rect">
             <a:avLst/>
@@ -7661,69 +7419,125 @@
             </a:r>
           </a:p>
           <a:p>
-            <a:pPr lvl="1"/>
-            <a:r>
-              <a:rPr lang="en-US" dirty="0" smtClean="0">
-                <a:latin typeface="Monaco"/>
-                <a:cs typeface="Monaco"/>
-              </a:rPr>
-              <a:t>print </a:t>
-            </a:r>
-            <a:r>
-              <a:rPr lang="en-US" dirty="0" err="1" smtClean="0">
-                <a:latin typeface="Monaco"/>
-                <a:cs typeface="Monaco"/>
-              </a:rPr>
-              <a:t>str</a:t>
-            </a:r>
-            <a:r>
-              <a:rPr lang="en-US" dirty="0" smtClean="0">
-                <a:latin typeface="Monaco"/>
-                <a:cs typeface="Monaco"/>
-              </a:rPr>
-              <a:t>(x) + " squared is " + </a:t>
-            </a:r>
-            <a:r>
-              <a:rPr lang="en-US" dirty="0" err="1" smtClean="0">
-                <a:latin typeface="Monaco"/>
-                <a:cs typeface="Monaco"/>
-              </a:rPr>
-              <a:t>str</a:t>
-            </a:r>
-            <a:r>
-              <a:rPr lang="en-US" dirty="0" smtClean="0">
-                <a:latin typeface="Monaco"/>
-                <a:cs typeface="Monaco"/>
-              </a:rPr>
-              <a:t>(square) + ", and " + </a:t>
-            </a:r>
-            <a:r>
-              <a:rPr lang="en-US" dirty="0" err="1" smtClean="0">
-                <a:latin typeface="Monaco"/>
-                <a:cs typeface="Monaco"/>
-              </a:rPr>
-              <a:t>str</a:t>
-            </a:r>
-            <a:r>
-              <a:rPr lang="en-US" dirty="0" smtClean="0">
-                <a:latin typeface="Monaco"/>
-                <a:cs typeface="Monaco"/>
-              </a:rPr>
-              <a:t>(x) + " cubed is " + </a:t>
-            </a:r>
-            <a:r>
-              <a:rPr lang="en-US" dirty="0" err="1" smtClean="0">
-                <a:latin typeface="Monaco"/>
-                <a:cs typeface="Monaco"/>
-              </a:rPr>
-              <a:t>str</a:t>
-            </a:r>
-            <a:r>
-              <a:rPr lang="en-US" dirty="0" smtClean="0">
-                <a:latin typeface="Monaco"/>
-                <a:cs typeface="Monaco"/>
-              </a:rPr>
-              <a:t>(cube)</a:t>
+            <a:r>
+              <a:rPr lang="en-US" dirty="0">
+                <a:latin typeface="Monaco"/>
+                <a:cs typeface="Monaco"/>
+              </a:rPr>
+              <a:t>	</a:t>
+            </a:r>
+            <a:r>
+              <a:rPr lang="en-US" dirty="0" smtClean="0">
+                <a:latin typeface="Monaco"/>
+                <a:cs typeface="Monaco"/>
+              </a:rPr>
+              <a:t>return square</a:t>
+            </a:r>
+            <a:r>
+              <a:rPr lang="en-US" dirty="0">
+                <a:latin typeface="Monaco"/>
+                <a:cs typeface="Monaco"/>
+              </a:rPr>
+              <a:t>, cube </a:t>
+            </a:r>
+            <a:r>
+              <a:rPr lang="en-US" dirty="0" smtClean="0">
+                <a:latin typeface="Monaco"/>
+                <a:cs typeface="Monaco"/>
+              </a:rPr>
+              <a:t>   # </a:t>
+            </a:r>
+            <a:r>
+              <a:rPr lang="en-US" dirty="0">
+                <a:latin typeface="Monaco"/>
+                <a:cs typeface="Monaco"/>
+              </a:rPr>
+              <a:t>separate values with a </a:t>
+            </a:r>
+            <a:r>
+              <a:rPr lang="en-US" dirty="0" smtClean="0">
+                <a:latin typeface="Monaco"/>
+                <a:cs typeface="Monaco"/>
+              </a:rPr>
+              <a:t>comma</a:t>
+            </a:r>
+          </a:p>
+          <a:p>
+            <a:endParaRPr lang="en-US" dirty="0">
+              <a:latin typeface="Monaco"/>
+              <a:cs typeface="Monaco"/>
+            </a:endParaRPr>
+          </a:p>
+          <a:p>
+            <a:r>
+              <a:rPr lang="en-US" dirty="0" smtClean="0">
+                <a:latin typeface="Monaco"/>
+                <a:cs typeface="Monaco"/>
+              </a:rPr>
+              <a:t>s, c = square_cube(5)</a:t>
+            </a:r>
+          </a:p>
+          <a:p>
+            <a:r>
+              <a:rPr lang="en-US" dirty="0" smtClean="0">
+                <a:latin typeface="Monaco"/>
+                <a:cs typeface="Monaco"/>
+              </a:rPr>
+              <a:t>print s</a:t>
+            </a:r>
+          </a:p>
+          <a:p>
+            <a:r>
+              <a:rPr lang="en-US" dirty="0" smtClean="0">
+                <a:latin typeface="Monaco"/>
+                <a:cs typeface="Monaco"/>
+              </a:rPr>
+              <a:t>	</a:t>
+            </a:r>
+            <a:r>
+              <a:rPr lang="en-US" dirty="0" smtClean="0">
+                <a:solidFill>
+                  <a:srgbClr val="A6A6A6"/>
+                </a:solidFill>
+                <a:latin typeface="Monaco"/>
+                <a:cs typeface="Monaco"/>
+              </a:rPr>
+              <a:t>25</a:t>
+            </a:r>
+            <a:endParaRPr lang="en-US" dirty="0">
+              <a:solidFill>
+                <a:srgbClr val="A6A6A6"/>
+              </a:solidFill>
+              <a:latin typeface="Monaco"/>
+              <a:cs typeface="Monaco"/>
+            </a:endParaRPr>
+          </a:p>
+          <a:p>
+            <a:r>
+              <a:rPr lang="en-US" dirty="0" smtClean="0">
+                <a:latin typeface="Monaco"/>
+                <a:cs typeface="Monaco"/>
+              </a:rPr>
+              <a:t>print c</a:t>
+            </a:r>
+          </a:p>
+          <a:p>
+            <a:r>
+              <a:rPr lang="en-US" dirty="0">
+                <a:latin typeface="Monaco"/>
+                <a:cs typeface="Monaco"/>
+              </a:rPr>
+              <a:t>	</a:t>
+            </a:r>
+            <a:r>
+              <a:rPr lang="en-US" dirty="0" smtClean="0">
+                <a:solidFill>
+                  <a:srgbClr val="A6A6A6"/>
+                </a:solidFill>
+                <a:latin typeface="Monaco"/>
+                <a:cs typeface="Monaco"/>
+              </a:rPr>
+              <a:t>125</a:t>
             </a:r>
           </a:p>
         </p:txBody>
@@ -7731,7 +7545,7 @@
     </p:spTree>
     <p:extLst>
       <p:ext uri="{BB962C8B-B14F-4D97-AF65-F5344CB8AC3E}">
-        <p14:creationId xmlns:p14="http://schemas.microsoft.com/office/powerpoint/2010/main" val="4277511070"/>
+        <p14:creationId xmlns:p14="http://schemas.microsoft.com/office/powerpoint/2010/main" val="4000329539"/>
       </p:ext>
     </p:extLst>
   </p:cSld>
@@ -7775,7 +7589,7 @@
           <a:p>
             <a:r>
               <a:rPr lang="en-US" dirty="0" smtClean="0"/>
-              <a:t>functions don't need to return anything!</a:t>
+              <a:t>returning multiple values</a:t>
             </a:r>
             <a:endParaRPr lang="en-US" dirty="0"/>
           </a:p>
@@ -7789,8 +7603,8 @@
         </p:nvSpPr>
         <p:spPr>
           <a:xfrm>
-            <a:off x="457199" y="1727554"/>
-            <a:ext cx="8338444" cy="3416320"/>
+            <a:off x="457200" y="1727554"/>
+            <a:ext cx="8338444" cy="4801315"/>
           </a:xfrm>
           <a:prstGeom prst="rect">
             <a:avLst/>
@@ -7837,137 +7651,237 @@
             </a:r>
           </a:p>
           <a:p>
-            <a:pPr lvl="1"/>
-            <a:r>
-              <a:rPr lang="en-US" dirty="0" smtClean="0">
-                <a:latin typeface="Monaco"/>
-                <a:cs typeface="Monaco"/>
-              </a:rPr>
-              <a:t>print </a:t>
-            </a:r>
-            <a:r>
-              <a:rPr lang="en-US" dirty="0" err="1" smtClean="0">
-                <a:latin typeface="Monaco"/>
-                <a:cs typeface="Monaco"/>
-              </a:rPr>
-              <a:t>str</a:t>
-            </a:r>
-            <a:r>
-              <a:rPr lang="en-US" dirty="0" smtClean="0">
-                <a:latin typeface="Monaco"/>
-                <a:cs typeface="Monaco"/>
-              </a:rPr>
-              <a:t>(x) + " squared is " + </a:t>
-            </a:r>
-            <a:r>
-              <a:rPr lang="en-US" dirty="0" err="1" smtClean="0">
-                <a:latin typeface="Monaco"/>
-                <a:cs typeface="Monaco"/>
-              </a:rPr>
-              <a:t>str</a:t>
-            </a:r>
-            <a:r>
-              <a:rPr lang="en-US" dirty="0" smtClean="0">
-                <a:latin typeface="Monaco"/>
-                <a:cs typeface="Monaco"/>
-              </a:rPr>
-              <a:t>(square) + ", and " + </a:t>
-            </a:r>
-            <a:r>
-              <a:rPr lang="en-US" dirty="0" err="1" smtClean="0">
-                <a:latin typeface="Monaco"/>
-                <a:cs typeface="Monaco"/>
-              </a:rPr>
-              <a:t>str</a:t>
-            </a:r>
-            <a:r>
-              <a:rPr lang="en-US" dirty="0" smtClean="0">
-                <a:latin typeface="Monaco"/>
-                <a:cs typeface="Monaco"/>
-              </a:rPr>
-              <a:t>(x) + " cubed is " + </a:t>
-            </a:r>
-            <a:r>
-              <a:rPr lang="en-US" dirty="0" err="1" smtClean="0">
-                <a:latin typeface="Monaco"/>
-                <a:cs typeface="Monaco"/>
-              </a:rPr>
-              <a:t>str</a:t>
-            </a:r>
-            <a:r>
-              <a:rPr lang="en-US" dirty="0" smtClean="0">
-                <a:latin typeface="Monaco"/>
-                <a:cs typeface="Monaco"/>
-              </a:rPr>
-              <a:t>(cube)</a:t>
-            </a:r>
-          </a:p>
-          <a:p>
-            <a:pPr lvl="1"/>
+            <a:r>
+              <a:rPr lang="en-US" dirty="0">
+                <a:latin typeface="Monaco"/>
+                <a:cs typeface="Monaco"/>
+              </a:rPr>
+              <a:t>	</a:t>
+            </a:r>
+            <a:r>
+              <a:rPr lang="en-US" dirty="0" smtClean="0">
+                <a:latin typeface="Monaco"/>
+                <a:cs typeface="Monaco"/>
+              </a:rPr>
+              <a:t>return square</a:t>
+            </a:r>
+            <a:r>
+              <a:rPr lang="en-US" dirty="0">
+                <a:latin typeface="Monaco"/>
+                <a:cs typeface="Monaco"/>
+              </a:rPr>
+              <a:t>, cube </a:t>
+            </a:r>
+            <a:r>
+              <a:rPr lang="en-US" dirty="0" smtClean="0">
+                <a:latin typeface="Monaco"/>
+                <a:cs typeface="Monaco"/>
+              </a:rPr>
+              <a:t>   # </a:t>
+            </a:r>
+            <a:r>
+              <a:rPr lang="en-US" dirty="0">
+                <a:latin typeface="Monaco"/>
+                <a:cs typeface="Monaco"/>
+              </a:rPr>
+              <a:t>separate values with a </a:t>
+            </a:r>
+            <a:r>
+              <a:rPr lang="en-US" dirty="0" smtClean="0">
+                <a:latin typeface="Monaco"/>
+                <a:cs typeface="Monaco"/>
+              </a:rPr>
+              <a:t>comma</a:t>
+            </a:r>
+          </a:p>
+          <a:p>
             <a:endParaRPr lang="en-US" dirty="0">
               <a:latin typeface="Monaco"/>
               <a:cs typeface="Monaco"/>
             </a:endParaRPr>
           </a:p>
           <a:p>
-            <a:pPr lvl="1"/>
+            <a:r>
+              <a:rPr lang="en-US" dirty="0" smtClean="0">
+                <a:latin typeface="Monaco"/>
+                <a:cs typeface="Monaco"/>
+              </a:rPr>
+              <a:t>s, c = square_cube(5)</a:t>
+            </a:r>
+          </a:p>
+          <a:p>
+            <a:r>
+              <a:rPr lang="en-US" dirty="0" smtClean="0">
+                <a:latin typeface="Monaco"/>
+                <a:cs typeface="Monaco"/>
+              </a:rPr>
+              <a:t>print s</a:t>
+            </a:r>
+          </a:p>
+          <a:p>
+            <a:r>
+              <a:rPr lang="en-US" dirty="0" smtClean="0">
+                <a:latin typeface="Monaco"/>
+                <a:cs typeface="Monaco"/>
+              </a:rPr>
+              <a:t>	</a:t>
+            </a:r>
+            <a:r>
+              <a:rPr lang="en-US" dirty="0" smtClean="0">
+                <a:solidFill>
+                  <a:srgbClr val="A6A6A6"/>
+                </a:solidFill>
+                <a:latin typeface="Monaco"/>
+                <a:cs typeface="Monaco"/>
+              </a:rPr>
+              <a:t>25</a:t>
+            </a:r>
+            <a:endParaRPr lang="en-US" dirty="0">
+              <a:solidFill>
+                <a:srgbClr val="A6A6A6"/>
+              </a:solidFill>
+              <a:latin typeface="Monaco"/>
+              <a:cs typeface="Monaco"/>
+            </a:endParaRPr>
+          </a:p>
+          <a:p>
+            <a:r>
+              <a:rPr lang="en-US" dirty="0" smtClean="0">
+                <a:latin typeface="Monaco"/>
+                <a:cs typeface="Monaco"/>
+              </a:rPr>
+              <a:t>print c</a:t>
+            </a:r>
+          </a:p>
+          <a:p>
+            <a:r>
+              <a:rPr lang="en-US" dirty="0">
+                <a:latin typeface="Monaco"/>
+                <a:cs typeface="Monaco"/>
+              </a:rPr>
+              <a:t>	</a:t>
+            </a:r>
+            <a:r>
+              <a:rPr lang="en-US" dirty="0" smtClean="0">
+                <a:solidFill>
+                  <a:srgbClr val="A6A6A6"/>
+                </a:solidFill>
+                <a:latin typeface="Monaco"/>
+                <a:cs typeface="Monaco"/>
+              </a:rPr>
+              <a:t>125</a:t>
+            </a:r>
+          </a:p>
+          <a:p>
+            <a:endParaRPr lang="en-US" dirty="0" smtClean="0">
+              <a:solidFill>
+                <a:srgbClr val="A6A6A6"/>
+              </a:solidFill>
+              <a:latin typeface="Monaco"/>
+              <a:cs typeface="Monaco"/>
+            </a:endParaRPr>
+          </a:p>
+          <a:p>
+            <a:r>
+              <a:rPr lang="en-US" dirty="0" smtClean="0">
+                <a:solidFill>
+                  <a:srgbClr val="000000"/>
+                </a:solidFill>
+                <a:latin typeface="Monaco"/>
+                <a:cs typeface="Monaco"/>
+              </a:rPr>
+              <a:t># Equivalent usage</a:t>
+            </a:r>
+            <a:endParaRPr lang="en-US" dirty="0">
+              <a:solidFill>
+                <a:srgbClr val="000000"/>
+              </a:solidFill>
+              <a:latin typeface="Monaco"/>
+              <a:cs typeface="Monaco"/>
+            </a:endParaRPr>
+          </a:p>
+          <a:p>
+            <a:r>
+              <a:rPr lang="en-US" dirty="0" smtClean="0">
+                <a:latin typeface="Monaco"/>
+                <a:cs typeface="Monaco"/>
+              </a:rPr>
+              <a:t>answer = square_cube(5)</a:t>
+            </a:r>
+          </a:p>
+          <a:p>
+            <a:r>
+              <a:rPr lang="en-US" dirty="0" smtClean="0">
+                <a:latin typeface="Monaco"/>
+                <a:cs typeface="Monaco"/>
+              </a:rPr>
+              <a:t>print answer[0]</a:t>
+            </a:r>
+          </a:p>
+          <a:p>
+            <a:r>
+              <a:rPr lang="en-US" dirty="0">
+                <a:latin typeface="Monaco"/>
+                <a:cs typeface="Monaco"/>
+              </a:rPr>
+              <a:t>	</a:t>
+            </a:r>
+            <a:r>
+              <a:rPr lang="en-US" dirty="0" smtClean="0">
+                <a:solidFill>
+                  <a:srgbClr val="A6A6A6"/>
+                </a:solidFill>
+                <a:latin typeface="Monaco"/>
+                <a:cs typeface="Monaco"/>
+              </a:rPr>
+              <a:t>25</a:t>
+            </a:r>
             <a:endParaRPr lang="en-US" dirty="0">
               <a:latin typeface="Monaco"/>
               <a:cs typeface="Monaco"/>
             </a:endParaRPr>
           </a:p>
           <a:p>
-            <a:pPr lvl="1"/>
-            <a:endParaRPr lang="en-US" dirty="0" smtClean="0">
+            <a:r>
+              <a:rPr lang="en-US" dirty="0" smtClean="0">
+                <a:latin typeface="Monaco"/>
+                <a:cs typeface="Monaco"/>
+              </a:rPr>
+              <a:t>print answer[1]</a:t>
+            </a:r>
+          </a:p>
+          <a:p>
+            <a:r>
+              <a:rPr lang="en-US" dirty="0">
+                <a:latin typeface="Monaco"/>
+                <a:cs typeface="Monaco"/>
+              </a:rPr>
+              <a:t>	</a:t>
+            </a:r>
+            <a:r>
+              <a:rPr lang="en-US" dirty="0" smtClean="0">
+                <a:solidFill>
+                  <a:srgbClr val="A6A6A6"/>
+                </a:solidFill>
+                <a:latin typeface="Monaco"/>
+                <a:cs typeface="Monaco"/>
+              </a:rPr>
+              <a:t>125</a:t>
+            </a:r>
+            <a:endParaRPr lang="en-US" dirty="0">
+              <a:solidFill>
+                <a:srgbClr val="A6A6A6"/>
+              </a:solidFill>
               <a:latin typeface="Monaco"/>
               <a:cs typeface="Monaco"/>
             </a:endParaRPr>
           </a:p>
-          <a:p>
-            <a:r>
-              <a:rPr lang="en-US" dirty="0">
-                <a:latin typeface="Monaco"/>
-                <a:cs typeface="Monaco"/>
-              </a:rPr>
-              <a:t># Simply call the function</a:t>
-            </a:r>
-          </a:p>
-          <a:p>
-            <a:r>
-              <a:rPr lang="en-US" dirty="0">
-                <a:latin typeface="Monaco"/>
-                <a:cs typeface="Monaco"/>
-              </a:rPr>
-              <a:t>square_cube(3)</a:t>
-            </a:r>
-          </a:p>
-          <a:p>
-            <a:r>
-              <a:rPr lang="en-US" dirty="0">
-                <a:solidFill>
-                  <a:schemeClr val="bg1">
-                    <a:lumMod val="65000"/>
-                  </a:schemeClr>
-                </a:solidFill>
-                <a:latin typeface="Monaco"/>
-                <a:cs typeface="Monaco"/>
-              </a:rPr>
-              <a:t>	3 squared is 9, and 3 cubed is 27</a:t>
-            </a:r>
-          </a:p>
-          <a:p>
-            <a:pPr lvl="1"/>
-            <a:endParaRPr lang="en-US" dirty="0" smtClean="0">
-              <a:latin typeface="Monaco"/>
-              <a:cs typeface="Monaco"/>
-            </a:endParaRPr>
-          </a:p>
         </p:txBody>
       </p:sp>
     </p:spTree>
     <p:extLst>
       <p:ext uri="{BB962C8B-B14F-4D97-AF65-F5344CB8AC3E}">
-        <p14:creationId xmlns:p14="http://schemas.microsoft.com/office/powerpoint/2010/main" val="1672031983"/>
+        <p14:creationId xmlns:p14="http://schemas.microsoft.com/office/powerpoint/2010/main" val="1600491119"/>
       </p:ext>
     </p:extLst>
   </p:cSld>
@@ -8026,7 +7940,7 @@
         <p:spPr>
           <a:xfrm>
             <a:off x="457199" y="1727554"/>
-            <a:ext cx="8338444" cy="4801315"/>
+            <a:ext cx="8338444" cy="1477328"/>
           </a:xfrm>
           <a:prstGeom prst="rect">
             <a:avLst/>
@@ -8138,128 +8052,12 @@
               <a:t>(cube)</a:t>
             </a:r>
           </a:p>
-          <a:p>
-            <a:pPr lvl="1"/>
-            <a:endParaRPr lang="en-US" dirty="0">
-              <a:latin typeface="Monaco"/>
-              <a:cs typeface="Monaco"/>
-            </a:endParaRPr>
-          </a:p>
-          <a:p>
-            <a:pPr lvl="1"/>
-            <a:endParaRPr lang="en-US" dirty="0">
-              <a:latin typeface="Monaco"/>
-              <a:cs typeface="Monaco"/>
-            </a:endParaRPr>
-          </a:p>
-          <a:p>
-            <a:pPr lvl="1"/>
-            <a:endParaRPr lang="en-US" dirty="0" smtClean="0">
-              <a:latin typeface="Monaco"/>
-              <a:cs typeface="Monaco"/>
-            </a:endParaRPr>
-          </a:p>
-          <a:p>
-            <a:r>
-              <a:rPr lang="en-US" dirty="0">
-                <a:latin typeface="Monaco"/>
-                <a:cs typeface="Monaco"/>
-              </a:rPr>
-              <a:t># Simply call the function</a:t>
-            </a:r>
-          </a:p>
-          <a:p>
-            <a:r>
-              <a:rPr lang="en-US" dirty="0">
-                <a:latin typeface="Monaco"/>
-                <a:cs typeface="Monaco"/>
-              </a:rPr>
-              <a:t>square_cube(3)</a:t>
-            </a:r>
-          </a:p>
-          <a:p>
-            <a:r>
-              <a:rPr lang="en-US" dirty="0">
-                <a:solidFill>
-                  <a:schemeClr val="bg1">
-                    <a:lumMod val="65000"/>
-                  </a:schemeClr>
-                </a:solidFill>
-                <a:latin typeface="Monaco"/>
-                <a:cs typeface="Monaco"/>
-              </a:rPr>
-              <a:t>	3 squared is 9, and 3 cubed is 27</a:t>
-            </a:r>
-          </a:p>
-          <a:p>
-            <a:pPr lvl="1"/>
-            <a:r>
-              <a:rPr lang="en-US" dirty="0" smtClean="0">
-                <a:latin typeface="Monaco"/>
-                <a:cs typeface="Monaco"/>
-              </a:rPr>
-              <a:t/>
-            </a:r>
-            <a:br>
-              <a:rPr lang="en-US" dirty="0" smtClean="0">
-                <a:latin typeface="Monaco"/>
-                <a:cs typeface="Monaco"/>
-              </a:rPr>
-            </a:br>
-            <a:endParaRPr lang="en-US" dirty="0" smtClean="0">
-              <a:latin typeface="Monaco"/>
-              <a:cs typeface="Monaco"/>
-            </a:endParaRPr>
-          </a:p>
-          <a:p>
-            <a:r>
-              <a:rPr lang="en-US" dirty="0" smtClean="0">
-                <a:latin typeface="Monaco"/>
-                <a:cs typeface="Monaco"/>
-              </a:rPr>
-              <a:t># What if you try to save a returned value?</a:t>
-            </a:r>
-            <a:endParaRPr lang="en-US" dirty="0">
-              <a:latin typeface="Monaco"/>
-              <a:cs typeface="Monaco"/>
-            </a:endParaRPr>
-          </a:p>
-          <a:p>
-            <a:r>
-              <a:rPr lang="en-US" dirty="0" smtClean="0">
-                <a:latin typeface="Monaco"/>
-                <a:cs typeface="Monaco"/>
-              </a:rPr>
-              <a:t>a = square_cube</a:t>
-            </a:r>
-            <a:r>
-              <a:rPr lang="en-US" dirty="0">
-                <a:latin typeface="Monaco"/>
-                <a:cs typeface="Monaco"/>
-              </a:rPr>
-              <a:t>(3)</a:t>
-            </a:r>
-          </a:p>
-          <a:p>
-            <a:pPr lvl="1"/>
-            <a:endParaRPr lang="en-US" dirty="0" smtClean="0">
-              <a:latin typeface="Monaco"/>
-              <a:cs typeface="Monaco"/>
-            </a:endParaRPr>
-          </a:p>
-          <a:p>
-            <a:pPr lvl="1"/>
-            <a:endParaRPr lang="en-US" dirty="0" smtClean="0">
-              <a:latin typeface="Monaco"/>
-              <a:cs typeface="Monaco"/>
-            </a:endParaRPr>
-          </a:p>
         </p:txBody>
       </p:sp>
     </p:spTree>
     <p:extLst>
       <p:ext uri="{BB962C8B-B14F-4D97-AF65-F5344CB8AC3E}">
-        <p14:creationId xmlns:p14="http://schemas.microsoft.com/office/powerpoint/2010/main" val="2542319200"/>
+        <p14:creationId xmlns:p14="http://schemas.microsoft.com/office/powerpoint/2010/main" val="4277511070"/>
       </p:ext>
     </p:extLst>
   </p:cSld>
@@ -8318,7 +8116,7 @@
         <p:spPr>
           <a:xfrm>
             <a:off x="457199" y="1727554"/>
-            <a:ext cx="8338444" cy="5355313"/>
+            <a:ext cx="8338444" cy="3416320"/>
           </a:xfrm>
           <a:prstGeom prst="rect">
             <a:avLst/>
@@ -8485,115 +8283,17 @@
           </a:p>
           <a:p>
             <a:pPr lvl="1"/>
-            <a:r>
-              <a:rPr lang="en-US" dirty="0" smtClean="0">
-                <a:latin typeface="Monaco"/>
-                <a:cs typeface="Monaco"/>
-              </a:rPr>
-              <a:t/>
-            </a:r>
-            <a:br>
-              <a:rPr lang="en-US" dirty="0" smtClean="0">
-                <a:latin typeface="Monaco"/>
-                <a:cs typeface="Monaco"/>
-              </a:rPr>
-            </a:br>
             <a:endParaRPr lang="en-US" dirty="0" smtClean="0">
               <a:latin typeface="Monaco"/>
               <a:cs typeface="Monaco"/>
             </a:endParaRPr>
           </a:p>
-          <a:p>
-            <a:r>
-              <a:rPr lang="en-US" dirty="0" smtClean="0">
-                <a:latin typeface="Monaco"/>
-                <a:cs typeface="Monaco"/>
-              </a:rPr>
-              <a:t># What if you try to save a returned value?</a:t>
-            </a:r>
-            <a:endParaRPr lang="en-US" dirty="0">
-              <a:latin typeface="Monaco"/>
-              <a:cs typeface="Monaco"/>
-            </a:endParaRPr>
-          </a:p>
-          <a:p>
-            <a:r>
-              <a:rPr lang="en-US" dirty="0" smtClean="0">
-                <a:latin typeface="Monaco"/>
-                <a:cs typeface="Monaco"/>
-              </a:rPr>
-              <a:t>a = square_cube</a:t>
-            </a:r>
-            <a:r>
-              <a:rPr lang="en-US" dirty="0">
-                <a:latin typeface="Monaco"/>
-                <a:cs typeface="Monaco"/>
-              </a:rPr>
-              <a:t>(3</a:t>
-            </a:r>
-            <a:r>
-              <a:rPr lang="en-US" dirty="0" smtClean="0">
-                <a:latin typeface="Monaco"/>
-                <a:cs typeface="Monaco"/>
-              </a:rPr>
-              <a:t>)</a:t>
-            </a:r>
-          </a:p>
-          <a:p>
-            <a:r>
-              <a:rPr lang="en-US" dirty="0" smtClean="0">
-                <a:latin typeface="Monaco"/>
-                <a:cs typeface="Monaco"/>
-              </a:rPr>
-              <a:t>print a</a:t>
-            </a:r>
-          </a:p>
-          <a:p>
-            <a:r>
-              <a:rPr lang="en-US" dirty="0">
-                <a:latin typeface="Monaco"/>
-                <a:cs typeface="Monaco"/>
-              </a:rPr>
-              <a:t>	</a:t>
-            </a:r>
-            <a:r>
-              <a:rPr lang="en-US" dirty="0" smtClean="0">
-                <a:solidFill>
-                  <a:srgbClr val="A6A6A6"/>
-                </a:solidFill>
-                <a:latin typeface="Monaco"/>
-                <a:cs typeface="Monaco"/>
-              </a:rPr>
-              <a:t>None</a:t>
-            </a:r>
-            <a:endParaRPr lang="en-US" dirty="0">
-              <a:solidFill>
-                <a:srgbClr val="A6A6A6"/>
-              </a:solidFill>
-              <a:latin typeface="Monaco"/>
-              <a:cs typeface="Monaco"/>
-            </a:endParaRPr>
-          </a:p>
-          <a:p>
-            <a:pPr lvl="1"/>
-            <a:endParaRPr lang="en-US" dirty="0" smtClean="0">
-              <a:latin typeface="Monaco"/>
-              <a:cs typeface="Monaco"/>
-            </a:endParaRPr>
-          </a:p>
-          <a:p>
-            <a:pPr lvl="1"/>
-            <a:endParaRPr lang="en-US" dirty="0" smtClean="0">
-              <a:latin typeface="Monaco"/>
-              <a:cs typeface="Monaco"/>
-            </a:endParaRPr>
-          </a:p>
         </p:txBody>
       </p:sp>
     </p:spTree>
     <p:extLst>
       <p:ext uri="{BB962C8B-B14F-4D97-AF65-F5344CB8AC3E}">
-        <p14:creationId xmlns:p14="http://schemas.microsoft.com/office/powerpoint/2010/main" val="2395982051"/>
+        <p14:creationId xmlns:p14="http://schemas.microsoft.com/office/powerpoint/2010/main" val="1672031983"/>
       </p:ext>
     </p:extLst>
   </p:cSld>
@@ -8630,28 +8330,262 @@
             <p:ph type="title"/>
           </p:nvPr>
         </p:nvSpPr>
+        <p:spPr/>
+        <p:txBody>
+          <a:bodyPr/>
+          <a:lstStyle/>
+          <a:p>
+            <a:r>
+              <a:rPr lang="en-US" dirty="0" smtClean="0"/>
+              <a:t>functions don't need to return anything!</a:t>
+            </a:r>
+            <a:endParaRPr lang="en-US" dirty="0"/>
+          </a:p>
+        </p:txBody>
+      </p:sp>
+      <p:sp>
+        <p:nvSpPr>
+          <p:cNvPr id="4" name="TextBox 3"/>
+          <p:cNvSpPr txBox="1"/>
+          <p:nvPr/>
+        </p:nvSpPr>
         <p:spPr>
           <a:xfrm>
-            <a:off x="2230714" y="3087537"/>
-            <a:ext cx="4688183" cy="692215"/>
+            <a:off x="457199" y="1727554"/>
+            <a:ext cx="8338444" cy="4801315"/>
           </a:xfrm>
+          <a:prstGeom prst="rect">
+            <a:avLst/>
+          </a:prstGeom>
+          <a:noFill/>
         </p:spPr>
         <p:txBody>
-          <a:bodyPr/>
-          <a:lstStyle/>
-          <a:p>
-            <a:r>
-              <a:rPr lang="en-US" dirty="0" smtClean="0"/>
-              <a:t>exercise break</a:t>
-            </a:r>
-            <a:endParaRPr lang="en-US" dirty="0"/>
+          <a:bodyPr wrap="square" rtlCol="0">
+            <a:spAutoFit/>
+          </a:bodyPr>
+          <a:lstStyle/>
+          <a:p>
+            <a:r>
+              <a:rPr lang="en-US" dirty="0" smtClean="0">
+                <a:latin typeface="Monaco"/>
+                <a:cs typeface="Monaco"/>
+              </a:rPr>
+              <a:t>def square_cube(x):</a:t>
+            </a:r>
+          </a:p>
+          <a:p>
+            <a:r>
+              <a:rPr lang="en-US" dirty="0">
+                <a:latin typeface="Monaco"/>
+                <a:cs typeface="Monaco"/>
+              </a:rPr>
+              <a:t>	</a:t>
+            </a:r>
+            <a:r>
+              <a:rPr lang="en-US" dirty="0" smtClean="0">
+                <a:latin typeface="Monaco"/>
+                <a:cs typeface="Monaco"/>
+              </a:rPr>
+              <a:t>square = x**2</a:t>
+            </a:r>
+          </a:p>
+          <a:p>
+            <a:r>
+              <a:rPr lang="en-US" dirty="0" smtClean="0">
+                <a:latin typeface="Monaco"/>
+                <a:cs typeface="Monaco"/>
+              </a:rPr>
+              <a:t>	cube   = x**3</a:t>
+            </a:r>
+          </a:p>
+          <a:p>
+            <a:pPr lvl="1"/>
+            <a:r>
+              <a:rPr lang="en-US" dirty="0" smtClean="0">
+                <a:latin typeface="Monaco"/>
+                <a:cs typeface="Monaco"/>
+              </a:rPr>
+              <a:t>print </a:t>
+            </a:r>
+            <a:r>
+              <a:rPr lang="en-US" dirty="0" err="1" smtClean="0">
+                <a:latin typeface="Monaco"/>
+                <a:cs typeface="Monaco"/>
+              </a:rPr>
+              <a:t>str</a:t>
+            </a:r>
+            <a:r>
+              <a:rPr lang="en-US" dirty="0" smtClean="0">
+                <a:latin typeface="Monaco"/>
+                <a:cs typeface="Monaco"/>
+              </a:rPr>
+              <a:t>(x) + " squared is " + </a:t>
+            </a:r>
+            <a:r>
+              <a:rPr lang="en-US" dirty="0" err="1" smtClean="0">
+                <a:latin typeface="Monaco"/>
+                <a:cs typeface="Monaco"/>
+              </a:rPr>
+              <a:t>str</a:t>
+            </a:r>
+            <a:r>
+              <a:rPr lang="en-US" dirty="0" smtClean="0">
+                <a:latin typeface="Monaco"/>
+                <a:cs typeface="Monaco"/>
+              </a:rPr>
+              <a:t>(square) + ", and " + </a:t>
+            </a:r>
+            <a:r>
+              <a:rPr lang="en-US" dirty="0" err="1" smtClean="0">
+                <a:latin typeface="Monaco"/>
+                <a:cs typeface="Monaco"/>
+              </a:rPr>
+              <a:t>str</a:t>
+            </a:r>
+            <a:r>
+              <a:rPr lang="en-US" dirty="0" smtClean="0">
+                <a:latin typeface="Monaco"/>
+                <a:cs typeface="Monaco"/>
+              </a:rPr>
+              <a:t>(x) + " cubed is " + </a:t>
+            </a:r>
+            <a:r>
+              <a:rPr lang="en-US" dirty="0" err="1" smtClean="0">
+                <a:latin typeface="Monaco"/>
+                <a:cs typeface="Monaco"/>
+              </a:rPr>
+              <a:t>str</a:t>
+            </a:r>
+            <a:r>
+              <a:rPr lang="en-US" dirty="0" smtClean="0">
+                <a:latin typeface="Monaco"/>
+                <a:cs typeface="Monaco"/>
+              </a:rPr>
+              <a:t>(cube)</a:t>
+            </a:r>
+          </a:p>
+          <a:p>
+            <a:pPr lvl="1"/>
+            <a:endParaRPr lang="en-US" dirty="0">
+              <a:latin typeface="Monaco"/>
+              <a:cs typeface="Monaco"/>
+            </a:endParaRPr>
+          </a:p>
+          <a:p>
+            <a:pPr lvl="1"/>
+            <a:endParaRPr lang="en-US" dirty="0">
+              <a:latin typeface="Monaco"/>
+              <a:cs typeface="Monaco"/>
+            </a:endParaRPr>
+          </a:p>
+          <a:p>
+            <a:pPr lvl="1"/>
+            <a:endParaRPr lang="en-US" dirty="0" smtClean="0">
+              <a:latin typeface="Monaco"/>
+              <a:cs typeface="Monaco"/>
+            </a:endParaRPr>
+          </a:p>
+          <a:p>
+            <a:r>
+              <a:rPr lang="en-US" dirty="0">
+                <a:latin typeface="Monaco"/>
+                <a:cs typeface="Monaco"/>
+              </a:rPr>
+              <a:t># Simply call the function</a:t>
+            </a:r>
+          </a:p>
+          <a:p>
+            <a:r>
+              <a:rPr lang="en-US" dirty="0">
+                <a:latin typeface="Monaco"/>
+                <a:cs typeface="Monaco"/>
+              </a:rPr>
+              <a:t>square_cube(3)</a:t>
+            </a:r>
+          </a:p>
+          <a:p>
+            <a:r>
+              <a:rPr lang="en-US" dirty="0">
+                <a:solidFill>
+                  <a:schemeClr val="bg1">
+                    <a:lumMod val="65000"/>
+                  </a:schemeClr>
+                </a:solidFill>
+                <a:latin typeface="Monaco"/>
+                <a:cs typeface="Monaco"/>
+              </a:rPr>
+              <a:t>	3 squared is 9, and 3 cubed is 27</a:t>
+            </a:r>
+          </a:p>
+          <a:p>
+            <a:pPr lvl="1"/>
+            <a:r>
+              <a:rPr lang="en-US" dirty="0" smtClean="0">
+                <a:latin typeface="Monaco"/>
+                <a:cs typeface="Monaco"/>
+              </a:rPr>
+              <a:t/>
+            </a:r>
+            <a:br>
+              <a:rPr lang="en-US" dirty="0" smtClean="0">
+                <a:latin typeface="Monaco"/>
+                <a:cs typeface="Monaco"/>
+              </a:rPr>
+            </a:br>
+            <a:endParaRPr lang="en-US" dirty="0" smtClean="0">
+              <a:latin typeface="Monaco"/>
+              <a:cs typeface="Monaco"/>
+            </a:endParaRPr>
+          </a:p>
+          <a:p>
+            <a:r>
+              <a:rPr lang="en-US" dirty="0" smtClean="0">
+                <a:latin typeface="Monaco"/>
+                <a:cs typeface="Monaco"/>
+              </a:rPr>
+              <a:t># What if you try to save a returned value?</a:t>
+            </a:r>
+            <a:endParaRPr lang="en-US" dirty="0">
+              <a:latin typeface="Monaco"/>
+              <a:cs typeface="Monaco"/>
+            </a:endParaRPr>
+          </a:p>
+          <a:p>
+            <a:r>
+              <a:rPr lang="en-US" dirty="0" smtClean="0">
+                <a:latin typeface="Monaco"/>
+                <a:cs typeface="Monaco"/>
+              </a:rPr>
+              <a:t>a = square_cube</a:t>
+            </a:r>
+            <a:r>
+              <a:rPr lang="en-US" dirty="0">
+                <a:latin typeface="Monaco"/>
+                <a:cs typeface="Monaco"/>
+              </a:rPr>
+              <a:t>(3)</a:t>
+            </a:r>
+          </a:p>
+          <a:p>
+            <a:pPr lvl="1"/>
+            <a:endParaRPr lang="en-US" dirty="0" smtClean="0">
+              <a:latin typeface="Monaco"/>
+              <a:cs typeface="Monaco"/>
+            </a:endParaRPr>
+          </a:p>
+          <a:p>
+            <a:pPr lvl="1"/>
+            <a:endParaRPr lang="en-US" dirty="0" smtClean="0">
+              <a:latin typeface="Monaco"/>
+              <a:cs typeface="Monaco"/>
+            </a:endParaRPr>
           </a:p>
         </p:txBody>
       </p:sp>
     </p:spTree>
     <p:extLst>
       <p:ext uri="{BB962C8B-B14F-4D97-AF65-F5344CB8AC3E}">
-        <p14:creationId xmlns:p14="http://schemas.microsoft.com/office/powerpoint/2010/main" val="4207585177"/>
+        <p14:creationId xmlns:p14="http://schemas.microsoft.com/office/powerpoint/2010/main" val="2542319200"/>
       </p:ext>
     </p:extLst>
   </p:cSld>
@@ -8695,7 +8629,7 @@
           <a:p>
             <a:r>
               <a:rPr lang="en-US" dirty="0" smtClean="0"/>
-              <a:t>handling errors in python</a:t>
+              <a:t>functions don't need to return anything!</a:t>
             </a:r>
             <a:endParaRPr lang="en-US" dirty="0"/>
           </a:p>
@@ -8703,49 +8637,289 @@
       </p:sp>
       <p:sp>
         <p:nvSpPr>
-          <p:cNvPr id="3" name="Content Placeholder 2"/>
-          <p:cNvSpPr>
-            <a:spLocks noGrp="1"/>
-          </p:cNvSpPr>
-          <p:nvPr>
-            <p:ph idx="1"/>
-          </p:nvPr>
-        </p:nvSpPr>
-        <p:spPr/>
-        <p:txBody>
-          <a:bodyPr/>
-          <a:lstStyle/>
-          <a:p>
-            <a:pPr marL="457200" indent="-457200">
-              <a:buFont typeface="Arial"/>
-              <a:buChar char="•"/>
-            </a:pPr>
-            <a:r>
-              <a:rPr lang="en-US" dirty="0" smtClean="0"/>
-              <a:t>Error messages in Python are informative!</a:t>
-            </a:r>
-          </a:p>
-          <a:p>
-            <a:pPr marL="914400" lvl="1" indent="-457200">
-              <a:buFont typeface="Arial"/>
-              <a:buChar char="•"/>
-            </a:pPr>
-            <a:r>
-              <a:rPr lang="en-US" dirty="0" smtClean="0"/>
-              <a:t>See attached error </a:t>
-            </a:r>
-            <a:r>
-              <a:rPr lang="en-US" dirty="0" err="1" smtClean="0"/>
-              <a:t>cheatsheet</a:t>
-            </a:r>
-            <a:endParaRPr lang="en-US" dirty="0"/>
+          <p:cNvPr id="4" name="TextBox 3"/>
+          <p:cNvSpPr txBox="1"/>
+          <p:nvPr/>
+        </p:nvSpPr>
+        <p:spPr>
+          <a:xfrm>
+            <a:off x="457199" y="1727554"/>
+            <a:ext cx="8338444" cy="5355313"/>
+          </a:xfrm>
+          <a:prstGeom prst="rect">
+            <a:avLst/>
+          </a:prstGeom>
+          <a:noFill/>
+        </p:spPr>
+        <p:txBody>
+          <a:bodyPr wrap="square" rtlCol="0">
+            <a:spAutoFit/>
+          </a:bodyPr>
+          <a:lstStyle/>
+          <a:p>
+            <a:r>
+              <a:rPr lang="en-US" dirty="0" smtClean="0">
+                <a:latin typeface="Monaco"/>
+                <a:cs typeface="Monaco"/>
+              </a:rPr>
+              <a:t>def square_cube(x):</a:t>
+            </a:r>
+          </a:p>
+          <a:p>
+            <a:r>
+              <a:rPr lang="en-US" dirty="0">
+                <a:latin typeface="Monaco"/>
+                <a:cs typeface="Monaco"/>
+              </a:rPr>
+              <a:t>	</a:t>
+            </a:r>
+            <a:r>
+              <a:rPr lang="en-US" dirty="0" smtClean="0">
+                <a:latin typeface="Monaco"/>
+                <a:cs typeface="Monaco"/>
+              </a:rPr>
+              <a:t>square = x**2</a:t>
+            </a:r>
+          </a:p>
+          <a:p>
+            <a:r>
+              <a:rPr lang="en-US" dirty="0" smtClean="0">
+                <a:latin typeface="Monaco"/>
+                <a:cs typeface="Monaco"/>
+              </a:rPr>
+              <a:t>	cube   = x**3</a:t>
+            </a:r>
+          </a:p>
+          <a:p>
+            <a:pPr lvl="1"/>
+            <a:r>
+              <a:rPr lang="en-US" dirty="0" smtClean="0">
+                <a:latin typeface="Monaco"/>
+                <a:cs typeface="Monaco"/>
+              </a:rPr>
+              <a:t>print </a:t>
+            </a:r>
+            <a:r>
+              <a:rPr lang="en-US" dirty="0" err="1" smtClean="0">
+                <a:latin typeface="Monaco"/>
+                <a:cs typeface="Monaco"/>
+              </a:rPr>
+              <a:t>str</a:t>
+            </a:r>
+            <a:r>
+              <a:rPr lang="en-US" dirty="0" smtClean="0">
+                <a:latin typeface="Monaco"/>
+                <a:cs typeface="Monaco"/>
+              </a:rPr>
+              <a:t>(x) + " squared is " + </a:t>
+            </a:r>
+            <a:r>
+              <a:rPr lang="en-US" dirty="0" err="1" smtClean="0">
+                <a:latin typeface="Monaco"/>
+                <a:cs typeface="Monaco"/>
+              </a:rPr>
+              <a:t>str</a:t>
+            </a:r>
+            <a:r>
+              <a:rPr lang="en-US" dirty="0" smtClean="0">
+                <a:latin typeface="Monaco"/>
+                <a:cs typeface="Monaco"/>
+              </a:rPr>
+              <a:t>(square) + ", and " + </a:t>
+            </a:r>
+            <a:r>
+              <a:rPr lang="en-US" dirty="0" err="1" smtClean="0">
+                <a:latin typeface="Monaco"/>
+                <a:cs typeface="Monaco"/>
+              </a:rPr>
+              <a:t>str</a:t>
+            </a:r>
+            <a:r>
+              <a:rPr lang="en-US" dirty="0" smtClean="0">
+                <a:latin typeface="Monaco"/>
+                <a:cs typeface="Monaco"/>
+              </a:rPr>
+              <a:t>(x) + " cubed is " + </a:t>
+            </a:r>
+            <a:r>
+              <a:rPr lang="en-US" dirty="0" err="1" smtClean="0">
+                <a:latin typeface="Monaco"/>
+                <a:cs typeface="Monaco"/>
+              </a:rPr>
+              <a:t>str</a:t>
+            </a:r>
+            <a:r>
+              <a:rPr lang="en-US" dirty="0" smtClean="0">
+                <a:latin typeface="Monaco"/>
+                <a:cs typeface="Monaco"/>
+              </a:rPr>
+              <a:t>(cube)</a:t>
+            </a:r>
+          </a:p>
+          <a:p>
+            <a:pPr lvl="1"/>
+            <a:endParaRPr lang="en-US" dirty="0">
+              <a:latin typeface="Monaco"/>
+              <a:cs typeface="Monaco"/>
+            </a:endParaRPr>
+          </a:p>
+          <a:p>
+            <a:pPr lvl="1"/>
+            <a:endParaRPr lang="en-US" dirty="0">
+              <a:latin typeface="Monaco"/>
+              <a:cs typeface="Monaco"/>
+            </a:endParaRPr>
+          </a:p>
+          <a:p>
+            <a:pPr lvl="1"/>
+            <a:endParaRPr lang="en-US" dirty="0" smtClean="0">
+              <a:latin typeface="Monaco"/>
+              <a:cs typeface="Monaco"/>
+            </a:endParaRPr>
+          </a:p>
+          <a:p>
+            <a:r>
+              <a:rPr lang="en-US" dirty="0">
+                <a:latin typeface="Monaco"/>
+                <a:cs typeface="Monaco"/>
+              </a:rPr>
+              <a:t># Simply call the function</a:t>
+            </a:r>
+          </a:p>
+          <a:p>
+            <a:r>
+              <a:rPr lang="en-US" dirty="0">
+                <a:latin typeface="Monaco"/>
+                <a:cs typeface="Monaco"/>
+              </a:rPr>
+              <a:t>square_cube(3)</a:t>
+            </a:r>
+          </a:p>
+          <a:p>
+            <a:r>
+              <a:rPr lang="en-US" dirty="0">
+                <a:solidFill>
+                  <a:schemeClr val="bg1">
+                    <a:lumMod val="65000"/>
+                  </a:schemeClr>
+                </a:solidFill>
+                <a:latin typeface="Monaco"/>
+                <a:cs typeface="Monaco"/>
+              </a:rPr>
+              <a:t>	3 squared is 9, and 3 cubed is 27</a:t>
+            </a:r>
+          </a:p>
+          <a:p>
+            <a:pPr lvl="1"/>
+            <a:r>
+              <a:rPr lang="en-US" dirty="0" smtClean="0">
+                <a:latin typeface="Monaco"/>
+                <a:cs typeface="Monaco"/>
+              </a:rPr>
+              <a:t/>
+            </a:r>
+            <a:br>
+              <a:rPr lang="en-US" dirty="0" smtClean="0">
+                <a:latin typeface="Monaco"/>
+                <a:cs typeface="Monaco"/>
+              </a:rPr>
+            </a:br>
+            <a:endParaRPr lang="en-US" dirty="0" smtClean="0">
+              <a:latin typeface="Monaco"/>
+              <a:cs typeface="Monaco"/>
+            </a:endParaRPr>
+          </a:p>
+          <a:p>
+            <a:r>
+              <a:rPr lang="en-US" dirty="0" smtClean="0">
+                <a:latin typeface="Monaco"/>
+                <a:cs typeface="Monaco"/>
+              </a:rPr>
+              <a:t># What if you try to save a returned value?</a:t>
+            </a:r>
+            <a:endParaRPr lang="en-US" dirty="0">
+              <a:latin typeface="Monaco"/>
+              <a:cs typeface="Monaco"/>
+            </a:endParaRPr>
+          </a:p>
+          <a:p>
+            <a:r>
+              <a:rPr lang="en-US" dirty="0" smtClean="0">
+                <a:latin typeface="Monaco"/>
+                <a:cs typeface="Monaco"/>
+              </a:rPr>
+              <a:t>a = square_cube</a:t>
+            </a:r>
+            <a:r>
+              <a:rPr lang="en-US" dirty="0">
+                <a:latin typeface="Monaco"/>
+                <a:cs typeface="Monaco"/>
+              </a:rPr>
+              <a:t>(3</a:t>
+            </a:r>
+            <a:r>
+              <a:rPr lang="en-US" dirty="0" smtClean="0">
+                <a:latin typeface="Monaco"/>
+                <a:cs typeface="Monaco"/>
+              </a:rPr>
+              <a:t>)</a:t>
+            </a:r>
+          </a:p>
+          <a:p>
+            <a:r>
+              <a:rPr lang="en-US" dirty="0" smtClean="0">
+                <a:latin typeface="Monaco"/>
+                <a:cs typeface="Monaco"/>
+              </a:rPr>
+              <a:t>print a</a:t>
+            </a:r>
+          </a:p>
+          <a:p>
+            <a:r>
+              <a:rPr lang="en-US" dirty="0">
+                <a:latin typeface="Monaco"/>
+                <a:cs typeface="Monaco"/>
+              </a:rPr>
+              <a:t>	</a:t>
+            </a:r>
+            <a:r>
+              <a:rPr lang="en-US" dirty="0" smtClean="0">
+                <a:solidFill>
+                  <a:srgbClr val="A6A6A6"/>
+                </a:solidFill>
+                <a:latin typeface="Monaco"/>
+                <a:cs typeface="Monaco"/>
+              </a:rPr>
+              <a:t>None</a:t>
+            </a:r>
+            <a:endParaRPr lang="en-US" dirty="0">
+              <a:solidFill>
+                <a:srgbClr val="A6A6A6"/>
+              </a:solidFill>
+              <a:latin typeface="Monaco"/>
+              <a:cs typeface="Monaco"/>
+            </a:endParaRPr>
+          </a:p>
+          <a:p>
+            <a:pPr lvl="1"/>
+            <a:endParaRPr lang="en-US" dirty="0" smtClean="0">
+              <a:latin typeface="Monaco"/>
+              <a:cs typeface="Monaco"/>
+            </a:endParaRPr>
+          </a:p>
+          <a:p>
+            <a:pPr lvl="1"/>
+            <a:endParaRPr lang="en-US" dirty="0" smtClean="0">
+              <a:latin typeface="Monaco"/>
+              <a:cs typeface="Monaco"/>
+            </a:endParaRPr>
           </a:p>
         </p:txBody>
       </p:sp>
     </p:spTree>
     <p:extLst>
       <p:ext uri="{BB962C8B-B14F-4D97-AF65-F5344CB8AC3E}">
-        <p14:creationId xmlns:p14="http://schemas.microsoft.com/office/powerpoint/2010/main" val="2968906052"/>
+        <p14:creationId xmlns:p14="http://schemas.microsoft.com/office/powerpoint/2010/main" val="2395982051"/>
       </p:ext>
     </p:extLst>
   </p:cSld>
@@ -8782,41 +8956,19 @@
             <p:ph type="title"/>
           </p:nvPr>
         </p:nvSpPr>
-        <p:spPr/>
+        <p:spPr>
+          <a:xfrm>
+            <a:off x="2230714" y="3087537"/>
+            <a:ext cx="4688183" cy="692215"/>
+          </a:xfrm>
+        </p:spPr>
         <p:txBody>
           <a:bodyPr/>
           <a:lstStyle/>
           <a:p>
             <a:r>
               <a:rPr lang="en-US" dirty="0" smtClean="0"/>
-              <a:t>reading and writing files in python</a:t>
-            </a:r>
-            <a:endParaRPr lang="en-US" dirty="0"/>
-          </a:p>
-        </p:txBody>
-      </p:sp>
-      <p:sp>
-        <p:nvSpPr>
-          <p:cNvPr id="3" name="Content Placeholder 2"/>
-          <p:cNvSpPr>
-            <a:spLocks noGrp="1"/>
-          </p:cNvSpPr>
-          <p:nvPr>
-            <p:ph idx="1"/>
-          </p:nvPr>
-        </p:nvSpPr>
-        <p:spPr/>
-        <p:txBody>
-          <a:bodyPr/>
-          <a:lstStyle/>
-          <a:p>
-            <a:pPr marL="457200" indent="-457200">
-              <a:buFont typeface="Arial"/>
-              <a:buChar char="•"/>
-            </a:pPr>
-            <a:r>
-              <a:rPr lang="en-US" dirty="0" smtClean="0"/>
-              <a:t>This is where Python really shines!</a:t>
+              <a:t>exercise break</a:t>
             </a:r>
             <a:endParaRPr lang="en-US" dirty="0"/>
           </a:p>
@@ -8825,7 +8977,7 @@
     </p:spTree>
     <p:extLst>
       <p:ext uri="{BB962C8B-B14F-4D97-AF65-F5344CB8AC3E}">
-        <p14:creationId xmlns:p14="http://schemas.microsoft.com/office/powerpoint/2010/main" val="2255359814"/>
+        <p14:creationId xmlns:p14="http://schemas.microsoft.com/office/powerpoint/2010/main" val="4207585177"/>
       </p:ext>
     </p:extLst>
   </p:cSld>
@@ -8869,7 +9021,7 @@
           <a:p>
             <a:r>
               <a:rPr lang="en-US" dirty="0" smtClean="0"/>
-              <a:t>functions in python</a:t>
+              <a:t>some useful functions</a:t>
             </a:r>
             <a:endParaRPr lang="en-US" dirty="0"/>
           </a:p>
@@ -8887,9 +9039,7 @@
         </p:nvSpPr>
         <p:spPr/>
         <p:txBody>
-          <a:bodyPr>
-            <a:normAutofit/>
-          </a:bodyPr>
+          <a:bodyPr/>
           <a:lstStyle/>
           <a:p>
             <a:pPr marL="457200" indent="-457200">
@@ -8897,20 +9047,46 @@
               <a:buChar char="•"/>
             </a:pPr>
             <a:r>
+              <a:rPr lang="en-US" dirty="0" smtClean="0">
+                <a:latin typeface="Monaco"/>
+                <a:cs typeface="Monaco"/>
+              </a:rPr>
+              <a:t>help()</a:t>
+            </a:r>
+            <a:r>
               <a:rPr lang="en-US" dirty="0" smtClean="0"/>
-              <a:t>We</a:t>
-            </a:r>
-            <a:r>
-              <a:rPr lang="fr-FR" dirty="0" smtClean="0"/>
-              <a:t>’</a:t>
-            </a:r>
-            <a:r>
-              <a:rPr lang="en-US" dirty="0" err="1" smtClean="0"/>
-              <a:t>ve</a:t>
+              <a:t> will return information about a particular function</a:t>
+            </a:r>
+          </a:p>
+          <a:p>
+            <a:pPr marL="457200" indent="-457200">
+              <a:buFont typeface="Arial"/>
+              <a:buChar char="•"/>
+            </a:pPr>
+            <a:endParaRPr lang="en-US" dirty="0"/>
+          </a:p>
+          <a:p>
+            <a:pPr marL="457200" indent="-457200">
+              <a:buFont typeface="Arial"/>
+              <a:buChar char="•"/>
+            </a:pPr>
+            <a:r>
+              <a:rPr lang="en-US" dirty="0" err="1" smtClean="0">
+                <a:latin typeface="Monaco"/>
+                <a:cs typeface="Monaco"/>
+              </a:rPr>
+              <a:t>dir</a:t>
+            </a:r>
+            <a:r>
+              <a:rPr lang="en-US" dirty="0" smtClean="0">
+                <a:latin typeface="Monaco"/>
+                <a:cs typeface="Monaco"/>
+              </a:rPr>
+              <a:t>() </a:t>
             </a:r>
             <a:r>
               <a:rPr lang="en-US" dirty="0" smtClean="0"/>
-              <a:t> used several built-in functions:</a:t>
+              <a:t>will return a list of which methods/attributes/functions can be used with a given object</a:t>
             </a:r>
           </a:p>
           <a:p>
@@ -8919,14 +9095,9 @@
               <a:buChar char="•"/>
             </a:pPr>
             <a:r>
-              <a:rPr lang="en-US" dirty="0" smtClean="0">
-                <a:latin typeface="Monaco"/>
-                <a:cs typeface="Monaco"/>
-              </a:rPr>
-              <a:t>len(), sum(), round()</a:t>
-            </a:r>
-          </a:p>
-          <a:p>
+              <a:rPr lang="en-US" dirty="0" smtClean="0"/>
+              <a:t>Ignore the ones with __underscores__</a:t>
+            </a:r>
             <a:endParaRPr lang="en-US" dirty="0"/>
           </a:p>
         </p:txBody>
@@ -8934,7 +9105,7 @@
     </p:spTree>
     <p:extLst>
       <p:ext uri="{BB962C8B-B14F-4D97-AF65-F5344CB8AC3E}">
-        <p14:creationId xmlns:p14="http://schemas.microsoft.com/office/powerpoint/2010/main" val="1999038628"/>
+        <p14:creationId xmlns:p14="http://schemas.microsoft.com/office/powerpoint/2010/main" val="2348972602"/>
       </p:ext>
     </p:extLst>
   </p:cSld>
@@ -8978,7 +9149,7 @@
           <a:p>
             <a:r>
               <a:rPr lang="en-US" dirty="0" smtClean="0"/>
-              <a:t>reading and writing files in python</a:t>
+              <a:t>handling errors in python</a:t>
             </a:r>
             <a:endParaRPr lang="en-US" dirty="0"/>
           </a:p>
@@ -9005,7 +9176,7 @@
             </a:pPr>
             <a:r>
               <a:rPr lang="en-US" dirty="0" smtClean="0"/>
-              <a:t>Python does not deal with files directly</a:t>
+              <a:t>Error messages in Python are informative!</a:t>
             </a:r>
           </a:p>
           <a:p>
@@ -9015,107 +9186,20 @@
             </a:pPr>
             <a:r>
               <a:rPr lang="en-US" dirty="0" smtClean="0"/>
-              <a:t>We interact with files via special variables, called </a:t>
-            </a:r>
-            <a:r>
-              <a:rPr lang="en-US" b="1" dirty="0" smtClean="0"/>
-              <a:t>handles</a:t>
-            </a:r>
-          </a:p>
-          <a:p>
-            <a:pPr marL="914400" lvl="1" indent="-457200">
-              <a:buFont typeface="Arial"/>
-              <a:buChar char="•"/>
-            </a:pPr>
-            <a:endParaRPr lang="en-US" b="1" dirty="0"/>
-          </a:p>
-          <a:p>
-            <a:pPr marL="457200" indent="-457200">
-              <a:buFont typeface="Arial"/>
-              <a:buChar char="•"/>
-            </a:pPr>
-            <a:r>
-              <a:rPr lang="en-US" dirty="0" smtClean="0"/>
-              <a:t>Interact with files in 3 main </a:t>
-            </a:r>
-            <a:r>
-              <a:rPr lang="en-US" i="1" dirty="0" smtClean="0"/>
-              <a:t>modes</a:t>
-            </a:r>
-            <a:r>
-              <a:rPr lang="en-US" dirty="0" smtClean="0"/>
-              <a:t>:</a:t>
-            </a:r>
-          </a:p>
-          <a:p>
-            <a:pPr marL="914400" lvl="1" indent="-457200">
-              <a:buFont typeface="Arial"/>
-              <a:buChar char="•"/>
-            </a:pPr>
-            <a:r>
-              <a:rPr lang="en-US" dirty="0" smtClean="0"/>
-              <a:t>Read-only (</a:t>
-            </a:r>
-            <a:r>
-              <a:rPr lang="en-US" dirty="0" smtClean="0">
-                <a:latin typeface="Monaco"/>
-                <a:cs typeface="Monaco"/>
-              </a:rPr>
-              <a:t>"r"</a:t>
-            </a:r>
-            <a:r>
-              <a:rPr lang="en-US" dirty="0" smtClean="0"/>
-              <a:t>)</a:t>
-            </a:r>
-          </a:p>
-          <a:p>
-            <a:pPr marL="914400" lvl="1" indent="-457200">
-              <a:buFont typeface="Arial"/>
-              <a:buChar char="•"/>
-            </a:pPr>
-            <a:r>
-              <a:rPr lang="en-US" dirty="0" smtClean="0"/>
-              <a:t>Write-only (</a:t>
-            </a:r>
-            <a:r>
-              <a:rPr lang="en-US" dirty="0" smtClean="0">
-                <a:latin typeface="Monaco"/>
-                <a:cs typeface="Monaco"/>
-              </a:rPr>
-              <a:t>"w"</a:t>
-            </a:r>
-            <a:r>
-              <a:rPr lang="en-US" dirty="0" smtClean="0"/>
-              <a:t>)</a:t>
-            </a:r>
-          </a:p>
-          <a:p>
-            <a:pPr marL="914400" lvl="1" indent="-457200">
-              <a:buFont typeface="Arial"/>
-              <a:buChar char="•"/>
-            </a:pPr>
-            <a:r>
-              <a:rPr lang="en-US" dirty="0" smtClean="0"/>
-              <a:t>Append (</a:t>
-            </a:r>
-            <a:r>
-              <a:rPr lang="en-US" dirty="0" smtClean="0">
-                <a:latin typeface="Monaco"/>
-                <a:cs typeface="Monaco"/>
-              </a:rPr>
-              <a:t>"a"</a:t>
-            </a:r>
-            <a:r>
-              <a:rPr lang="en-US" dirty="0" smtClean="0"/>
-              <a:t>)</a:t>
-            </a:r>
+              <a:t>See attached error </a:t>
+            </a:r>
+            <a:r>
+              <a:rPr lang="en-US" dirty="0" err="1" smtClean="0"/>
+              <a:t>cheatsheet</a:t>
+            </a:r>
+            <a:endParaRPr lang="en-US" dirty="0"/>
           </a:p>
         </p:txBody>
       </p:sp>
     </p:spTree>
     <p:extLst>
       <p:ext uri="{BB962C8B-B14F-4D97-AF65-F5344CB8AC3E}">
-        <p14:creationId xmlns:p14="http://schemas.microsoft.com/office/powerpoint/2010/main" val="2214607217"/>
+        <p14:creationId xmlns:p14="http://schemas.microsoft.com/office/powerpoint/2010/main" val="2968906052"/>
       </p:ext>
     </p:extLst>
   </p:cSld>
@@ -9159,6 +9243,360 @@
           <a:p>
             <a:r>
               <a:rPr lang="en-US" dirty="0" smtClean="0"/>
+              <a:t>reading and writing files in python</a:t>
+            </a:r>
+            <a:endParaRPr lang="en-US" dirty="0"/>
+          </a:p>
+        </p:txBody>
+      </p:sp>
+      <p:sp>
+        <p:nvSpPr>
+          <p:cNvPr id="3" name="Content Placeholder 2"/>
+          <p:cNvSpPr>
+            <a:spLocks noGrp="1"/>
+          </p:cNvSpPr>
+          <p:nvPr>
+            <p:ph idx="1"/>
+          </p:nvPr>
+        </p:nvSpPr>
+        <p:spPr/>
+        <p:txBody>
+          <a:bodyPr/>
+          <a:lstStyle/>
+          <a:p>
+            <a:pPr marL="457200" indent="-457200">
+              <a:buFont typeface="Arial"/>
+              <a:buChar char="•"/>
+            </a:pPr>
+            <a:r>
+              <a:rPr lang="en-US" dirty="0" smtClean="0"/>
+              <a:t>This is where Python really shines!</a:t>
+            </a:r>
+            <a:endParaRPr lang="en-US" dirty="0"/>
+          </a:p>
+        </p:txBody>
+      </p:sp>
+    </p:spTree>
+    <p:extLst>
+      <p:ext uri="{BB962C8B-B14F-4D97-AF65-F5344CB8AC3E}">
+        <p14:creationId xmlns:p14="http://schemas.microsoft.com/office/powerpoint/2010/main" val="2255359814"/>
+      </p:ext>
+    </p:extLst>
+  </p:cSld>
+  <p:clrMapOvr>
+    <a:masterClrMapping/>
+  </p:clrMapOvr>
+</p:sld>
+</file>
+
+<file path=ppt/slides/slide32.xml><?xml version="1.0" encoding="utf-8"?>
+<p:sld xmlns:a="http://schemas.openxmlformats.org/drawingml/2006/main" xmlns:r="http://schemas.openxmlformats.org/officeDocument/2006/relationships" xmlns:p="http://schemas.openxmlformats.org/presentationml/2006/main">
+  <p:cSld>
+    <p:spTree>
+      <p:nvGrpSpPr>
+        <p:cNvPr id="1" name=""/>
+        <p:cNvGrpSpPr/>
+        <p:nvPr/>
+      </p:nvGrpSpPr>
+      <p:grpSpPr>
+        <a:xfrm>
+          <a:off x="0" y="0"/>
+          <a:ext cx="0" cy="0"/>
+          <a:chOff x="0" y="0"/>
+          <a:chExt cx="0" cy="0"/>
+        </a:xfrm>
+      </p:grpSpPr>
+      <p:sp>
+        <p:nvSpPr>
+          <p:cNvPr id="2" name="Title 1"/>
+          <p:cNvSpPr>
+            <a:spLocks noGrp="1"/>
+          </p:cNvSpPr>
+          <p:nvPr>
+            <p:ph type="title"/>
+          </p:nvPr>
+        </p:nvSpPr>
+        <p:spPr/>
+        <p:txBody>
+          <a:bodyPr/>
+          <a:lstStyle/>
+          <a:p>
+            <a:r>
+              <a:rPr lang="en-US" dirty="0" smtClean="0"/>
+              <a:t>reading and writing files in python</a:t>
+            </a:r>
+            <a:endParaRPr lang="en-US" dirty="0"/>
+          </a:p>
+        </p:txBody>
+      </p:sp>
+      <p:sp>
+        <p:nvSpPr>
+          <p:cNvPr id="3" name="Content Placeholder 2"/>
+          <p:cNvSpPr>
+            <a:spLocks noGrp="1"/>
+          </p:cNvSpPr>
+          <p:nvPr>
+            <p:ph idx="1"/>
+          </p:nvPr>
+        </p:nvSpPr>
+        <p:spPr/>
+        <p:txBody>
+          <a:bodyPr/>
+          <a:lstStyle/>
+          <a:p>
+            <a:pPr marL="457200" indent="-457200">
+              <a:buFont typeface="Arial"/>
+              <a:buChar char="•"/>
+            </a:pPr>
+            <a:r>
+              <a:rPr lang="en-US" dirty="0" smtClean="0"/>
+              <a:t>Python does not deal with files directly</a:t>
+            </a:r>
+          </a:p>
+          <a:p>
+            <a:pPr marL="914400" lvl="1" indent="-457200">
+              <a:buFont typeface="Arial"/>
+              <a:buChar char="•"/>
+            </a:pPr>
+            <a:r>
+              <a:rPr lang="en-US" dirty="0" smtClean="0"/>
+              <a:t>We interact with files via special variables, called </a:t>
+            </a:r>
+            <a:r>
+              <a:rPr lang="en-US" b="1" dirty="0" smtClean="0"/>
+              <a:t>handles</a:t>
+            </a:r>
+          </a:p>
+        </p:txBody>
+      </p:sp>
+    </p:spTree>
+    <p:extLst>
+      <p:ext uri="{BB962C8B-B14F-4D97-AF65-F5344CB8AC3E}">
+        <p14:creationId xmlns:p14="http://schemas.microsoft.com/office/powerpoint/2010/main" val="2214607217"/>
+      </p:ext>
+    </p:extLst>
+  </p:cSld>
+  <p:clrMapOvr>
+    <a:masterClrMapping/>
+  </p:clrMapOvr>
+</p:sld>
+</file>
+
+<file path=ppt/slides/slide33.xml><?xml version="1.0" encoding="utf-8"?>
+<p:sld xmlns:a="http://schemas.openxmlformats.org/drawingml/2006/main" xmlns:r="http://schemas.openxmlformats.org/officeDocument/2006/relationships" xmlns:p="http://schemas.openxmlformats.org/presentationml/2006/main">
+  <p:cSld>
+    <p:spTree>
+      <p:nvGrpSpPr>
+        <p:cNvPr id="1" name=""/>
+        <p:cNvGrpSpPr/>
+        <p:nvPr/>
+      </p:nvGrpSpPr>
+      <p:grpSpPr>
+        <a:xfrm>
+          <a:off x="0" y="0"/>
+          <a:ext cx="0" cy="0"/>
+          <a:chOff x="0" y="0"/>
+          <a:chExt cx="0" cy="0"/>
+        </a:xfrm>
+      </p:grpSpPr>
+      <p:sp>
+        <p:nvSpPr>
+          <p:cNvPr id="2" name="Title 1"/>
+          <p:cNvSpPr>
+            <a:spLocks noGrp="1"/>
+          </p:cNvSpPr>
+          <p:nvPr>
+            <p:ph type="title"/>
+          </p:nvPr>
+        </p:nvSpPr>
+        <p:spPr/>
+        <p:txBody>
+          <a:bodyPr/>
+          <a:lstStyle/>
+          <a:p>
+            <a:r>
+              <a:rPr lang="en-US" dirty="0" smtClean="0"/>
+              <a:t>reading and writing files in python</a:t>
+            </a:r>
+            <a:endParaRPr lang="en-US" dirty="0"/>
+          </a:p>
+        </p:txBody>
+      </p:sp>
+      <p:sp>
+        <p:nvSpPr>
+          <p:cNvPr id="3" name="Content Placeholder 2"/>
+          <p:cNvSpPr>
+            <a:spLocks noGrp="1"/>
+          </p:cNvSpPr>
+          <p:nvPr>
+            <p:ph idx="1"/>
+          </p:nvPr>
+        </p:nvSpPr>
+        <p:spPr/>
+        <p:txBody>
+          <a:bodyPr/>
+          <a:lstStyle/>
+          <a:p>
+            <a:pPr marL="457200" indent="-457200">
+              <a:buFont typeface="Arial"/>
+              <a:buChar char="•"/>
+            </a:pPr>
+            <a:r>
+              <a:rPr lang="en-US" dirty="0" smtClean="0"/>
+              <a:t>Python does not deal with files directly</a:t>
+            </a:r>
+          </a:p>
+          <a:p>
+            <a:pPr marL="914400" lvl="1" indent="-457200">
+              <a:buFont typeface="Arial"/>
+              <a:buChar char="•"/>
+            </a:pPr>
+            <a:r>
+              <a:rPr lang="en-US" dirty="0" smtClean="0"/>
+              <a:t>We interact with files via special variables, called </a:t>
+            </a:r>
+            <a:r>
+              <a:rPr lang="en-US" b="1" dirty="0" smtClean="0"/>
+              <a:t>handles</a:t>
+            </a:r>
+          </a:p>
+          <a:p>
+            <a:pPr marL="914400" lvl="1" indent="-457200">
+              <a:buFont typeface="Arial"/>
+              <a:buChar char="•"/>
+            </a:pPr>
+            <a:endParaRPr lang="en-US" b="1" dirty="0"/>
+          </a:p>
+          <a:p>
+            <a:pPr marL="457200" indent="-457200">
+              <a:buFont typeface="Arial"/>
+              <a:buChar char="•"/>
+            </a:pPr>
+            <a:r>
+              <a:rPr lang="en-US" dirty="0" smtClean="0"/>
+              <a:t>Interact with files in 3 main </a:t>
+            </a:r>
+            <a:r>
+              <a:rPr lang="en-US" i="1" dirty="0" smtClean="0"/>
+              <a:t>modes</a:t>
+            </a:r>
+            <a:r>
+              <a:rPr lang="en-US" dirty="0" smtClean="0"/>
+              <a:t>:</a:t>
+            </a:r>
+          </a:p>
+          <a:p>
+            <a:pPr marL="914400" lvl="1" indent="-457200">
+              <a:buFont typeface="Arial"/>
+              <a:buChar char="•"/>
+            </a:pPr>
+            <a:r>
+              <a:rPr lang="en-US" dirty="0" smtClean="0"/>
+              <a:t>Read-only (</a:t>
+            </a:r>
+            <a:r>
+              <a:rPr lang="en-US" dirty="0" smtClean="0">
+                <a:latin typeface="Monaco"/>
+                <a:cs typeface="Monaco"/>
+              </a:rPr>
+              <a:t>"r"</a:t>
+            </a:r>
+            <a:r>
+              <a:rPr lang="en-US" dirty="0" smtClean="0"/>
+              <a:t>)</a:t>
+            </a:r>
+          </a:p>
+          <a:p>
+            <a:pPr marL="914400" lvl="1" indent="-457200">
+              <a:buFont typeface="Arial"/>
+              <a:buChar char="•"/>
+            </a:pPr>
+            <a:r>
+              <a:rPr lang="en-US" dirty="0" smtClean="0"/>
+              <a:t>Write-only (</a:t>
+            </a:r>
+            <a:r>
+              <a:rPr lang="en-US" dirty="0" smtClean="0">
+                <a:latin typeface="Monaco"/>
+                <a:cs typeface="Monaco"/>
+              </a:rPr>
+              <a:t>"w"</a:t>
+            </a:r>
+            <a:r>
+              <a:rPr lang="en-US" dirty="0" smtClean="0"/>
+              <a:t>)</a:t>
+            </a:r>
+          </a:p>
+          <a:p>
+            <a:pPr marL="914400" lvl="1" indent="-457200">
+              <a:buFont typeface="Arial"/>
+              <a:buChar char="•"/>
+            </a:pPr>
+            <a:r>
+              <a:rPr lang="en-US" dirty="0" smtClean="0"/>
+              <a:t>Append (</a:t>
+            </a:r>
+            <a:r>
+              <a:rPr lang="en-US" dirty="0" smtClean="0">
+                <a:latin typeface="Monaco"/>
+                <a:cs typeface="Monaco"/>
+              </a:rPr>
+              <a:t>"a"</a:t>
+            </a:r>
+            <a:r>
+              <a:rPr lang="en-US" dirty="0" smtClean="0"/>
+              <a:t>)</a:t>
+            </a:r>
+          </a:p>
+        </p:txBody>
+      </p:sp>
+    </p:spTree>
+    <p:extLst>
+      <p:ext uri="{BB962C8B-B14F-4D97-AF65-F5344CB8AC3E}">
+        <p14:creationId xmlns:p14="http://schemas.microsoft.com/office/powerpoint/2010/main" val="4002232914"/>
+      </p:ext>
+    </p:extLst>
+  </p:cSld>
+  <p:clrMapOvr>
+    <a:masterClrMapping/>
+  </p:clrMapOvr>
+</p:sld>
+</file>
+
+<file path=ppt/slides/slide34.xml><?xml version="1.0" encoding="utf-8"?>
+<p:sld xmlns:a="http://schemas.openxmlformats.org/drawingml/2006/main" xmlns:r="http://schemas.openxmlformats.org/officeDocument/2006/relationships" xmlns:p="http://schemas.openxmlformats.org/presentationml/2006/main">
+  <p:cSld>
+    <p:spTree>
+      <p:nvGrpSpPr>
+        <p:cNvPr id="1" name=""/>
+        <p:cNvGrpSpPr/>
+        <p:nvPr/>
+      </p:nvGrpSpPr>
+      <p:grpSpPr>
+        <a:xfrm>
+          <a:off x="0" y="0"/>
+          <a:ext cx="0" cy="0"/>
+          <a:chOff x="0" y="0"/>
+          <a:chExt cx="0" cy="0"/>
+        </a:xfrm>
+      </p:grpSpPr>
+      <p:sp>
+        <p:nvSpPr>
+          <p:cNvPr id="2" name="Title 1"/>
+          <p:cNvSpPr>
+            <a:spLocks noGrp="1"/>
+          </p:cNvSpPr>
+          <p:nvPr>
+            <p:ph type="title"/>
+          </p:nvPr>
+        </p:nvSpPr>
+        <p:spPr/>
+        <p:txBody>
+          <a:bodyPr/>
+          <a:lstStyle/>
+          <a:p>
+            <a:r>
+              <a:rPr lang="en-US" dirty="0" smtClean="0"/>
               <a:t>opening files for reading</a:t>
             </a:r>
             <a:endParaRPr lang="en-US" dirty="0"/>
@@ -9383,7 +9821,7 @@
 </p:sld>
 </file>
 
-<file path=ppt/slides/slide32.xml><?xml version="1.0" encoding="utf-8"?>
+<file path=ppt/slides/slide35.xml><?xml version="1.0" encoding="utf-8"?>
 <p:sld xmlns:a="http://schemas.openxmlformats.org/drawingml/2006/main" xmlns:r="http://schemas.openxmlformats.org/officeDocument/2006/relationships" xmlns:p="http://schemas.openxmlformats.org/presentationml/2006/main">
   <p:cSld>
     <p:spTree>
@@ -9686,7 +10124,7 @@
 </p:sld>
 </file>
 
-<file path=ppt/slides/slide33.xml><?xml version="1.0" encoding="utf-8"?>
+<file path=ppt/slides/slide36.xml><?xml version="1.0" encoding="utf-8"?>
 <p:sld xmlns:a="http://schemas.openxmlformats.org/drawingml/2006/main" xmlns:r="http://schemas.openxmlformats.org/officeDocument/2006/relationships" xmlns:p="http://schemas.openxmlformats.org/presentationml/2006/main">
   <p:cSld>
     <p:spTree>
@@ -10216,499 +10654,6 @@
 </p:sld>
 </file>
 
-<file path=ppt/slides/slide34.xml><?xml version="1.0" encoding="utf-8"?>
-<p:sld xmlns:a="http://schemas.openxmlformats.org/drawingml/2006/main" xmlns:r="http://schemas.openxmlformats.org/officeDocument/2006/relationships" xmlns:p="http://schemas.openxmlformats.org/presentationml/2006/main">
-  <p:cSld>
-    <p:spTree>
-      <p:nvGrpSpPr>
-        <p:cNvPr id="1" name=""/>
-        <p:cNvGrpSpPr/>
-        <p:nvPr/>
-      </p:nvGrpSpPr>
-      <p:grpSpPr>
-        <a:xfrm>
-          <a:off x="0" y="0"/>
-          <a:ext cx="0" cy="0"/>
-          <a:chOff x="0" y="0"/>
-          <a:chExt cx="0" cy="0"/>
-        </a:xfrm>
-      </p:grpSpPr>
-      <p:sp>
-        <p:nvSpPr>
-          <p:cNvPr id="2" name="Title 1"/>
-          <p:cNvSpPr>
-            <a:spLocks noGrp="1"/>
-          </p:cNvSpPr>
-          <p:nvPr>
-            <p:ph type="title"/>
-          </p:nvPr>
-        </p:nvSpPr>
-        <p:spPr/>
-        <p:txBody>
-          <a:bodyPr/>
-          <a:lstStyle/>
-          <a:p>
-            <a:r>
-              <a:rPr lang="en-US" dirty="0" smtClean="0"/>
-              <a:t>looping over lines in a file</a:t>
-            </a:r>
-            <a:endParaRPr lang="en-US" dirty="0"/>
-          </a:p>
-        </p:txBody>
-      </p:sp>
-      <p:sp>
-        <p:nvSpPr>
-          <p:cNvPr id="4" name="TextBox 3"/>
-          <p:cNvSpPr txBox="1"/>
-          <p:nvPr/>
-        </p:nvSpPr>
-        <p:spPr>
-          <a:xfrm>
-            <a:off x="457199" y="1558432"/>
-            <a:ext cx="8338444" cy="1754327"/>
-          </a:xfrm>
-          <a:prstGeom prst="rect">
-            <a:avLst/>
-          </a:prstGeom>
-          <a:noFill/>
-        </p:spPr>
-        <p:txBody>
-          <a:bodyPr wrap="square" rtlCol="0">
-            <a:spAutoFit/>
-          </a:bodyPr>
-          <a:lstStyle/>
-          <a:p>
-            <a:r>
-              <a:rPr lang="en-US" dirty="0" smtClean="0">
-                <a:latin typeface="Monaco"/>
-                <a:cs typeface="Monaco"/>
-              </a:rPr>
-              <a:t>filename = "my_file_with_important_stuff.txt"</a:t>
-            </a:r>
-          </a:p>
-          <a:p>
-            <a:endParaRPr lang="en-US" dirty="0">
-              <a:latin typeface="Monaco"/>
-              <a:cs typeface="Monaco"/>
-            </a:endParaRPr>
-          </a:p>
-          <a:p>
-            <a:r>
-              <a:rPr lang="en-US" dirty="0" smtClean="0">
-                <a:latin typeface="Monaco"/>
-                <a:cs typeface="Monaco"/>
-              </a:rPr>
-              <a:t>file_handle = open(filename, "r")</a:t>
-            </a:r>
-          </a:p>
-          <a:p>
-            <a:r>
-              <a:rPr lang="en-US" dirty="0" smtClean="0">
-                <a:latin typeface="Monaco"/>
-                <a:cs typeface="Monaco"/>
-              </a:rPr>
-              <a:t>file_contents = file_handle.read()</a:t>
-            </a:r>
-          </a:p>
-          <a:p>
-            <a:r>
-              <a:rPr lang="en-US" dirty="0" smtClean="0">
-                <a:latin typeface="Monaco"/>
-                <a:cs typeface="Monaco"/>
-              </a:rPr>
-              <a:t>file_handle.close()</a:t>
-            </a:r>
-          </a:p>
-          <a:p>
-            <a:endParaRPr lang="en-US" dirty="0" smtClean="0">
-              <a:latin typeface="Monaco"/>
-              <a:cs typeface="Monaco"/>
-            </a:endParaRPr>
-          </a:p>
-        </p:txBody>
-      </p:sp>
-    </p:spTree>
-    <p:extLst>
-      <p:ext uri="{BB962C8B-B14F-4D97-AF65-F5344CB8AC3E}">
-        <p14:creationId xmlns:p14="http://schemas.microsoft.com/office/powerpoint/2010/main" val="2180765356"/>
-      </p:ext>
-    </p:extLst>
-  </p:cSld>
-  <p:clrMapOvr>
-    <a:masterClrMapping/>
-  </p:clrMapOvr>
-</p:sld>
-</file>
-
-<file path=ppt/slides/slide35.xml><?xml version="1.0" encoding="utf-8"?>
-<p:sld xmlns:a="http://schemas.openxmlformats.org/drawingml/2006/main" xmlns:r="http://schemas.openxmlformats.org/officeDocument/2006/relationships" xmlns:p="http://schemas.openxmlformats.org/presentationml/2006/main">
-  <p:cSld>
-    <p:spTree>
-      <p:nvGrpSpPr>
-        <p:cNvPr id="1" name=""/>
-        <p:cNvGrpSpPr/>
-        <p:nvPr/>
-      </p:nvGrpSpPr>
-      <p:grpSpPr>
-        <a:xfrm>
-          <a:off x="0" y="0"/>
-          <a:ext cx="0" cy="0"/>
-          <a:chOff x="0" y="0"/>
-          <a:chExt cx="0" cy="0"/>
-        </a:xfrm>
-      </p:grpSpPr>
-      <p:sp>
-        <p:nvSpPr>
-          <p:cNvPr id="2" name="Title 1"/>
-          <p:cNvSpPr>
-            <a:spLocks noGrp="1"/>
-          </p:cNvSpPr>
-          <p:nvPr>
-            <p:ph type="title"/>
-          </p:nvPr>
-        </p:nvSpPr>
-        <p:spPr/>
-        <p:txBody>
-          <a:bodyPr/>
-          <a:lstStyle/>
-          <a:p>
-            <a:r>
-              <a:rPr lang="en-US" dirty="0" smtClean="0"/>
-              <a:t>looping over lines in a file</a:t>
-            </a:r>
-            <a:endParaRPr lang="en-US" dirty="0"/>
-          </a:p>
-        </p:txBody>
-      </p:sp>
-      <p:sp>
-        <p:nvSpPr>
-          <p:cNvPr id="4" name="TextBox 3"/>
-          <p:cNvSpPr txBox="1"/>
-          <p:nvPr/>
-        </p:nvSpPr>
-        <p:spPr>
-          <a:xfrm>
-            <a:off x="457199" y="1558432"/>
-            <a:ext cx="8338444" cy="2585323"/>
-          </a:xfrm>
-          <a:prstGeom prst="rect">
-            <a:avLst/>
-          </a:prstGeom>
-          <a:noFill/>
-        </p:spPr>
-        <p:txBody>
-          <a:bodyPr wrap="square" rtlCol="0">
-            <a:spAutoFit/>
-          </a:bodyPr>
-          <a:lstStyle/>
-          <a:p>
-            <a:r>
-              <a:rPr lang="en-US" dirty="0" smtClean="0">
-                <a:latin typeface="Monaco"/>
-                <a:cs typeface="Monaco"/>
-              </a:rPr>
-              <a:t>filename = "my_file_with_important_stuff.txt"</a:t>
-            </a:r>
-          </a:p>
-          <a:p>
-            <a:endParaRPr lang="en-US" dirty="0">
-              <a:latin typeface="Monaco"/>
-              <a:cs typeface="Monaco"/>
-            </a:endParaRPr>
-          </a:p>
-          <a:p>
-            <a:r>
-              <a:rPr lang="en-US" dirty="0" smtClean="0">
-                <a:latin typeface="Monaco"/>
-                <a:cs typeface="Monaco"/>
-              </a:rPr>
-              <a:t>file_handle = open(filename, "r")</a:t>
-            </a:r>
-          </a:p>
-          <a:p>
-            <a:r>
-              <a:rPr lang="en-US" dirty="0" smtClean="0">
-                <a:latin typeface="Monaco"/>
-                <a:cs typeface="Monaco"/>
-              </a:rPr>
-              <a:t>file_contents = file_handle.read()</a:t>
-            </a:r>
-          </a:p>
-          <a:p>
-            <a:r>
-              <a:rPr lang="en-US" dirty="0" smtClean="0">
-                <a:latin typeface="Monaco"/>
-                <a:cs typeface="Monaco"/>
-              </a:rPr>
-              <a:t>file_handle.close()</a:t>
-            </a:r>
-          </a:p>
-          <a:p>
-            <a:endParaRPr lang="en-US" dirty="0" smtClean="0">
-              <a:latin typeface="Monaco"/>
-              <a:cs typeface="Monaco"/>
-            </a:endParaRPr>
-          </a:p>
-          <a:p>
-            <a:r>
-              <a:rPr lang="en-US" dirty="0" smtClean="0">
-                <a:latin typeface="Monaco"/>
-                <a:cs typeface="Monaco"/>
-              </a:rPr>
-              <a:t># We can convert file_contents to a list using </a:t>
-            </a:r>
-            <a:r>
-              <a:rPr lang="en-US" i="1" dirty="0" smtClean="0">
-                <a:latin typeface="Monaco"/>
-                <a:cs typeface="Monaco"/>
-              </a:rPr>
-              <a:t>.split()</a:t>
-            </a:r>
-            <a:endParaRPr lang="en-US" i="1" dirty="0">
-              <a:latin typeface="Monaco"/>
-              <a:cs typeface="Monaco"/>
-            </a:endParaRPr>
-          </a:p>
-          <a:p>
-            <a:r>
-              <a:rPr lang="en-US" dirty="0" smtClean="0">
-                <a:latin typeface="Monaco"/>
-                <a:cs typeface="Monaco"/>
-              </a:rPr>
-              <a:t>file_contents_list = file_contents.split(</a:t>
-            </a:r>
-            <a:r>
-              <a:rPr lang="en-US" dirty="0" smtClean="0">
-                <a:solidFill>
-                  <a:schemeClr val="accent5"/>
-                </a:solidFill>
-                <a:latin typeface="Monaco"/>
-                <a:cs typeface="Monaco"/>
-              </a:rPr>
-              <a:t>"\n"</a:t>
-            </a:r>
-            <a:r>
-              <a:rPr lang="en-US" dirty="0" smtClean="0">
-                <a:latin typeface="Monaco"/>
-                <a:cs typeface="Monaco"/>
-              </a:rPr>
-              <a:t>)  # or \r</a:t>
-            </a:r>
-          </a:p>
-          <a:p>
-            <a:endParaRPr lang="en-US" dirty="0" smtClean="0">
-              <a:latin typeface="Monaco"/>
-              <a:cs typeface="Monaco"/>
-            </a:endParaRPr>
-          </a:p>
-        </p:txBody>
-      </p:sp>
-    </p:spTree>
-    <p:extLst>
-      <p:ext uri="{BB962C8B-B14F-4D97-AF65-F5344CB8AC3E}">
-        <p14:creationId xmlns:p14="http://schemas.microsoft.com/office/powerpoint/2010/main" val="2180765356"/>
-      </p:ext>
-    </p:extLst>
-  </p:cSld>
-  <p:clrMapOvr>
-    <a:masterClrMapping/>
-  </p:clrMapOvr>
-</p:sld>
-</file>
-
-<file path=ppt/slides/slide36.xml><?xml version="1.0" encoding="utf-8"?>
-<p:sld xmlns:a="http://schemas.openxmlformats.org/drawingml/2006/main" xmlns:r="http://schemas.openxmlformats.org/officeDocument/2006/relationships" xmlns:p="http://schemas.openxmlformats.org/presentationml/2006/main">
-  <p:cSld>
-    <p:spTree>
-      <p:nvGrpSpPr>
-        <p:cNvPr id="1" name=""/>
-        <p:cNvGrpSpPr/>
-        <p:nvPr/>
-      </p:nvGrpSpPr>
-      <p:grpSpPr>
-        <a:xfrm>
-          <a:off x="0" y="0"/>
-          <a:ext cx="0" cy="0"/>
-          <a:chOff x="0" y="0"/>
-          <a:chExt cx="0" cy="0"/>
-        </a:xfrm>
-      </p:grpSpPr>
-      <p:sp>
-        <p:nvSpPr>
-          <p:cNvPr id="2" name="Title 1"/>
-          <p:cNvSpPr>
-            <a:spLocks noGrp="1"/>
-          </p:cNvSpPr>
-          <p:nvPr>
-            <p:ph type="title"/>
-          </p:nvPr>
-        </p:nvSpPr>
-        <p:spPr/>
-        <p:txBody>
-          <a:bodyPr/>
-          <a:lstStyle/>
-          <a:p>
-            <a:r>
-              <a:rPr lang="en-US" dirty="0" smtClean="0"/>
-              <a:t>looping over lines in a file</a:t>
-            </a:r>
-            <a:endParaRPr lang="en-US" dirty="0"/>
-          </a:p>
-        </p:txBody>
-      </p:sp>
-      <p:sp>
-        <p:nvSpPr>
-          <p:cNvPr id="4" name="TextBox 3"/>
-          <p:cNvSpPr txBox="1"/>
-          <p:nvPr/>
-        </p:nvSpPr>
-        <p:spPr>
-          <a:xfrm>
-            <a:off x="457199" y="1558432"/>
-            <a:ext cx="8338444" cy="2585323"/>
-          </a:xfrm>
-          <a:prstGeom prst="rect">
-            <a:avLst/>
-          </a:prstGeom>
-          <a:noFill/>
-        </p:spPr>
-        <p:txBody>
-          <a:bodyPr wrap="square" rtlCol="0">
-            <a:spAutoFit/>
-          </a:bodyPr>
-          <a:lstStyle/>
-          <a:p>
-            <a:r>
-              <a:rPr lang="en-US" dirty="0" smtClean="0">
-                <a:latin typeface="Monaco"/>
-                <a:cs typeface="Monaco"/>
-              </a:rPr>
-              <a:t># A better option is the to use the </a:t>
-            </a:r>
-            <a:r>
-              <a:rPr lang="en-US" i="1" dirty="0" smtClean="0">
-                <a:latin typeface="Monaco"/>
-                <a:cs typeface="Monaco"/>
-              </a:rPr>
-              <a:t>.readlines() </a:t>
-            </a:r>
-            <a:r>
-              <a:rPr lang="en-US" dirty="0" smtClean="0">
-                <a:latin typeface="Monaco"/>
-                <a:cs typeface="Monaco"/>
-              </a:rPr>
-              <a:t>method</a:t>
-            </a:r>
-          </a:p>
-          <a:p>
-            <a:r>
-              <a:rPr lang="en-US" dirty="0">
-                <a:latin typeface="Monaco"/>
-                <a:cs typeface="Monaco"/>
-              </a:rPr>
-              <a:t>file_handle = open(filename, "r")</a:t>
-            </a:r>
-          </a:p>
-          <a:p>
-            <a:r>
-              <a:rPr lang="en-US" dirty="0" smtClean="0">
-                <a:latin typeface="Monaco"/>
-                <a:cs typeface="Monaco"/>
-              </a:rPr>
-              <a:t>file_lines = file_handle</a:t>
-            </a:r>
-            <a:r>
-              <a:rPr lang="en-US" dirty="0" smtClean="0">
-                <a:solidFill>
-                  <a:srgbClr val="DC5924"/>
-                </a:solidFill>
-                <a:latin typeface="Monaco"/>
-                <a:cs typeface="Monaco"/>
-              </a:rPr>
-              <a:t>.readlines()</a:t>
-            </a:r>
-          </a:p>
-          <a:p>
-            <a:r>
-              <a:rPr lang="en-US" dirty="0" smtClean="0">
-                <a:latin typeface="Monaco"/>
-                <a:cs typeface="Monaco"/>
-              </a:rPr>
-              <a:t>file_handle.close</a:t>
-            </a:r>
-            <a:r>
-              <a:rPr lang="en-US" dirty="0">
-                <a:latin typeface="Monaco"/>
-                <a:cs typeface="Monaco"/>
-              </a:rPr>
-              <a:t>()</a:t>
-            </a:r>
-          </a:p>
-          <a:p>
-            <a:endParaRPr lang="en-US" dirty="0" smtClean="0">
-              <a:latin typeface="Monaco"/>
-              <a:cs typeface="Monaco"/>
-            </a:endParaRPr>
-          </a:p>
-          <a:p>
-            <a:r>
-              <a:rPr lang="en-US" dirty="0" smtClean="0">
-                <a:latin typeface="Monaco"/>
-                <a:cs typeface="Monaco"/>
-              </a:rPr>
-              <a:t># file_lines is a list</a:t>
-            </a:r>
-          </a:p>
-          <a:p>
-            <a:r>
-              <a:rPr lang="en-US" dirty="0" smtClean="0">
-                <a:latin typeface="Monaco"/>
-                <a:cs typeface="Monaco"/>
-              </a:rPr>
-              <a:t>print file_lines</a:t>
-            </a:r>
-          </a:p>
-          <a:p>
-            <a:r>
-              <a:rPr lang="en-US" dirty="0">
-                <a:solidFill>
-                  <a:schemeClr val="bg1">
-                    <a:lumMod val="65000"/>
-                  </a:schemeClr>
-                </a:solidFill>
-                <a:latin typeface="Monaco"/>
-                <a:cs typeface="Monaco"/>
-              </a:rPr>
-              <a:t>	</a:t>
-            </a:r>
-            <a:r>
-              <a:rPr lang="en-US" dirty="0" smtClean="0">
-                <a:solidFill>
-                  <a:schemeClr val="bg1">
-                    <a:lumMod val="65000"/>
-                  </a:schemeClr>
-                </a:solidFill>
-                <a:latin typeface="Monaco"/>
-                <a:cs typeface="Monaco"/>
-              </a:rPr>
-              <a:t>["Line 1 of file.\n", "Line 2 of file.\n", "Line 3 of 	file.\n", ...]</a:t>
-            </a:r>
-          </a:p>
-        </p:txBody>
-      </p:sp>
-    </p:spTree>
-    <p:extLst>
-      <p:ext uri="{BB962C8B-B14F-4D97-AF65-F5344CB8AC3E}">
-        <p14:creationId xmlns:p14="http://schemas.microsoft.com/office/powerpoint/2010/main" val="3885851086"/>
-      </p:ext>
-    </p:extLst>
-  </p:cSld>
-  <p:clrMapOvr>
-    <a:masterClrMapping/>
-  </p:clrMapOvr>
-</p:sld>
-</file>
-
 <file path=ppt/slides/slide37.xml><?xml version="1.0" encoding="utf-8"?>
 <p:sld xmlns:a="http://schemas.openxmlformats.org/drawingml/2006/main" xmlns:r="http://schemas.openxmlformats.org/officeDocument/2006/relationships" xmlns:p="http://schemas.openxmlformats.org/presentationml/2006/main">
   <p:cSld>
@@ -10758,7 +10703,7 @@
         <p:spPr>
           <a:xfrm>
             <a:off x="457199" y="1558432"/>
-            <a:ext cx="8338444" cy="5078314"/>
+            <a:ext cx="8338444" cy="1754327"/>
           </a:xfrm>
           <a:prstGeom prst="rect">
             <a:avLst/>
@@ -10776,26 +10721,18 @@
                 <a:latin typeface="Monaco"/>
                 <a:cs typeface="Monaco"/>
               </a:rPr>
-              <a:t># A better option is the to use the </a:t>
-            </a:r>
-            <a:r>
-              <a:rPr lang="en-US" i="1" dirty="0" smtClean="0">
-                <a:latin typeface="Monaco"/>
-                <a:cs typeface="Monaco"/>
-              </a:rPr>
-              <a:t>.readlines() </a:t>
-            </a:r>
-            <a:r>
-              <a:rPr lang="en-US" dirty="0" smtClean="0">
-                <a:latin typeface="Monaco"/>
-                <a:cs typeface="Monaco"/>
-              </a:rPr>
-              <a:t>method</a:t>
-            </a:r>
-          </a:p>
-          <a:p>
-            <a:r>
-              <a:rPr lang="en-US" dirty="0">
+              <a:t>filename = "my_file_with_important_stuff.txt"</a:t>
+            </a:r>
+          </a:p>
+          <a:p>
+            <a:endParaRPr lang="en-US" dirty="0">
+              <a:latin typeface="Monaco"/>
+              <a:cs typeface="Monaco"/>
+            </a:endParaRPr>
+          </a:p>
+          <a:p>
+            <a:r>
+              <a:rPr lang="en-US" dirty="0" smtClean="0">
                 <a:latin typeface="Monaco"/>
                 <a:cs typeface="Monaco"/>
               </a:rPr>
@@ -10808,33 +10745,16 @@
                 <a:latin typeface="Monaco"/>
                 <a:cs typeface="Monaco"/>
               </a:rPr>
-              <a:t>file_lines = file_handle</a:t>
-            </a:r>
-            <a:r>
-              <a:rPr lang="en-US" dirty="0" smtClean="0">
-                <a:solidFill>
-                  <a:srgbClr val="DC5924"/>
-                </a:solidFill>
-                <a:latin typeface="Monaco"/>
-                <a:cs typeface="Monaco"/>
-              </a:rPr>
-              <a:t>.readlines()</a:t>
-            </a:r>
-          </a:p>
-          <a:p>
-            <a:r>
-              <a:rPr lang="en-US" dirty="0" smtClean="0">
-                <a:latin typeface="Monaco"/>
-                <a:cs typeface="Monaco"/>
-              </a:rPr>
-              <a:t>file_handle.close</a:t>
-            </a:r>
-            <a:r>
-              <a:rPr lang="en-US" dirty="0">
-                <a:latin typeface="Monaco"/>
-                <a:cs typeface="Monaco"/>
-              </a:rPr>
-              <a:t>()</a:t>
+              <a:t>file_contents = file_handle.read()</a:t>
+            </a:r>
+          </a:p>
+          <a:p>
+            <a:r>
+              <a:rPr lang="en-US" dirty="0" smtClean="0">
+                <a:latin typeface="Monaco"/>
+                <a:cs typeface="Monaco"/>
+              </a:rPr>
+              <a:t>file_handle.close()</a:t>
             </a:r>
           </a:p>
           <a:p>
@@ -10843,173 +10763,12 @@
               <a:cs typeface="Monaco"/>
             </a:endParaRPr>
           </a:p>
-          <a:p>
-            <a:r>
-              <a:rPr lang="en-US" dirty="0">
-                <a:latin typeface="Monaco"/>
-                <a:cs typeface="Monaco"/>
-              </a:rPr>
-              <a:t># file_lines is a </a:t>
-            </a:r>
-            <a:r>
-              <a:rPr lang="en-US" dirty="0" smtClean="0">
-                <a:latin typeface="Monaco"/>
-                <a:cs typeface="Monaco"/>
-              </a:rPr>
-              <a:t>list</a:t>
-            </a:r>
-          </a:p>
-          <a:p>
-            <a:r>
-              <a:rPr lang="en-US" dirty="0" smtClean="0">
-                <a:latin typeface="Monaco"/>
-                <a:cs typeface="Monaco"/>
-              </a:rPr>
-              <a:t>print file_lines</a:t>
-            </a:r>
-          </a:p>
-          <a:p>
-            <a:r>
-              <a:rPr lang="en-US" dirty="0">
-                <a:solidFill>
-                  <a:schemeClr val="bg1">
-                    <a:lumMod val="65000"/>
-                  </a:schemeClr>
-                </a:solidFill>
-                <a:latin typeface="Monaco"/>
-                <a:cs typeface="Monaco"/>
-              </a:rPr>
-              <a:t>	</a:t>
-            </a:r>
-            <a:r>
-              <a:rPr lang="en-US" dirty="0" smtClean="0">
-                <a:solidFill>
-                  <a:schemeClr val="bg1">
-                    <a:lumMod val="65000"/>
-                  </a:schemeClr>
-                </a:solidFill>
-                <a:latin typeface="Monaco"/>
-                <a:cs typeface="Monaco"/>
-              </a:rPr>
-              <a:t>["Line 1 of file.\n", "Line 2 of file.\n", "Line 3 of 	file.\n", ...]</a:t>
-            </a:r>
-          </a:p>
-          <a:p>
-            <a:endParaRPr lang="en-US" dirty="0">
-              <a:solidFill>
-                <a:schemeClr val="bg1">
-                  <a:lumMod val="65000"/>
-                </a:schemeClr>
-              </a:solidFill>
-              <a:latin typeface="Monaco"/>
-              <a:cs typeface="Monaco"/>
-            </a:endParaRPr>
-          </a:p>
-          <a:p>
-            <a:r>
-              <a:rPr lang="en-US" dirty="0" smtClean="0">
-                <a:latin typeface="Monaco"/>
-                <a:cs typeface="Monaco"/>
-              </a:rPr>
-              <a:t>for line in file_lines:</a:t>
-            </a:r>
-          </a:p>
-          <a:p>
-            <a:r>
-              <a:rPr lang="en-US" dirty="0">
-                <a:latin typeface="Monaco"/>
-                <a:cs typeface="Monaco"/>
-              </a:rPr>
-              <a:t>	</a:t>
-            </a:r>
-            <a:r>
-              <a:rPr lang="en-US" dirty="0" smtClean="0">
-                <a:latin typeface="Monaco"/>
-                <a:cs typeface="Monaco"/>
-              </a:rPr>
-              <a:t>print line</a:t>
-            </a:r>
-            <a:endParaRPr lang="en-US" dirty="0">
-              <a:latin typeface="Monaco"/>
-              <a:cs typeface="Monaco"/>
-            </a:endParaRPr>
-          </a:p>
-          <a:p>
-            <a:endParaRPr lang="en-US" dirty="0" smtClean="0">
-              <a:latin typeface="Monaco"/>
-              <a:cs typeface="Monaco"/>
-            </a:endParaRPr>
-          </a:p>
-          <a:p>
-            <a:r>
-              <a:rPr lang="en-US" dirty="0" smtClean="0">
-                <a:solidFill>
-                  <a:srgbClr val="A6A6A6"/>
-                </a:solidFill>
-                <a:latin typeface="Monaco"/>
-                <a:cs typeface="Monaco"/>
-              </a:rPr>
-              <a:t>	Line </a:t>
-            </a:r>
-            <a:r>
-              <a:rPr lang="en-US" dirty="0">
-                <a:solidFill>
-                  <a:srgbClr val="A6A6A6"/>
-                </a:solidFill>
-                <a:latin typeface="Monaco"/>
-                <a:cs typeface="Monaco"/>
-              </a:rPr>
-              <a:t>1 of file.</a:t>
-            </a:r>
-          </a:p>
-          <a:p>
-            <a:r>
-              <a:rPr lang="en-US" dirty="0">
-                <a:solidFill>
-                  <a:srgbClr val="A6A6A6"/>
-                </a:solidFill>
-                <a:latin typeface="Monaco"/>
-                <a:cs typeface="Monaco"/>
-              </a:rPr>
-              <a:t>	Line 2 of file.</a:t>
-            </a:r>
-          </a:p>
-          <a:p>
-            <a:r>
-              <a:rPr lang="en-US" dirty="0">
-                <a:solidFill>
-                  <a:srgbClr val="A6A6A6"/>
-                </a:solidFill>
-                <a:latin typeface="Monaco"/>
-                <a:cs typeface="Monaco"/>
-              </a:rPr>
-              <a:t>	Line 3 of file.</a:t>
-            </a:r>
-          </a:p>
-          <a:p>
-            <a:r>
-              <a:rPr lang="en-US" dirty="0">
-                <a:solidFill>
-                  <a:srgbClr val="A6A6A6"/>
-                </a:solidFill>
-                <a:latin typeface="Monaco"/>
-                <a:cs typeface="Monaco"/>
-              </a:rPr>
-              <a:t>	...</a:t>
-            </a:r>
-          </a:p>
-          <a:p>
-            <a:endParaRPr lang="en-US" dirty="0" smtClean="0">
-              <a:latin typeface="Monaco"/>
-              <a:cs typeface="Monaco"/>
-            </a:endParaRPr>
-          </a:p>
         </p:txBody>
       </p:sp>
     </p:spTree>
     <p:extLst>
       <p:ext uri="{BB962C8B-B14F-4D97-AF65-F5344CB8AC3E}">
-        <p14:creationId xmlns:p14="http://schemas.microsoft.com/office/powerpoint/2010/main" val="224946888"/>
+        <p14:creationId xmlns:p14="http://schemas.microsoft.com/office/powerpoint/2010/main" val="2180765356"/>
       </p:ext>
     </p:extLst>
   </p:cSld>
@@ -11053,7 +10812,7 @@
           <a:p>
             <a:r>
               <a:rPr lang="en-US" dirty="0" smtClean="0"/>
-              <a:t>opening files for writing</a:t>
+              <a:t>looping over lines in a file</a:t>
             </a:r>
             <a:endParaRPr lang="en-US" dirty="0"/>
           </a:p>
@@ -11067,8 +10826,8 @@
         </p:nvSpPr>
         <p:spPr>
           <a:xfrm>
-            <a:off x="457199" y="1727554"/>
-            <a:ext cx="8338444" cy="3693319"/>
+            <a:off x="457199" y="1558432"/>
+            <a:ext cx="8338444" cy="2585323"/>
           </a:xfrm>
           <a:prstGeom prst="rect">
             <a:avLst/>
@@ -11086,16 +10845,7 @@
                 <a:latin typeface="Monaco"/>
                 <a:cs typeface="Monaco"/>
               </a:rPr>
-              <a:t># Name of file to open</a:t>
-            </a:r>
-          </a:p>
-          <a:p>
-            <a:r>
-              <a:rPr lang="en-US" dirty="0" smtClean="0">
-                <a:latin typeface="Monaco"/>
-                <a:cs typeface="Monaco"/>
-              </a:rPr>
-              <a:t>filename = "my_file_to_write_to.txt"</a:t>
+              <a:t>filename = "my_file_with_important_stuff.txt"</a:t>
             </a:r>
           </a:p>
           <a:p>
@@ -11110,234 +10860,25 @@
                 <a:latin typeface="Monaco"/>
                 <a:cs typeface="Monaco"/>
               </a:rPr>
-              <a:t># Define handle with the </a:t>
-            </a:r>
-            <a:r>
-              <a:rPr lang="en-US" i="1" dirty="0" smtClean="0">
-                <a:latin typeface="Monaco"/>
-                <a:cs typeface="Monaco"/>
-              </a:rPr>
-              <a:t>.open() </a:t>
-            </a:r>
-            <a:r>
-              <a:rPr lang="en-US" dirty="0" smtClean="0">
-                <a:latin typeface="Monaco"/>
-                <a:cs typeface="Monaco"/>
-              </a:rPr>
-              <a:t>function</a:t>
-            </a:r>
-          </a:p>
-          <a:p>
-            <a:r>
-              <a:rPr lang="en-US" dirty="0" smtClean="0">
-                <a:latin typeface="Monaco"/>
-                <a:cs typeface="Monaco"/>
-              </a:rPr>
-              <a:t>file_handle = </a:t>
-            </a:r>
-            <a:r>
-              <a:rPr lang="en-US" dirty="0" smtClean="0">
-                <a:solidFill>
-                  <a:srgbClr val="DC5924"/>
-                </a:solidFill>
-                <a:latin typeface="Monaco"/>
-                <a:cs typeface="Monaco"/>
-              </a:rPr>
-              <a:t>open</a:t>
-            </a:r>
-            <a:r>
-              <a:rPr lang="en-US" dirty="0" smtClean="0">
-                <a:latin typeface="Monaco"/>
-                <a:cs typeface="Monaco"/>
-              </a:rPr>
-              <a:t>(filename, </a:t>
-            </a:r>
-            <a:r>
-              <a:rPr lang="en-US" dirty="0" smtClean="0">
-                <a:solidFill>
-                  <a:srgbClr val="DC5924"/>
-                </a:solidFill>
-                <a:latin typeface="Monaco"/>
-                <a:cs typeface="Monaco"/>
-              </a:rPr>
-              <a:t>"w"</a:t>
-            </a:r>
-            <a:r>
-              <a:rPr lang="en-US" dirty="0" smtClean="0">
-                <a:latin typeface="Monaco"/>
-                <a:cs typeface="Monaco"/>
-              </a:rPr>
-              <a:t>)  # note the mode!</a:t>
-            </a:r>
-          </a:p>
-          <a:p>
-            <a:endParaRPr lang="en-US" dirty="0">
-              <a:latin typeface="Monaco"/>
-              <a:cs typeface="Monaco"/>
-            </a:endParaRPr>
-          </a:p>
-          <a:p>
-            <a:r>
-              <a:rPr lang="en-US" dirty="0" smtClean="0">
-                <a:latin typeface="Monaco"/>
-                <a:cs typeface="Monaco"/>
-              </a:rPr>
-              <a:t># Write to the file with the </a:t>
-            </a:r>
-            <a:r>
-              <a:rPr lang="en-US" i="1" dirty="0" smtClean="0">
-                <a:latin typeface="Monaco"/>
-                <a:cs typeface="Monaco"/>
-              </a:rPr>
-              <a:t>.write()</a:t>
-            </a:r>
-            <a:r>
-              <a:rPr lang="en-US" dirty="0">
-                <a:latin typeface="Monaco"/>
-                <a:cs typeface="Monaco"/>
-              </a:rPr>
-              <a:t> </a:t>
-            </a:r>
-            <a:r>
-              <a:rPr lang="en-US" dirty="0" smtClean="0">
-                <a:latin typeface="Monaco"/>
-                <a:cs typeface="Monaco"/>
-              </a:rPr>
-              <a:t>method</a:t>
-            </a:r>
-          </a:p>
-          <a:p>
-            <a:r>
-              <a:rPr lang="en-US" dirty="0" smtClean="0">
-                <a:latin typeface="Monaco"/>
-                <a:cs typeface="Monaco"/>
-              </a:rPr>
-              <a:t>file_handle</a:t>
-            </a:r>
-            <a:r>
-              <a:rPr lang="en-US" dirty="0" smtClean="0">
-                <a:solidFill>
-                  <a:schemeClr val="accent5"/>
-                </a:solidFill>
-                <a:latin typeface="Monaco"/>
-                <a:cs typeface="Monaco"/>
-              </a:rPr>
-              <a:t>.write(</a:t>
-            </a:r>
-            <a:r>
-              <a:rPr lang="en-US" dirty="0" smtClean="0">
-                <a:latin typeface="Monaco"/>
-                <a:cs typeface="Monaco"/>
-              </a:rPr>
-              <a:t>"Line 1 of the file.\n"</a:t>
-            </a:r>
-            <a:r>
-              <a:rPr lang="en-US" dirty="0" smtClean="0">
-                <a:solidFill>
-                  <a:schemeClr val="accent5"/>
-                </a:solidFill>
-                <a:latin typeface="Monaco"/>
-                <a:cs typeface="Monaco"/>
-              </a:rPr>
-              <a:t>)</a:t>
-            </a:r>
-          </a:p>
-          <a:p>
-            <a:r>
-              <a:rPr lang="en-US" dirty="0">
-                <a:latin typeface="Monaco"/>
-                <a:cs typeface="Monaco"/>
-              </a:rPr>
-              <a:t>file_handle</a:t>
-            </a:r>
-            <a:r>
-              <a:rPr lang="en-US" dirty="0">
-                <a:solidFill>
-                  <a:schemeClr val="accent5"/>
-                </a:solidFill>
-                <a:latin typeface="Monaco"/>
-                <a:cs typeface="Monaco"/>
-              </a:rPr>
-              <a:t>.write(</a:t>
-            </a:r>
-            <a:r>
-              <a:rPr lang="en-US" dirty="0">
-                <a:latin typeface="Monaco"/>
-                <a:cs typeface="Monaco"/>
-              </a:rPr>
-              <a:t>"Line </a:t>
-            </a:r>
-            <a:r>
-              <a:rPr lang="en-US" dirty="0" smtClean="0">
-                <a:latin typeface="Monaco"/>
-                <a:cs typeface="Monaco"/>
-              </a:rPr>
-              <a:t>2 </a:t>
-            </a:r>
-            <a:r>
-              <a:rPr lang="en-US" dirty="0">
-                <a:latin typeface="Monaco"/>
-                <a:cs typeface="Monaco"/>
-              </a:rPr>
-              <a:t>of the file.\n"</a:t>
-            </a:r>
-            <a:r>
-              <a:rPr lang="en-US" dirty="0">
-                <a:solidFill>
-                  <a:schemeClr val="accent5"/>
-                </a:solidFill>
-                <a:latin typeface="Monaco"/>
-                <a:cs typeface="Monaco"/>
-              </a:rPr>
-              <a:t>)</a:t>
-            </a:r>
-          </a:p>
-          <a:p>
-            <a:endParaRPr lang="en-US" dirty="0">
-              <a:latin typeface="Monaco"/>
-              <a:cs typeface="Monaco"/>
-            </a:endParaRPr>
-          </a:p>
-          <a:p>
-            <a:r>
-              <a:rPr lang="en-US" dirty="0" smtClean="0">
-                <a:latin typeface="Monaco"/>
-                <a:cs typeface="Monaco"/>
-              </a:rPr>
-              <a:t># Close the file when done with the </a:t>
-            </a:r>
-            <a:r>
-              <a:rPr lang="en-US" i="1" dirty="0" smtClean="0">
-                <a:latin typeface="Monaco"/>
-                <a:cs typeface="Monaco"/>
-              </a:rPr>
-              <a:t>.close()</a:t>
-            </a:r>
-            <a:r>
-              <a:rPr lang="en-US" dirty="0" smtClean="0">
-                <a:latin typeface="Monaco"/>
-                <a:cs typeface="Monaco"/>
-              </a:rPr>
-              <a:t> method (!!!)</a:t>
-            </a:r>
-          </a:p>
-          <a:p>
-            <a:r>
-              <a:rPr lang="en-US" dirty="0" smtClean="0">
-                <a:latin typeface="Monaco"/>
-                <a:cs typeface="Monaco"/>
-              </a:rPr>
-              <a:t>file_handle</a:t>
-            </a:r>
-            <a:r>
-              <a:rPr lang="en-US" dirty="0" smtClean="0">
-                <a:solidFill>
-                  <a:srgbClr val="DC5924"/>
-                </a:solidFill>
-                <a:latin typeface="Monaco"/>
-                <a:cs typeface="Monaco"/>
-              </a:rPr>
-              <a:t>.close()</a:t>
+              <a:t>file_handle = open(filename, "r")</a:t>
+            </a:r>
+          </a:p>
+          <a:p>
+            <a:r>
+              <a:rPr lang="en-US" dirty="0" smtClean="0">
+                <a:latin typeface="Monaco"/>
+                <a:cs typeface="Monaco"/>
+              </a:rPr>
+              <a:t>file_contents = file_handle.read()</a:t>
+            </a:r>
+          </a:p>
+          <a:p>
+            <a:r>
+              <a:rPr lang="en-US" dirty="0" smtClean="0">
+                <a:latin typeface="Monaco"/>
+                <a:cs typeface="Monaco"/>
+              </a:rPr>
+              <a:t>file_handle.close()</a:t>
             </a:r>
           </a:p>
           <a:p>
@@ -11346,12 +10887,64 @@
               <a:cs typeface="Monaco"/>
             </a:endParaRPr>
           </a:p>
+          <a:p>
+            <a:r>
+              <a:rPr lang="en-US" dirty="0" smtClean="0">
+                <a:latin typeface="Monaco"/>
+                <a:cs typeface="Monaco"/>
+              </a:rPr>
+              <a:t># We can convert file_contents to a list using </a:t>
+            </a:r>
+            <a:r>
+              <a:rPr lang="en-US" i="1" dirty="0" smtClean="0">
+                <a:latin typeface="Monaco"/>
+                <a:cs typeface="Monaco"/>
+              </a:rPr>
+              <a:t>.split()</a:t>
+            </a:r>
+            <a:endParaRPr lang="en-US" i="1" dirty="0">
+              <a:latin typeface="Monaco"/>
+              <a:cs typeface="Monaco"/>
+            </a:endParaRPr>
+          </a:p>
+          <a:p>
+            <a:r>
+              <a:rPr lang="en-US" dirty="0" smtClean="0">
+                <a:latin typeface="Monaco"/>
+                <a:cs typeface="Monaco"/>
+              </a:rPr>
+              <a:t>file_contents_list = file_contents.split(</a:t>
+            </a:r>
+            <a:r>
+              <a:rPr lang="en-US" dirty="0" smtClean="0">
+                <a:solidFill>
+                  <a:schemeClr val="accent5"/>
+                </a:solidFill>
+                <a:latin typeface="Monaco"/>
+                <a:cs typeface="Monaco"/>
+              </a:rPr>
+              <a:t>"\n"</a:t>
+            </a:r>
+            <a:r>
+              <a:rPr lang="en-US" dirty="0" smtClean="0">
+                <a:latin typeface="Monaco"/>
+                <a:cs typeface="Monaco"/>
+              </a:rPr>
+              <a:t>)  # or \r</a:t>
+            </a:r>
+          </a:p>
+          <a:p>
+            <a:endParaRPr lang="en-US" dirty="0" smtClean="0">
+              <a:latin typeface="Monaco"/>
+              <a:cs typeface="Monaco"/>
+            </a:endParaRPr>
+          </a:p>
         </p:txBody>
       </p:sp>
     </p:spTree>
     <p:extLst>
       <p:ext uri="{BB962C8B-B14F-4D97-AF65-F5344CB8AC3E}">
-        <p14:creationId xmlns:p14="http://schemas.microsoft.com/office/powerpoint/2010/main" val="3188144275"/>
+        <p14:creationId xmlns:p14="http://schemas.microsoft.com/office/powerpoint/2010/main" val="2180765356"/>
       </p:ext>
     </p:extLst>
   </p:cSld>
@@ -11395,7 +10988,7 @@
           <a:p>
             <a:r>
               <a:rPr lang="en-US" dirty="0" smtClean="0"/>
-              <a:t>opening files for writing</a:t>
+              <a:t>looping over lines in a file</a:t>
             </a:r>
             <a:endParaRPr lang="en-US" dirty="0"/>
           </a:p>
@@ -11409,8 +11002,8 @@
         </p:nvSpPr>
         <p:spPr>
           <a:xfrm>
-            <a:off x="457199" y="1727554"/>
-            <a:ext cx="8338444" cy="3693319"/>
+            <a:off x="457199" y="1558432"/>
+            <a:ext cx="8338444" cy="2862323"/>
           </a:xfrm>
           <a:prstGeom prst="rect">
             <a:avLst/>
@@ -11428,117 +11021,14 @@
                 <a:latin typeface="Monaco"/>
                 <a:cs typeface="Monaco"/>
               </a:rPr>
-              <a:t># Name of file to open</a:t>
-            </a:r>
-          </a:p>
-          <a:p>
-            <a:r>
-              <a:rPr lang="en-US" dirty="0" smtClean="0">
-                <a:latin typeface="Monaco"/>
-                <a:cs typeface="Monaco"/>
-              </a:rPr>
-              <a:t>filename = "my_file_to_write_to.txt"</a:t>
-            </a:r>
-          </a:p>
-          <a:p>
-            <a:endParaRPr lang="en-US" dirty="0">
-              <a:latin typeface="Monaco"/>
-              <a:cs typeface="Monaco"/>
-            </a:endParaRPr>
-          </a:p>
-          <a:p>
-            <a:r>
-              <a:rPr lang="en-US" dirty="0" smtClean="0">
-                <a:latin typeface="Monaco"/>
-                <a:cs typeface="Monaco"/>
-              </a:rPr>
-              <a:t># Define handle with the </a:t>
+              <a:t># Better option: use the </a:t>
             </a:r>
             <a:r>
               <a:rPr lang="en-US" i="1" dirty="0" smtClean="0">
                 <a:latin typeface="Monaco"/>
                 <a:cs typeface="Monaco"/>
               </a:rPr>
-              <a:t>.open() </a:t>
-            </a:r>
-            <a:r>
-              <a:rPr lang="en-US" dirty="0" smtClean="0">
-                <a:latin typeface="Monaco"/>
-                <a:cs typeface="Monaco"/>
-              </a:rPr>
-              <a:t>function</a:t>
-            </a:r>
-          </a:p>
-          <a:p>
-            <a:r>
-              <a:rPr lang="en-US" dirty="0" smtClean="0">
-                <a:latin typeface="Monaco"/>
-                <a:cs typeface="Monaco"/>
-              </a:rPr>
-              <a:t>file_handle = </a:t>
-            </a:r>
-            <a:r>
-              <a:rPr lang="en-US" dirty="0" smtClean="0">
-                <a:solidFill>
-                  <a:srgbClr val="DC5924"/>
-                </a:solidFill>
-                <a:latin typeface="Monaco"/>
-                <a:cs typeface="Monaco"/>
-              </a:rPr>
-              <a:t>open</a:t>
-            </a:r>
-            <a:r>
-              <a:rPr lang="en-US" dirty="0" smtClean="0">
-                <a:latin typeface="Monaco"/>
-                <a:cs typeface="Monaco"/>
-              </a:rPr>
-              <a:t>(filename, </a:t>
-            </a:r>
-            <a:r>
-              <a:rPr lang="en-US" dirty="0" smtClean="0">
-                <a:solidFill>
-                  <a:srgbClr val="DC5924"/>
-                </a:solidFill>
-                <a:latin typeface="Monaco"/>
-                <a:cs typeface="Monaco"/>
-              </a:rPr>
-              <a:t>"w"</a:t>
-            </a:r>
-            <a:r>
-              <a:rPr lang="en-US" dirty="0" smtClean="0">
-                <a:latin typeface="Monaco"/>
-                <a:cs typeface="Monaco"/>
-              </a:rPr>
-              <a:t>)  # note the mode!</a:t>
-            </a:r>
-          </a:p>
-          <a:p>
-            <a:endParaRPr lang="en-US" dirty="0">
-              <a:latin typeface="Monaco"/>
-              <a:cs typeface="Monaco"/>
-            </a:endParaRPr>
-          </a:p>
-          <a:p>
-            <a:r>
-              <a:rPr lang="en-US" dirty="0" smtClean="0">
-                <a:latin typeface="Monaco"/>
-                <a:cs typeface="Monaco"/>
-              </a:rPr>
-              <a:t># Write to the file with the </a:t>
-            </a:r>
-            <a:r>
-              <a:rPr lang="en-US" i="1" dirty="0" smtClean="0">
-                <a:latin typeface="Monaco"/>
-                <a:cs typeface="Monaco"/>
-              </a:rPr>
-              <a:t>.write()</a:t>
-            </a:r>
-            <a:r>
-              <a:rPr lang="en-US" dirty="0">
-                <a:latin typeface="Monaco"/>
-                <a:cs typeface="Monaco"/>
-              </a:rPr>
-              <a:t> </a:t>
+              <a:t>.readlines() </a:t>
             </a:r>
             <a:r>
               <a:rPr lang="en-US" dirty="0" smtClean="0">
@@ -11546,140 +11036,6 @@
                 <a:cs typeface="Monaco"/>
               </a:rPr>
               <a:t>method</a:t>
-            </a:r>
-          </a:p>
-          <a:p>
-            <a:r>
-              <a:rPr lang="en-US" dirty="0" smtClean="0">
-                <a:latin typeface="Monaco"/>
-                <a:cs typeface="Monaco"/>
-              </a:rPr>
-              <a:t>file_handle</a:t>
-            </a:r>
-            <a:r>
-              <a:rPr lang="en-US" dirty="0" smtClean="0">
-                <a:solidFill>
-                  <a:schemeClr val="accent5"/>
-                </a:solidFill>
-                <a:latin typeface="Monaco"/>
-                <a:cs typeface="Monaco"/>
-              </a:rPr>
-              <a:t>.write(</a:t>
-            </a:r>
-            <a:r>
-              <a:rPr lang="en-US" dirty="0" smtClean="0">
-                <a:latin typeface="Monaco"/>
-                <a:cs typeface="Monaco"/>
-              </a:rPr>
-              <a:t>"Line 1 of the file.\n"</a:t>
-            </a:r>
-            <a:r>
-              <a:rPr lang="en-US" dirty="0" smtClean="0">
-                <a:solidFill>
-                  <a:schemeClr val="accent5"/>
-                </a:solidFill>
-                <a:latin typeface="Monaco"/>
-                <a:cs typeface="Monaco"/>
-              </a:rPr>
-              <a:t>)</a:t>
-            </a:r>
-          </a:p>
-          <a:p>
-            <a:r>
-              <a:rPr lang="en-US" dirty="0">
-                <a:latin typeface="Monaco"/>
-                <a:cs typeface="Monaco"/>
-              </a:rPr>
-              <a:t>file_handle</a:t>
-            </a:r>
-            <a:r>
-              <a:rPr lang="en-US" dirty="0">
-                <a:solidFill>
-                  <a:schemeClr val="accent5"/>
-                </a:solidFill>
-                <a:latin typeface="Monaco"/>
-                <a:cs typeface="Monaco"/>
-              </a:rPr>
-              <a:t>.write(</a:t>
-            </a:r>
-            <a:r>
-              <a:rPr lang="en-US" dirty="0">
-                <a:latin typeface="Monaco"/>
-                <a:cs typeface="Monaco"/>
-              </a:rPr>
-              <a:t>"Line </a:t>
-            </a:r>
-            <a:r>
-              <a:rPr lang="en-US" dirty="0" smtClean="0">
-                <a:latin typeface="Monaco"/>
-                <a:cs typeface="Monaco"/>
-              </a:rPr>
-              <a:t>2 </a:t>
-            </a:r>
-            <a:r>
-              <a:rPr lang="en-US" dirty="0">
-                <a:latin typeface="Monaco"/>
-                <a:cs typeface="Monaco"/>
-              </a:rPr>
-              <a:t>of the file.\n"</a:t>
-            </a:r>
-            <a:r>
-              <a:rPr lang="en-US" dirty="0">
-                <a:solidFill>
-                  <a:schemeClr val="accent5"/>
-                </a:solidFill>
-                <a:latin typeface="Monaco"/>
-                <a:cs typeface="Monaco"/>
-              </a:rPr>
-              <a:t>)</a:t>
-            </a:r>
-          </a:p>
-          <a:p>
-            <a:endParaRPr lang="en-US" dirty="0">
-              <a:latin typeface="Monaco"/>
-              <a:cs typeface="Monaco"/>
-            </a:endParaRPr>
-          </a:p>
-          <a:p>
-            <a:r>
-              <a:rPr lang="en-US" dirty="0" smtClean="0">
-                <a:latin typeface="Monaco"/>
-                <a:cs typeface="Monaco"/>
-              </a:rPr>
-              <a:t># Close the file when done with the </a:t>
-            </a:r>
-            <a:r>
-              <a:rPr lang="en-US" i="1" dirty="0" smtClean="0">
-                <a:latin typeface="Monaco"/>
-                <a:cs typeface="Monaco"/>
-              </a:rPr>
-              <a:t>.close()</a:t>
-            </a:r>
-            <a:r>
-              <a:rPr lang="en-US" dirty="0" smtClean="0">
-                <a:latin typeface="Monaco"/>
-                <a:cs typeface="Monaco"/>
-              </a:rPr>
-              <a:t> method (!!!)</a:t>
-            </a:r>
-          </a:p>
-          <a:p>
-            <a:r>
-              <a:rPr lang="en-US" dirty="0" smtClean="0">
-                <a:latin typeface="Monaco"/>
-                <a:cs typeface="Monaco"/>
-              </a:rPr>
-              <a:t>file_handle</a:t>
-            </a:r>
-            <a:r>
-              <a:rPr lang="en-US" dirty="0" smtClean="0">
-                <a:solidFill>
-                  <a:srgbClr val="DC5924"/>
-                </a:solidFill>
-                <a:latin typeface="Monaco"/>
-                <a:cs typeface="Monaco"/>
-              </a:rPr>
-              <a:t>.close()</a:t>
             </a:r>
           </a:p>
           <a:p>
@@ -11688,74 +11044,106 @@
               <a:cs typeface="Monaco"/>
             </a:endParaRPr>
           </a:p>
-        </p:txBody>
-      </p:sp>
-      <p:sp>
-        <p:nvSpPr>
-          <p:cNvPr id="5" name="TextBox 4"/>
-          <p:cNvSpPr txBox="1"/>
-          <p:nvPr/>
-        </p:nvSpPr>
-        <p:spPr>
-          <a:xfrm>
-            <a:off x="1002201" y="5745948"/>
-            <a:ext cx="7309152" cy="400110"/>
-          </a:xfrm>
-          <a:prstGeom prst="rect">
-            <a:avLst/>
-          </a:prstGeom>
-          <a:noFill/>
-        </p:spPr>
-        <p:txBody>
-          <a:bodyPr wrap="square" rtlCol="0">
-            <a:spAutoFit/>
-          </a:bodyPr>
-          <a:lstStyle/>
-          <a:p>
-            <a:r>
-              <a:rPr lang="en-US" sz="2000" dirty="0" smtClean="0">
+          <a:p>
+            <a:r>
+              <a:rPr lang="en-US" dirty="0">
+                <a:latin typeface="Monaco"/>
+                <a:cs typeface="Monaco"/>
+              </a:rPr>
+              <a:t>file_handle = open(filename, "r")</a:t>
+            </a:r>
+          </a:p>
+          <a:p>
+            <a:r>
+              <a:rPr lang="en-US" dirty="0" smtClean="0">
+                <a:latin typeface="Monaco"/>
+                <a:cs typeface="Monaco"/>
+              </a:rPr>
+              <a:t>file_lines = file_handle</a:t>
+            </a:r>
+            <a:r>
+              <a:rPr lang="en-US" dirty="0" smtClean="0">
                 <a:solidFill>
                   <a:srgbClr val="DC5924"/>
                 </a:solidFill>
-              </a:rPr>
-              <a:t>CAUTION: writing to file </a:t>
-            </a:r>
-            <a:r>
-              <a:rPr lang="en-US" sz="2000" b="1" dirty="0" smtClean="0">
-                <a:solidFill>
-                  <a:srgbClr val="DC5924"/>
-                </a:solidFill>
-              </a:rPr>
-              <a:t>overwrites</a:t>
-            </a:r>
-            <a:r>
-              <a:rPr lang="en-US" sz="2000" i="1" dirty="0" smtClean="0">
-                <a:solidFill>
-                  <a:srgbClr val="DC5924"/>
-                </a:solidFill>
-              </a:rPr>
-              <a:t> </a:t>
-            </a:r>
-            <a:r>
-              <a:rPr lang="en-US" sz="2000" dirty="0" smtClean="0">
-                <a:solidFill>
-                  <a:srgbClr val="DC5924"/>
-                </a:solidFill>
-              </a:rPr>
-              <a:t>the file, if it exists already.</a:t>
-            </a:r>
-            <a:endParaRPr lang="en-US" sz="2000" dirty="0">
-              <a:solidFill>
-                <a:srgbClr val="DC5924"/>
-              </a:solidFill>
+                <a:latin typeface="Monaco"/>
+                <a:cs typeface="Monaco"/>
+              </a:rPr>
+              <a:t>.readlines()</a:t>
+            </a:r>
+          </a:p>
+          <a:p>
+            <a:r>
+              <a:rPr lang="en-US" dirty="0" smtClean="0">
+                <a:latin typeface="Monaco"/>
+                <a:cs typeface="Monaco"/>
+              </a:rPr>
+              <a:t>file_handle.close</a:t>
+            </a:r>
+            <a:r>
+              <a:rPr lang="en-US" dirty="0">
+                <a:latin typeface="Monaco"/>
+                <a:cs typeface="Monaco"/>
+              </a:rPr>
+              <a:t>()</a:t>
+            </a:r>
+          </a:p>
+          <a:p>
+            <a:endParaRPr lang="en-US" dirty="0" smtClean="0">
+              <a:latin typeface="Monaco"/>
+              <a:cs typeface="Monaco"/>
             </a:endParaRPr>
+          </a:p>
+          <a:p>
+            <a:r>
+              <a:rPr lang="en-US" dirty="0" smtClean="0">
+                <a:latin typeface="Monaco"/>
+                <a:cs typeface="Monaco"/>
+              </a:rPr>
+              <a:t># file_lines is a list</a:t>
+            </a:r>
+          </a:p>
+          <a:p>
+            <a:r>
+              <a:rPr lang="en-US" dirty="0" smtClean="0">
+                <a:latin typeface="Monaco"/>
+                <a:cs typeface="Monaco"/>
+              </a:rPr>
+              <a:t>print file_lines</a:t>
+            </a:r>
+          </a:p>
+          <a:p>
+            <a:r>
+              <a:rPr lang="en-US" dirty="0">
+                <a:solidFill>
+                  <a:schemeClr val="bg1">
+                    <a:lumMod val="65000"/>
+                  </a:schemeClr>
+                </a:solidFill>
+                <a:latin typeface="Monaco"/>
+                <a:cs typeface="Monaco"/>
+              </a:rPr>
+              <a:t>	</a:t>
+            </a:r>
+            <a:r>
+              <a:rPr lang="en-US" dirty="0" smtClean="0">
+                <a:solidFill>
+                  <a:schemeClr val="bg1">
+                    <a:lumMod val="65000"/>
+                  </a:schemeClr>
+                </a:solidFill>
+                <a:latin typeface="Monaco"/>
+                <a:cs typeface="Monaco"/>
+              </a:rPr>
+              <a:t>["Line 1 of file.\n", "Line 2 of file.\n", "Line 3 of 	file.\n", ...]</a:t>
+            </a:r>
           </a:p>
         </p:txBody>
       </p:sp>
     </p:spTree>
     <p:extLst>
       <p:ext uri="{BB962C8B-B14F-4D97-AF65-F5344CB8AC3E}">
-        <p14:creationId xmlns:p14="http://schemas.microsoft.com/office/powerpoint/2010/main" val="1100124502"/>
+        <p14:creationId xmlns:p14="http://schemas.microsoft.com/office/powerpoint/2010/main" val="3885851086"/>
       </p:ext>
     </p:extLst>
   </p:cSld>
@@ -11857,68 +11245,14 @@
             </a:r>
           </a:p>
           <a:p>
-            <a:pPr marL="457200" indent="-457200">
-              <a:buFont typeface="Arial"/>
-              <a:buChar char="•"/>
-            </a:pPr>
             <a:endParaRPr lang="en-US" dirty="0"/>
-          </a:p>
-          <a:p>
-            <a:pPr marL="457200" indent="-457200">
-              <a:buFont typeface="Arial"/>
-              <a:buChar char="•"/>
-            </a:pPr>
-            <a:r>
-              <a:rPr lang="en-US" dirty="0" smtClean="0"/>
-              <a:t>We can *write our own* functions too</a:t>
-            </a:r>
-          </a:p>
-          <a:p>
-            <a:pPr marL="914400" lvl="1" indent="-457200">
-              <a:buFont typeface="Arial"/>
-              <a:buChar char="•"/>
-            </a:pPr>
-            <a:r>
-              <a:rPr lang="en-US" dirty="0" smtClean="0"/>
-              <a:t>Reusability</a:t>
-            </a:r>
-          </a:p>
-          <a:p>
-            <a:pPr marL="914400" lvl="1" indent="-457200">
-              <a:buFont typeface="Arial"/>
-              <a:buChar char="•"/>
-            </a:pPr>
-            <a:r>
-              <a:rPr lang="en-US" dirty="0" smtClean="0"/>
-              <a:t>Modular design and organization</a:t>
-            </a:r>
-          </a:p>
-          <a:p>
-            <a:pPr marL="914400" lvl="1" indent="-457200">
-              <a:buFont typeface="Arial"/>
-              <a:buChar char="•"/>
-            </a:pPr>
-            <a:r>
-              <a:rPr lang="en-US" dirty="0" smtClean="0"/>
-              <a:t>Readability</a:t>
-            </a:r>
-          </a:p>
-          <a:p>
-            <a:pPr marL="914400" lvl="1" indent="-457200">
-              <a:buFont typeface="Arial"/>
-              <a:buChar char="•"/>
-            </a:pPr>
-            <a:r>
-              <a:rPr lang="en-US" dirty="0" smtClean="0"/>
-              <a:t>Debugging!!</a:t>
-            </a:r>
           </a:p>
         </p:txBody>
       </p:sp>
     </p:spTree>
     <p:extLst>
       <p:ext uri="{BB962C8B-B14F-4D97-AF65-F5344CB8AC3E}">
-        <p14:creationId xmlns:p14="http://schemas.microsoft.com/office/powerpoint/2010/main" val="320325248"/>
+        <p14:creationId xmlns:p14="http://schemas.microsoft.com/office/powerpoint/2010/main" val="1999038628"/>
       </p:ext>
     </p:extLst>
   </p:cSld>
@@ -11962,7 +11296,7 @@
           <a:p>
             <a:r>
               <a:rPr lang="en-US" dirty="0" smtClean="0"/>
-              <a:t>Add to an existing file with append-mode</a:t>
+              <a:t>looping over lines in a file</a:t>
             </a:r>
             <a:endParaRPr lang="en-US" dirty="0"/>
           </a:p>
@@ -11970,14 +11304,14 @@
       </p:sp>
       <p:sp>
         <p:nvSpPr>
-          <p:cNvPr id="5" name="TextBox 4"/>
+          <p:cNvPr id="4" name="TextBox 3"/>
           <p:cNvSpPr txBox="1"/>
           <p:nvPr/>
         </p:nvSpPr>
         <p:spPr>
           <a:xfrm>
-            <a:off x="457199" y="1727554"/>
-            <a:ext cx="8338444" cy="3139321"/>
+            <a:off x="457199" y="1558432"/>
+            <a:ext cx="8338444" cy="5355313"/>
           </a:xfrm>
           <a:prstGeom prst="rect">
             <a:avLst/>
@@ -11991,25 +11325,25 @@
           <a:lstStyle/>
           <a:p>
             <a:r>
-              <a:rPr lang="en-US" dirty="0" smtClean="0">
-                <a:latin typeface="Monaco"/>
-                <a:cs typeface="Monaco"/>
-              </a:rPr>
-              <a:t>filename = "</a:t>
-            </a:r>
-            <a:r>
-              <a:rPr lang="en-US" dirty="0" err="1" smtClean="0">
-                <a:latin typeface="Monaco"/>
-                <a:cs typeface="Monaco"/>
-              </a:rPr>
-              <a:t>my_file_to_append_to.txt</a:t>
-            </a:r>
-            <a:r>
-              <a:rPr lang="en-US" dirty="0" smtClean="0">
-                <a:latin typeface="Monaco"/>
-                <a:cs typeface="Monaco"/>
-              </a:rPr>
-              <a:t>"</a:t>
+              <a:rPr lang="en-US" dirty="0">
+                <a:latin typeface="Monaco"/>
+                <a:cs typeface="Monaco"/>
+              </a:rPr>
+              <a:t># Better option: use the </a:t>
+            </a:r>
+            <a:r>
+              <a:rPr lang="en-US" i="1" dirty="0">
+                <a:latin typeface="Monaco"/>
+                <a:cs typeface="Monaco"/>
+              </a:rPr>
+              <a:t>.readlines() </a:t>
+            </a:r>
+            <a:r>
+              <a:rPr lang="en-US" dirty="0">
+                <a:latin typeface="Monaco"/>
+                <a:cs typeface="Monaco"/>
+              </a:rPr>
+              <a:t>method</a:t>
             </a:r>
           </a:p>
           <a:p>
@@ -12020,34 +11354,20 @@
           </a:p>
           <a:p>
             <a:r>
-              <a:rPr lang="en-US" dirty="0" smtClean="0">
-                <a:latin typeface="Monaco"/>
-                <a:cs typeface="Monaco"/>
-              </a:rPr>
-              <a:t># Define handle with the </a:t>
-            </a:r>
-            <a:r>
-              <a:rPr lang="en-US" i="1" dirty="0" smtClean="0">
-                <a:latin typeface="Monaco"/>
-                <a:cs typeface="Monaco"/>
-              </a:rPr>
-              <a:t>.open() </a:t>
-            </a:r>
-            <a:r>
-              <a:rPr lang="en-US" dirty="0" smtClean="0">
-                <a:latin typeface="Monaco"/>
-                <a:cs typeface="Monaco"/>
-              </a:rPr>
-              <a:t>function</a:t>
-            </a:r>
-          </a:p>
-          <a:p>
-            <a:r>
-              <a:rPr lang="en-US" dirty="0" smtClean="0">
-                <a:latin typeface="Monaco"/>
-                <a:cs typeface="Monaco"/>
-              </a:rPr>
-              <a:t>file_handle = </a:t>
+              <a:rPr lang="en-US" dirty="0">
+                <a:latin typeface="Monaco"/>
+                <a:cs typeface="Monaco"/>
+              </a:rPr>
+              <a:t>file_handle = open(filename, "r")</a:t>
+            </a:r>
+          </a:p>
+          <a:p>
+            <a:r>
+              <a:rPr lang="en-US" dirty="0" smtClean="0">
+                <a:latin typeface="Monaco"/>
+                <a:cs typeface="Monaco"/>
+              </a:rPr>
+              <a:t>file_lines = file_handle</a:t>
             </a:r>
             <a:r>
               <a:rPr lang="en-US" dirty="0" smtClean="0">
@@ -12057,165 +11377,198 @@
                 <a:latin typeface="Monaco"/>
                 <a:cs typeface="Monaco"/>
               </a:rPr>
-              <a:t>open</a:t>
-            </a:r>
-            <a:r>
-              <a:rPr lang="en-US" dirty="0" smtClean="0">
-                <a:latin typeface="Monaco"/>
-                <a:cs typeface="Monaco"/>
-              </a:rPr>
-              <a:t>(filename, </a:t>
-            </a:r>
-            <a:r>
-              <a:rPr lang="en-US" dirty="0" smtClean="0">
-                <a:solidFill>
-                  <a:srgbClr val="DC5924"/>
-                </a:solidFill>
-                <a:latin typeface="Monaco"/>
-                <a:cs typeface="Monaco"/>
-              </a:rPr>
-              <a:t>"a"</a:t>
-            </a:r>
-            <a:r>
-              <a:rPr lang="en-US" dirty="0" smtClean="0">
-                <a:latin typeface="Monaco"/>
-                <a:cs typeface="Monaco"/>
-              </a:rPr>
-              <a:t>)  # note the mode!</a:t>
-            </a:r>
-          </a:p>
-          <a:p>
+              <a:t>.readlines()</a:t>
+            </a:r>
+          </a:p>
+          <a:p>
+            <a:r>
+              <a:rPr lang="en-US" dirty="0" smtClean="0">
+                <a:latin typeface="Monaco"/>
+                <a:cs typeface="Monaco"/>
+              </a:rPr>
+              <a:t>file_handle.close</a:t>
+            </a:r>
+            <a:r>
+              <a:rPr lang="en-US" dirty="0">
+                <a:latin typeface="Monaco"/>
+                <a:cs typeface="Monaco"/>
+              </a:rPr>
+              <a:t>()</a:t>
+            </a:r>
+          </a:p>
+          <a:p>
+            <a:endParaRPr lang="en-US" dirty="0" smtClean="0">
+              <a:latin typeface="Monaco"/>
+              <a:cs typeface="Monaco"/>
+            </a:endParaRPr>
+          </a:p>
+          <a:p>
+            <a:r>
+              <a:rPr lang="en-US" dirty="0">
+                <a:latin typeface="Monaco"/>
+                <a:cs typeface="Monaco"/>
+              </a:rPr>
+              <a:t># file_lines is a </a:t>
+            </a:r>
+            <a:r>
+              <a:rPr lang="en-US" dirty="0" smtClean="0">
+                <a:latin typeface="Monaco"/>
+                <a:cs typeface="Monaco"/>
+              </a:rPr>
+              <a:t>list</a:t>
+            </a:r>
+          </a:p>
+          <a:p>
+            <a:r>
+              <a:rPr lang="en-US" dirty="0" smtClean="0">
+                <a:latin typeface="Monaco"/>
+                <a:cs typeface="Monaco"/>
+              </a:rPr>
+              <a:t>print file_lines</a:t>
+            </a:r>
+          </a:p>
+          <a:p>
+            <a:r>
+              <a:rPr lang="en-US" dirty="0">
+                <a:solidFill>
+                  <a:schemeClr val="bg1">
+                    <a:lumMod val="65000"/>
+                  </a:schemeClr>
+                </a:solidFill>
+                <a:latin typeface="Monaco"/>
+                <a:cs typeface="Monaco"/>
+              </a:rPr>
+              <a:t>	</a:t>
+            </a:r>
+            <a:r>
+              <a:rPr lang="en-US" dirty="0" smtClean="0">
+                <a:solidFill>
+                  <a:schemeClr val="bg1">
+                    <a:lumMod val="65000"/>
+                  </a:schemeClr>
+                </a:solidFill>
+                <a:latin typeface="Monaco"/>
+                <a:cs typeface="Monaco"/>
+              </a:rPr>
+              <a:t>["Line 1 of file.\n", "Line 2 of file.\n", "Line 3 of 	file.\n", ...]</a:t>
+            </a:r>
+          </a:p>
+          <a:p>
+            <a:endParaRPr lang="en-US" dirty="0">
+              <a:solidFill>
+                <a:schemeClr val="bg1">
+                  <a:lumMod val="65000"/>
+                </a:schemeClr>
+              </a:solidFill>
+              <a:latin typeface="Monaco"/>
+              <a:cs typeface="Monaco"/>
+            </a:endParaRPr>
+          </a:p>
+          <a:p>
+            <a:r>
+              <a:rPr lang="en-US" dirty="0" smtClean="0">
+                <a:latin typeface="Monaco"/>
+                <a:cs typeface="Monaco"/>
+              </a:rPr>
+              <a:t>for line in file_lines:</a:t>
+            </a:r>
+          </a:p>
+          <a:p>
+            <a:r>
+              <a:rPr lang="en-US" dirty="0">
+                <a:latin typeface="Monaco"/>
+                <a:cs typeface="Monaco"/>
+              </a:rPr>
+              <a:t>	</a:t>
+            </a:r>
+            <a:r>
+              <a:rPr lang="en-US" dirty="0" smtClean="0">
+                <a:latin typeface="Monaco"/>
+                <a:cs typeface="Monaco"/>
+              </a:rPr>
+              <a:t>print line</a:t>
+            </a:r>
             <a:endParaRPr lang="en-US" dirty="0">
               <a:latin typeface="Monaco"/>
               <a:cs typeface="Monaco"/>
             </a:endParaRPr>
           </a:p>
           <a:p>
-            <a:r>
-              <a:rPr lang="en-US" dirty="0" smtClean="0">
-                <a:latin typeface="Monaco"/>
-                <a:cs typeface="Monaco"/>
-              </a:rPr>
-              <a:t># Write to the file with the </a:t>
-            </a:r>
-            <a:r>
-              <a:rPr lang="en-US" i="1" dirty="0" smtClean="0">
-                <a:latin typeface="Monaco"/>
-                <a:cs typeface="Monaco"/>
-              </a:rPr>
-              <a:t>.write()</a:t>
-            </a:r>
-            <a:r>
-              <a:rPr lang="en-US" dirty="0">
-                <a:latin typeface="Monaco"/>
-                <a:cs typeface="Monaco"/>
-              </a:rPr>
-              <a:t> </a:t>
-            </a:r>
-            <a:r>
-              <a:rPr lang="en-US" dirty="0" smtClean="0">
-                <a:latin typeface="Monaco"/>
-                <a:cs typeface="Monaco"/>
-              </a:rPr>
-              <a:t>method</a:t>
-            </a:r>
-          </a:p>
-          <a:p>
-            <a:r>
-              <a:rPr lang="en-US" dirty="0" smtClean="0">
-                <a:latin typeface="Monaco"/>
-                <a:cs typeface="Monaco"/>
-              </a:rPr>
-              <a:t>file_handle</a:t>
-            </a:r>
-            <a:r>
-              <a:rPr lang="en-US" dirty="0" smtClean="0">
-                <a:solidFill>
-                  <a:schemeClr val="accent5"/>
-                </a:solidFill>
-                <a:latin typeface="Monaco"/>
-                <a:cs typeface="Monaco"/>
-              </a:rPr>
-              <a:t>.write(</a:t>
-            </a:r>
-            <a:r>
-              <a:rPr lang="en-US" dirty="0" smtClean="0">
-                <a:latin typeface="Monaco"/>
-                <a:cs typeface="Monaco"/>
-              </a:rPr>
-              <a:t>"Adding this line to the file.\n"</a:t>
-            </a:r>
-            <a:r>
-              <a:rPr lang="en-US" dirty="0" smtClean="0">
-                <a:solidFill>
-                  <a:schemeClr val="accent5"/>
-                </a:solidFill>
-                <a:latin typeface="Monaco"/>
-                <a:cs typeface="Monaco"/>
-              </a:rPr>
-              <a:t>)</a:t>
-            </a:r>
-          </a:p>
-          <a:p>
-            <a:endParaRPr lang="en-US" dirty="0">
-              <a:latin typeface="Monaco"/>
-              <a:cs typeface="Monaco"/>
-            </a:endParaRPr>
-          </a:p>
-          <a:p>
-            <a:r>
-              <a:rPr lang="en-US" dirty="0" smtClean="0">
-                <a:latin typeface="Monaco"/>
-                <a:cs typeface="Monaco"/>
-              </a:rPr>
-              <a:t># Close the file when done with the </a:t>
-            </a:r>
-            <a:r>
-              <a:rPr lang="en-US" i="1" dirty="0" smtClean="0">
-                <a:latin typeface="Monaco"/>
-                <a:cs typeface="Monaco"/>
-              </a:rPr>
-              <a:t>.close()</a:t>
-            </a:r>
-            <a:r>
-              <a:rPr lang="en-US" dirty="0" smtClean="0">
-                <a:latin typeface="Monaco"/>
-                <a:cs typeface="Monaco"/>
-              </a:rPr>
-              <a:t> method (!!!)</a:t>
-            </a:r>
-          </a:p>
-          <a:p>
-            <a:r>
-              <a:rPr lang="en-US" dirty="0" smtClean="0">
-                <a:latin typeface="Monaco"/>
-                <a:cs typeface="Monaco"/>
-              </a:rPr>
-              <a:t>file_handle</a:t>
-            </a:r>
-            <a:r>
-              <a:rPr lang="en-US" dirty="0" smtClean="0">
-                <a:solidFill>
-                  <a:srgbClr val="DC5924"/>
-                </a:solidFill>
-                <a:latin typeface="Monaco"/>
-                <a:cs typeface="Monaco"/>
-              </a:rPr>
-              <a:t>.close()</a:t>
-            </a:r>
-          </a:p>
-          <a:p>
             <a:endParaRPr lang="en-US" dirty="0" smtClean="0">
               <a:latin typeface="Monaco"/>
               <a:cs typeface="Monaco"/>
             </a:endParaRPr>
           </a:p>
+          <a:p>
+            <a:r>
+              <a:rPr lang="en-US" dirty="0" smtClean="0">
+                <a:solidFill>
+                  <a:srgbClr val="A6A6A6"/>
+                </a:solidFill>
+                <a:latin typeface="Monaco"/>
+                <a:cs typeface="Monaco"/>
+              </a:rPr>
+              <a:t>	Line </a:t>
+            </a:r>
+            <a:r>
+              <a:rPr lang="en-US" dirty="0">
+                <a:solidFill>
+                  <a:srgbClr val="A6A6A6"/>
+                </a:solidFill>
+                <a:latin typeface="Monaco"/>
+                <a:cs typeface="Monaco"/>
+              </a:rPr>
+              <a:t>1 of file.</a:t>
+            </a:r>
+          </a:p>
+          <a:p>
+            <a:r>
+              <a:rPr lang="en-US" dirty="0">
+                <a:solidFill>
+                  <a:srgbClr val="A6A6A6"/>
+                </a:solidFill>
+                <a:latin typeface="Monaco"/>
+                <a:cs typeface="Monaco"/>
+              </a:rPr>
+              <a:t>	Line 2 of file.</a:t>
+            </a:r>
+          </a:p>
+          <a:p>
+            <a:r>
+              <a:rPr lang="en-US" dirty="0">
+                <a:solidFill>
+                  <a:srgbClr val="A6A6A6"/>
+                </a:solidFill>
+                <a:latin typeface="Monaco"/>
+                <a:cs typeface="Monaco"/>
+              </a:rPr>
+              <a:t>	Line 3 of file.</a:t>
+            </a:r>
+          </a:p>
+          <a:p>
+            <a:r>
+              <a:rPr lang="en-US" dirty="0">
+                <a:solidFill>
+                  <a:srgbClr val="A6A6A6"/>
+                </a:solidFill>
+                <a:latin typeface="Monaco"/>
+                <a:cs typeface="Monaco"/>
+              </a:rPr>
+              <a:t>	...</a:t>
+            </a:r>
+          </a:p>
+          <a:p>
+            <a:endParaRPr lang="en-US" dirty="0" smtClean="0">
+              <a:latin typeface="Monaco"/>
+              <a:cs typeface="Monaco"/>
+            </a:endParaRPr>
+          </a:p>
         </p:txBody>
       </p:sp>
     </p:spTree>
     <p:extLst>
       <p:ext uri="{BB962C8B-B14F-4D97-AF65-F5344CB8AC3E}">
-        <p14:creationId xmlns:p14="http://schemas.microsoft.com/office/powerpoint/2010/main" val="20011707"/>
+        <p14:creationId xmlns:p14="http://schemas.microsoft.com/office/powerpoint/2010/main" val="224946888"/>
       </p:ext>
     </p:extLst>
   </p:cSld>
@@ -12259,15 +11612,7 @@
           <a:p>
             <a:r>
               <a:rPr lang="en-US" dirty="0" smtClean="0"/>
-              <a:t>but </a:t>
-            </a:r>
-            <a:r>
-              <a:rPr lang="en-US" dirty="0" err="1" smtClean="0"/>
-              <a:t>stephanie</a:t>
-            </a:r>
-            <a:r>
-              <a:rPr lang="en-US" dirty="0" smtClean="0"/>
-              <a:t>, I'm really lazy!</a:t>
+              <a:t>opening files for writing</a:t>
             </a:r>
             <a:endParaRPr lang="en-US" dirty="0"/>
           </a:p>
@@ -12275,14 +11620,14 @@
       </p:sp>
       <p:sp>
         <p:nvSpPr>
-          <p:cNvPr id="7" name="TextBox 6"/>
+          <p:cNvPr id="4" name="TextBox 3"/>
           <p:cNvSpPr txBox="1"/>
           <p:nvPr/>
         </p:nvSpPr>
         <p:spPr>
           <a:xfrm>
-            <a:off x="457199" y="2009989"/>
-            <a:ext cx="8338444" cy="2462212"/>
+            <a:off x="457199" y="1727554"/>
+            <a:ext cx="8338444" cy="3693319"/>
           </a:xfrm>
           <a:prstGeom prst="rect">
             <a:avLst/>
@@ -12296,58 +11641,266 @@
           <a:lstStyle/>
           <a:p>
             <a:r>
-              <a:rPr lang="en-US" sz="2200" dirty="0" smtClean="0">
-                <a:latin typeface="Monaco"/>
-                <a:cs typeface="Monaco"/>
-              </a:rPr>
-              <a:t># Use open and close</a:t>
-            </a:r>
-            <a:endParaRPr lang="en-US" sz="2200" dirty="0">
+              <a:rPr lang="en-US" dirty="0" smtClean="0">
+                <a:latin typeface="Monaco"/>
+                <a:cs typeface="Monaco"/>
+              </a:rPr>
+              <a:t># Name of file to open</a:t>
+            </a:r>
+          </a:p>
+          <a:p>
+            <a:r>
+              <a:rPr lang="en-US" dirty="0" smtClean="0">
+                <a:latin typeface="Monaco"/>
+                <a:cs typeface="Monaco"/>
+              </a:rPr>
+              <a:t>filename = "my_file_to_write_to.txt"</a:t>
+            </a:r>
+          </a:p>
+          <a:p>
+            <a:endParaRPr lang="en-US" dirty="0">
               <a:latin typeface="Monaco"/>
               <a:cs typeface="Monaco"/>
             </a:endParaRPr>
           </a:p>
           <a:p>
             <a:r>
-              <a:rPr lang="en-US" sz="2200" dirty="0" smtClean="0">
-                <a:latin typeface="Monaco"/>
-                <a:cs typeface="Monaco"/>
-              </a:rPr>
-              <a:t>file_handle = open(filename, "r")</a:t>
-            </a:r>
-          </a:p>
-          <a:p>
-            <a:r>
-              <a:rPr lang="en-US" sz="2200" dirty="0" smtClean="0">
-                <a:latin typeface="Monaco"/>
-                <a:cs typeface="Monaco"/>
-              </a:rPr>
-              <a:t># do stuff to file_handle</a:t>
-            </a:r>
-          </a:p>
-          <a:p>
-            <a:r>
-              <a:rPr lang="en-US" sz="2200" dirty="0" smtClean="0">
-                <a:latin typeface="Monaco"/>
-                <a:cs typeface="Monaco"/>
-              </a:rPr>
-              <a:t>file_handle.close()</a:t>
-            </a:r>
-          </a:p>
-          <a:p>
-            <a:endParaRPr lang="en-US" sz="2200" dirty="0">
+              <a:rPr lang="en-US" dirty="0" smtClean="0">
+                <a:latin typeface="Monaco"/>
+                <a:cs typeface="Monaco"/>
+              </a:rPr>
+              <a:t># Define handle with the </a:t>
+            </a:r>
+            <a:r>
+              <a:rPr lang="en-US" i="1" dirty="0" smtClean="0">
+                <a:latin typeface="Monaco"/>
+                <a:cs typeface="Monaco"/>
+              </a:rPr>
+              <a:t>.open() </a:t>
+            </a:r>
+            <a:r>
+              <a:rPr lang="en-US" dirty="0" smtClean="0">
+                <a:latin typeface="Monaco"/>
+                <a:cs typeface="Monaco"/>
+              </a:rPr>
+              <a:t>function</a:t>
+            </a:r>
+          </a:p>
+          <a:p>
+            <a:r>
+              <a:rPr lang="en-US" dirty="0" smtClean="0">
+                <a:latin typeface="Monaco"/>
+                <a:cs typeface="Monaco"/>
+              </a:rPr>
+              <a:t>file_handle = </a:t>
+            </a:r>
+            <a:r>
+              <a:rPr lang="en-US" dirty="0" smtClean="0">
+                <a:solidFill>
+                  <a:srgbClr val="DC5924"/>
+                </a:solidFill>
+                <a:latin typeface="Monaco"/>
+                <a:cs typeface="Monaco"/>
+              </a:rPr>
+              <a:t>open</a:t>
+            </a:r>
+            <a:r>
+              <a:rPr lang="en-US" dirty="0" smtClean="0">
+                <a:latin typeface="Monaco"/>
+                <a:cs typeface="Monaco"/>
+              </a:rPr>
+              <a:t>(filename, </a:t>
+            </a:r>
+            <a:r>
+              <a:rPr lang="en-US" dirty="0" smtClean="0">
+                <a:solidFill>
+                  <a:srgbClr val="DC5924"/>
+                </a:solidFill>
+                <a:latin typeface="Monaco"/>
+                <a:cs typeface="Monaco"/>
+              </a:rPr>
+              <a:t>"w"</a:t>
+            </a:r>
+            <a:r>
+              <a:rPr lang="en-US" dirty="0" smtClean="0">
+                <a:latin typeface="Monaco"/>
+                <a:cs typeface="Monaco"/>
+              </a:rPr>
+              <a:t>)  # note the mode!</a:t>
+            </a:r>
+          </a:p>
+          <a:p>
+            <a:endParaRPr lang="en-US" dirty="0">
               <a:latin typeface="Monaco"/>
               <a:cs typeface="Monaco"/>
             </a:endParaRPr>
           </a:p>
           <a:p>
-            <a:endParaRPr lang="en-US" sz="2200" dirty="0" smtClean="0">
+            <a:r>
+              <a:rPr lang="en-US" dirty="0" smtClean="0">
+                <a:latin typeface="Monaco"/>
+                <a:cs typeface="Monaco"/>
+              </a:rPr>
+              <a:t># Write to the file with the </a:t>
+            </a:r>
+            <a:r>
+              <a:rPr lang="en-US" i="1" dirty="0" smtClean="0">
+                <a:latin typeface="Monaco"/>
+                <a:cs typeface="Monaco"/>
+              </a:rPr>
+              <a:t>.write()</a:t>
+            </a:r>
+            <a:r>
+              <a:rPr lang="en-US" dirty="0">
+                <a:latin typeface="Monaco"/>
+                <a:cs typeface="Monaco"/>
+              </a:rPr>
+              <a:t> </a:t>
+            </a:r>
+            <a:r>
+              <a:rPr lang="en-US" dirty="0" smtClean="0">
+                <a:latin typeface="Monaco"/>
+                <a:cs typeface="Monaco"/>
+              </a:rPr>
+              <a:t>method</a:t>
+            </a:r>
+          </a:p>
+          <a:p>
+            <a:r>
+              <a:rPr lang="en-US" dirty="0" smtClean="0">
+                <a:latin typeface="Monaco"/>
+                <a:cs typeface="Monaco"/>
+              </a:rPr>
+              <a:t>file_handle</a:t>
+            </a:r>
+            <a:r>
+              <a:rPr lang="en-US" dirty="0" smtClean="0">
+                <a:solidFill>
+                  <a:schemeClr val="accent5"/>
+                </a:solidFill>
+                <a:latin typeface="Monaco"/>
+                <a:cs typeface="Monaco"/>
+              </a:rPr>
+              <a:t>.write(</a:t>
+            </a:r>
+            <a:r>
+              <a:rPr lang="en-US" dirty="0" smtClean="0">
+                <a:latin typeface="Monaco"/>
+                <a:cs typeface="Monaco"/>
+              </a:rPr>
+              <a:t>"Line 1 of the file.\n"</a:t>
+            </a:r>
+            <a:r>
+              <a:rPr lang="en-US" dirty="0" smtClean="0">
+                <a:solidFill>
+                  <a:schemeClr val="accent5"/>
+                </a:solidFill>
+                <a:latin typeface="Monaco"/>
+                <a:cs typeface="Monaco"/>
+              </a:rPr>
+              <a:t>)</a:t>
+            </a:r>
+          </a:p>
+          <a:p>
+            <a:r>
+              <a:rPr lang="en-US" dirty="0">
+                <a:latin typeface="Monaco"/>
+                <a:cs typeface="Monaco"/>
+              </a:rPr>
+              <a:t>file_handle</a:t>
+            </a:r>
+            <a:r>
+              <a:rPr lang="en-US" dirty="0">
+                <a:solidFill>
+                  <a:schemeClr val="accent5"/>
+                </a:solidFill>
+                <a:latin typeface="Monaco"/>
+                <a:cs typeface="Monaco"/>
+              </a:rPr>
+              <a:t>.write(</a:t>
+            </a:r>
+            <a:r>
+              <a:rPr lang="en-US" dirty="0">
+                <a:latin typeface="Monaco"/>
+                <a:cs typeface="Monaco"/>
+              </a:rPr>
+              <a:t>"Line </a:t>
+            </a:r>
+            <a:r>
+              <a:rPr lang="en-US" dirty="0" smtClean="0">
+                <a:latin typeface="Monaco"/>
+                <a:cs typeface="Monaco"/>
+              </a:rPr>
+              <a:t>2 </a:t>
+            </a:r>
+            <a:r>
+              <a:rPr lang="en-US" dirty="0">
+                <a:latin typeface="Monaco"/>
+                <a:cs typeface="Monaco"/>
+              </a:rPr>
+              <a:t>of the file.\n"</a:t>
+            </a:r>
+            <a:r>
+              <a:rPr lang="en-US" dirty="0">
+                <a:solidFill>
+                  <a:schemeClr val="accent5"/>
+                </a:solidFill>
+                <a:latin typeface="Monaco"/>
+                <a:cs typeface="Monaco"/>
+              </a:rPr>
+              <a:t>)</a:t>
+            </a:r>
+          </a:p>
+          <a:p>
+            <a:endParaRPr lang="en-US" dirty="0">
               <a:latin typeface="Monaco"/>
               <a:cs typeface="Monaco"/>
             </a:endParaRPr>
           </a:p>
           <a:p>
-            <a:endParaRPr lang="en-US" sz="2200" dirty="0" smtClean="0">
+            <a:r>
+              <a:rPr lang="en-US" dirty="0" smtClean="0">
+                <a:latin typeface="Monaco"/>
+                <a:cs typeface="Monaco"/>
+              </a:rPr>
+              <a:t># Close the file when done with the </a:t>
+            </a:r>
+            <a:r>
+              <a:rPr lang="en-US" i="1" dirty="0" smtClean="0">
+                <a:latin typeface="Monaco"/>
+                <a:cs typeface="Monaco"/>
+              </a:rPr>
+              <a:t>.close()</a:t>
+            </a:r>
+            <a:r>
+              <a:rPr lang="en-US" dirty="0" smtClean="0">
+                <a:latin typeface="Monaco"/>
+                <a:cs typeface="Monaco"/>
+              </a:rPr>
+              <a:t> method (!!!)</a:t>
+            </a:r>
+          </a:p>
+          <a:p>
+            <a:r>
+              <a:rPr lang="en-US" dirty="0" smtClean="0">
+                <a:latin typeface="Monaco"/>
+                <a:cs typeface="Monaco"/>
+              </a:rPr>
+              <a:t>file_handle</a:t>
+            </a:r>
+            <a:r>
+              <a:rPr lang="en-US" dirty="0" smtClean="0">
+                <a:solidFill>
+                  <a:srgbClr val="DC5924"/>
+                </a:solidFill>
+                <a:latin typeface="Monaco"/>
+                <a:cs typeface="Monaco"/>
+              </a:rPr>
+              <a:t>.close()</a:t>
+            </a:r>
+          </a:p>
+          <a:p>
+            <a:endParaRPr lang="en-US" dirty="0" smtClean="0">
               <a:latin typeface="Monaco"/>
               <a:cs typeface="Monaco"/>
             </a:endParaRPr>
@@ -12357,7 +11910,7 @@
     </p:spTree>
     <p:extLst>
       <p:ext uri="{BB962C8B-B14F-4D97-AF65-F5344CB8AC3E}">
-        <p14:creationId xmlns:p14="http://schemas.microsoft.com/office/powerpoint/2010/main" val="4211985418"/>
+        <p14:creationId xmlns:p14="http://schemas.microsoft.com/office/powerpoint/2010/main" val="3188144275"/>
       </p:ext>
     </p:extLst>
   </p:cSld>
@@ -12401,15 +11954,7 @@
           <a:p>
             <a:r>
               <a:rPr lang="en-US" dirty="0" smtClean="0"/>
-              <a:t>but </a:t>
-            </a:r>
-            <a:r>
-              <a:rPr lang="en-US" dirty="0" err="1" smtClean="0"/>
-              <a:t>stephanie</a:t>
-            </a:r>
-            <a:r>
-              <a:rPr lang="en-US" dirty="0" smtClean="0"/>
-              <a:t>, I'm really lazy!</a:t>
+              <a:t>opening files for writing</a:t>
             </a:r>
             <a:endParaRPr lang="en-US" dirty="0"/>
           </a:p>
@@ -12417,14 +11962,14 @@
       </p:sp>
       <p:sp>
         <p:nvSpPr>
-          <p:cNvPr id="7" name="TextBox 6"/>
+          <p:cNvPr id="4" name="TextBox 3"/>
           <p:cNvSpPr txBox="1"/>
           <p:nvPr/>
         </p:nvSpPr>
         <p:spPr>
           <a:xfrm>
-            <a:off x="457199" y="2009989"/>
-            <a:ext cx="8338444" cy="3816429"/>
+            <a:off x="457199" y="1727554"/>
+            <a:ext cx="8338444" cy="3693319"/>
           </a:xfrm>
           <a:prstGeom prst="rect">
             <a:avLst/>
@@ -12438,6 +11983,715 @@
           <a:lstStyle/>
           <a:p>
             <a:r>
+              <a:rPr lang="en-US" dirty="0" smtClean="0">
+                <a:latin typeface="Monaco"/>
+                <a:cs typeface="Monaco"/>
+              </a:rPr>
+              <a:t># Name of file to open</a:t>
+            </a:r>
+          </a:p>
+          <a:p>
+            <a:r>
+              <a:rPr lang="en-US" dirty="0" smtClean="0">
+                <a:latin typeface="Monaco"/>
+                <a:cs typeface="Monaco"/>
+              </a:rPr>
+              <a:t>filename = "my_file_to_write_to.txt"</a:t>
+            </a:r>
+          </a:p>
+          <a:p>
+            <a:endParaRPr lang="en-US" dirty="0">
+              <a:latin typeface="Monaco"/>
+              <a:cs typeface="Monaco"/>
+            </a:endParaRPr>
+          </a:p>
+          <a:p>
+            <a:r>
+              <a:rPr lang="en-US" dirty="0" smtClean="0">
+                <a:latin typeface="Monaco"/>
+                <a:cs typeface="Monaco"/>
+              </a:rPr>
+              <a:t># Define handle with the </a:t>
+            </a:r>
+            <a:r>
+              <a:rPr lang="en-US" i="1" dirty="0" smtClean="0">
+                <a:latin typeface="Monaco"/>
+                <a:cs typeface="Monaco"/>
+              </a:rPr>
+              <a:t>.open() </a:t>
+            </a:r>
+            <a:r>
+              <a:rPr lang="en-US" dirty="0" smtClean="0">
+                <a:latin typeface="Monaco"/>
+                <a:cs typeface="Monaco"/>
+              </a:rPr>
+              <a:t>function</a:t>
+            </a:r>
+          </a:p>
+          <a:p>
+            <a:r>
+              <a:rPr lang="en-US" dirty="0" smtClean="0">
+                <a:latin typeface="Monaco"/>
+                <a:cs typeface="Monaco"/>
+              </a:rPr>
+              <a:t>file_handle = </a:t>
+            </a:r>
+            <a:r>
+              <a:rPr lang="en-US" dirty="0" smtClean="0">
+                <a:solidFill>
+                  <a:srgbClr val="DC5924"/>
+                </a:solidFill>
+                <a:latin typeface="Monaco"/>
+                <a:cs typeface="Monaco"/>
+              </a:rPr>
+              <a:t>open</a:t>
+            </a:r>
+            <a:r>
+              <a:rPr lang="en-US" dirty="0" smtClean="0">
+                <a:latin typeface="Monaco"/>
+                <a:cs typeface="Monaco"/>
+              </a:rPr>
+              <a:t>(filename, </a:t>
+            </a:r>
+            <a:r>
+              <a:rPr lang="en-US" dirty="0" smtClean="0">
+                <a:solidFill>
+                  <a:srgbClr val="DC5924"/>
+                </a:solidFill>
+                <a:latin typeface="Monaco"/>
+                <a:cs typeface="Monaco"/>
+              </a:rPr>
+              <a:t>"w"</a:t>
+            </a:r>
+            <a:r>
+              <a:rPr lang="en-US" dirty="0" smtClean="0">
+                <a:latin typeface="Monaco"/>
+                <a:cs typeface="Monaco"/>
+              </a:rPr>
+              <a:t>)  # note the mode!</a:t>
+            </a:r>
+          </a:p>
+          <a:p>
+            <a:endParaRPr lang="en-US" dirty="0">
+              <a:latin typeface="Monaco"/>
+              <a:cs typeface="Monaco"/>
+            </a:endParaRPr>
+          </a:p>
+          <a:p>
+            <a:r>
+              <a:rPr lang="en-US" dirty="0" smtClean="0">
+                <a:latin typeface="Monaco"/>
+                <a:cs typeface="Monaco"/>
+              </a:rPr>
+              <a:t># Write to the file with the </a:t>
+            </a:r>
+            <a:r>
+              <a:rPr lang="en-US" i="1" dirty="0" smtClean="0">
+                <a:latin typeface="Monaco"/>
+                <a:cs typeface="Monaco"/>
+              </a:rPr>
+              <a:t>.write()</a:t>
+            </a:r>
+            <a:r>
+              <a:rPr lang="en-US" dirty="0">
+                <a:latin typeface="Monaco"/>
+                <a:cs typeface="Monaco"/>
+              </a:rPr>
+              <a:t> </a:t>
+            </a:r>
+            <a:r>
+              <a:rPr lang="en-US" dirty="0" smtClean="0">
+                <a:latin typeface="Monaco"/>
+                <a:cs typeface="Monaco"/>
+              </a:rPr>
+              <a:t>method</a:t>
+            </a:r>
+          </a:p>
+          <a:p>
+            <a:r>
+              <a:rPr lang="en-US" dirty="0" smtClean="0">
+                <a:latin typeface="Monaco"/>
+                <a:cs typeface="Monaco"/>
+              </a:rPr>
+              <a:t>file_handle</a:t>
+            </a:r>
+            <a:r>
+              <a:rPr lang="en-US" dirty="0" smtClean="0">
+                <a:solidFill>
+                  <a:schemeClr val="accent5"/>
+                </a:solidFill>
+                <a:latin typeface="Monaco"/>
+                <a:cs typeface="Monaco"/>
+              </a:rPr>
+              <a:t>.write(</a:t>
+            </a:r>
+            <a:r>
+              <a:rPr lang="en-US" dirty="0" smtClean="0">
+                <a:latin typeface="Monaco"/>
+                <a:cs typeface="Monaco"/>
+              </a:rPr>
+              <a:t>"Line 1 of the file.\n"</a:t>
+            </a:r>
+            <a:r>
+              <a:rPr lang="en-US" dirty="0" smtClean="0">
+                <a:solidFill>
+                  <a:schemeClr val="accent5"/>
+                </a:solidFill>
+                <a:latin typeface="Monaco"/>
+                <a:cs typeface="Monaco"/>
+              </a:rPr>
+              <a:t>)</a:t>
+            </a:r>
+          </a:p>
+          <a:p>
+            <a:r>
+              <a:rPr lang="en-US" dirty="0">
+                <a:latin typeface="Monaco"/>
+                <a:cs typeface="Monaco"/>
+              </a:rPr>
+              <a:t>file_handle</a:t>
+            </a:r>
+            <a:r>
+              <a:rPr lang="en-US" dirty="0">
+                <a:solidFill>
+                  <a:schemeClr val="accent5"/>
+                </a:solidFill>
+                <a:latin typeface="Monaco"/>
+                <a:cs typeface="Monaco"/>
+              </a:rPr>
+              <a:t>.write(</a:t>
+            </a:r>
+            <a:r>
+              <a:rPr lang="en-US" dirty="0">
+                <a:latin typeface="Monaco"/>
+                <a:cs typeface="Monaco"/>
+              </a:rPr>
+              <a:t>"Line </a:t>
+            </a:r>
+            <a:r>
+              <a:rPr lang="en-US" dirty="0" smtClean="0">
+                <a:latin typeface="Monaco"/>
+                <a:cs typeface="Monaco"/>
+              </a:rPr>
+              <a:t>2 </a:t>
+            </a:r>
+            <a:r>
+              <a:rPr lang="en-US" dirty="0">
+                <a:latin typeface="Monaco"/>
+                <a:cs typeface="Monaco"/>
+              </a:rPr>
+              <a:t>of the file.\n"</a:t>
+            </a:r>
+            <a:r>
+              <a:rPr lang="en-US" dirty="0">
+                <a:solidFill>
+                  <a:schemeClr val="accent5"/>
+                </a:solidFill>
+                <a:latin typeface="Monaco"/>
+                <a:cs typeface="Monaco"/>
+              </a:rPr>
+              <a:t>)</a:t>
+            </a:r>
+          </a:p>
+          <a:p>
+            <a:endParaRPr lang="en-US" dirty="0">
+              <a:latin typeface="Monaco"/>
+              <a:cs typeface="Monaco"/>
+            </a:endParaRPr>
+          </a:p>
+          <a:p>
+            <a:r>
+              <a:rPr lang="en-US" dirty="0" smtClean="0">
+                <a:latin typeface="Monaco"/>
+                <a:cs typeface="Monaco"/>
+              </a:rPr>
+              <a:t># Close the file when done with the </a:t>
+            </a:r>
+            <a:r>
+              <a:rPr lang="en-US" i="1" dirty="0" smtClean="0">
+                <a:latin typeface="Monaco"/>
+                <a:cs typeface="Monaco"/>
+              </a:rPr>
+              <a:t>.close()</a:t>
+            </a:r>
+            <a:r>
+              <a:rPr lang="en-US" dirty="0" smtClean="0">
+                <a:latin typeface="Monaco"/>
+                <a:cs typeface="Monaco"/>
+              </a:rPr>
+              <a:t> method (!!!)</a:t>
+            </a:r>
+          </a:p>
+          <a:p>
+            <a:r>
+              <a:rPr lang="en-US" dirty="0" smtClean="0">
+                <a:latin typeface="Monaco"/>
+                <a:cs typeface="Monaco"/>
+              </a:rPr>
+              <a:t>file_handle</a:t>
+            </a:r>
+            <a:r>
+              <a:rPr lang="en-US" dirty="0" smtClean="0">
+                <a:solidFill>
+                  <a:srgbClr val="DC5924"/>
+                </a:solidFill>
+                <a:latin typeface="Monaco"/>
+                <a:cs typeface="Monaco"/>
+              </a:rPr>
+              <a:t>.close()</a:t>
+            </a:r>
+          </a:p>
+          <a:p>
+            <a:endParaRPr lang="en-US" dirty="0" smtClean="0">
+              <a:latin typeface="Monaco"/>
+              <a:cs typeface="Monaco"/>
+            </a:endParaRPr>
+          </a:p>
+        </p:txBody>
+      </p:sp>
+      <p:sp>
+        <p:nvSpPr>
+          <p:cNvPr id="5" name="TextBox 4"/>
+          <p:cNvSpPr txBox="1"/>
+          <p:nvPr/>
+        </p:nvSpPr>
+        <p:spPr>
+          <a:xfrm>
+            <a:off x="1002201" y="5745948"/>
+            <a:ext cx="7309152" cy="400110"/>
+          </a:xfrm>
+          <a:prstGeom prst="rect">
+            <a:avLst/>
+          </a:prstGeom>
+          <a:noFill/>
+        </p:spPr>
+        <p:txBody>
+          <a:bodyPr wrap="square" rtlCol="0">
+            <a:spAutoFit/>
+          </a:bodyPr>
+          <a:lstStyle/>
+          <a:p>
+            <a:r>
+              <a:rPr lang="en-US" sz="2000" dirty="0" smtClean="0">
+                <a:solidFill>
+                  <a:srgbClr val="DC5924"/>
+                </a:solidFill>
+              </a:rPr>
+              <a:t>CAUTION: writing to file </a:t>
+            </a:r>
+            <a:r>
+              <a:rPr lang="en-US" sz="2000" b="1" dirty="0" smtClean="0">
+                <a:solidFill>
+                  <a:srgbClr val="DC5924"/>
+                </a:solidFill>
+              </a:rPr>
+              <a:t>overwrites</a:t>
+            </a:r>
+            <a:r>
+              <a:rPr lang="en-US" sz="2000" i="1" dirty="0" smtClean="0">
+                <a:solidFill>
+                  <a:srgbClr val="DC5924"/>
+                </a:solidFill>
+              </a:rPr>
+              <a:t> </a:t>
+            </a:r>
+            <a:r>
+              <a:rPr lang="en-US" sz="2000" dirty="0" smtClean="0">
+                <a:solidFill>
+                  <a:srgbClr val="DC5924"/>
+                </a:solidFill>
+              </a:rPr>
+              <a:t>the file, if it exists already.</a:t>
+            </a:r>
+            <a:endParaRPr lang="en-US" sz="2000" dirty="0">
+              <a:solidFill>
+                <a:srgbClr val="DC5924"/>
+              </a:solidFill>
+            </a:endParaRPr>
+          </a:p>
+        </p:txBody>
+      </p:sp>
+    </p:spTree>
+    <p:extLst>
+      <p:ext uri="{BB962C8B-B14F-4D97-AF65-F5344CB8AC3E}">
+        <p14:creationId xmlns:p14="http://schemas.microsoft.com/office/powerpoint/2010/main" val="1100124502"/>
+      </p:ext>
+    </p:extLst>
+  </p:cSld>
+  <p:clrMapOvr>
+    <a:masterClrMapping/>
+  </p:clrMapOvr>
+</p:sld>
+</file>
+
+<file path=ppt/slides/slide43.xml><?xml version="1.0" encoding="utf-8"?>
+<p:sld xmlns:a="http://schemas.openxmlformats.org/drawingml/2006/main" xmlns:r="http://schemas.openxmlformats.org/officeDocument/2006/relationships" xmlns:p="http://schemas.openxmlformats.org/presentationml/2006/main">
+  <p:cSld>
+    <p:spTree>
+      <p:nvGrpSpPr>
+        <p:cNvPr id="1" name=""/>
+        <p:cNvGrpSpPr/>
+        <p:nvPr/>
+      </p:nvGrpSpPr>
+      <p:grpSpPr>
+        <a:xfrm>
+          <a:off x="0" y="0"/>
+          <a:ext cx="0" cy="0"/>
+          <a:chOff x="0" y="0"/>
+          <a:chExt cx="0" cy="0"/>
+        </a:xfrm>
+      </p:grpSpPr>
+      <p:sp>
+        <p:nvSpPr>
+          <p:cNvPr id="2" name="Title 1"/>
+          <p:cNvSpPr>
+            <a:spLocks noGrp="1"/>
+          </p:cNvSpPr>
+          <p:nvPr>
+            <p:ph type="title"/>
+          </p:nvPr>
+        </p:nvSpPr>
+        <p:spPr/>
+        <p:txBody>
+          <a:bodyPr/>
+          <a:lstStyle/>
+          <a:p>
+            <a:r>
+              <a:rPr lang="en-US" dirty="0" smtClean="0"/>
+              <a:t>Add to an existing file with append-mode</a:t>
+            </a:r>
+            <a:endParaRPr lang="en-US" dirty="0"/>
+          </a:p>
+        </p:txBody>
+      </p:sp>
+      <p:sp>
+        <p:nvSpPr>
+          <p:cNvPr id="5" name="TextBox 4"/>
+          <p:cNvSpPr txBox="1"/>
+          <p:nvPr/>
+        </p:nvSpPr>
+        <p:spPr>
+          <a:xfrm>
+            <a:off x="457199" y="1727554"/>
+            <a:ext cx="8338444" cy="3139321"/>
+          </a:xfrm>
+          <a:prstGeom prst="rect">
+            <a:avLst/>
+          </a:prstGeom>
+          <a:noFill/>
+        </p:spPr>
+        <p:txBody>
+          <a:bodyPr wrap="square" rtlCol="0">
+            <a:spAutoFit/>
+          </a:bodyPr>
+          <a:lstStyle/>
+          <a:p>
+            <a:r>
+              <a:rPr lang="en-US" dirty="0" smtClean="0">
+                <a:latin typeface="Monaco"/>
+                <a:cs typeface="Monaco"/>
+              </a:rPr>
+              <a:t>filename = "</a:t>
+            </a:r>
+            <a:r>
+              <a:rPr lang="en-US" dirty="0" err="1" smtClean="0">
+                <a:latin typeface="Monaco"/>
+                <a:cs typeface="Monaco"/>
+              </a:rPr>
+              <a:t>my_file_to_append_to.txt</a:t>
+            </a:r>
+            <a:r>
+              <a:rPr lang="en-US" dirty="0" smtClean="0">
+                <a:latin typeface="Monaco"/>
+                <a:cs typeface="Monaco"/>
+              </a:rPr>
+              <a:t>"</a:t>
+            </a:r>
+          </a:p>
+          <a:p>
+            <a:endParaRPr lang="en-US" dirty="0">
+              <a:latin typeface="Monaco"/>
+              <a:cs typeface="Monaco"/>
+            </a:endParaRPr>
+          </a:p>
+          <a:p>
+            <a:r>
+              <a:rPr lang="en-US" dirty="0" smtClean="0">
+                <a:latin typeface="Monaco"/>
+                <a:cs typeface="Monaco"/>
+              </a:rPr>
+              <a:t># Define handle with the </a:t>
+            </a:r>
+            <a:r>
+              <a:rPr lang="en-US" i="1" dirty="0" smtClean="0">
+                <a:latin typeface="Monaco"/>
+                <a:cs typeface="Monaco"/>
+              </a:rPr>
+              <a:t>.open() </a:t>
+            </a:r>
+            <a:r>
+              <a:rPr lang="en-US" dirty="0" smtClean="0">
+                <a:latin typeface="Monaco"/>
+                <a:cs typeface="Monaco"/>
+              </a:rPr>
+              <a:t>function</a:t>
+            </a:r>
+          </a:p>
+          <a:p>
+            <a:r>
+              <a:rPr lang="en-US" dirty="0" smtClean="0">
+                <a:latin typeface="Monaco"/>
+                <a:cs typeface="Monaco"/>
+              </a:rPr>
+              <a:t>file_handle = </a:t>
+            </a:r>
+            <a:r>
+              <a:rPr lang="en-US" dirty="0" smtClean="0">
+                <a:solidFill>
+                  <a:srgbClr val="DC5924"/>
+                </a:solidFill>
+                <a:latin typeface="Monaco"/>
+                <a:cs typeface="Monaco"/>
+              </a:rPr>
+              <a:t>open</a:t>
+            </a:r>
+            <a:r>
+              <a:rPr lang="en-US" dirty="0" smtClean="0">
+                <a:latin typeface="Monaco"/>
+                <a:cs typeface="Monaco"/>
+              </a:rPr>
+              <a:t>(filename, </a:t>
+            </a:r>
+            <a:r>
+              <a:rPr lang="en-US" dirty="0" smtClean="0">
+                <a:solidFill>
+                  <a:srgbClr val="DC5924"/>
+                </a:solidFill>
+                <a:latin typeface="Monaco"/>
+                <a:cs typeface="Monaco"/>
+              </a:rPr>
+              <a:t>"a"</a:t>
+            </a:r>
+            <a:r>
+              <a:rPr lang="en-US" dirty="0" smtClean="0">
+                <a:latin typeface="Monaco"/>
+                <a:cs typeface="Monaco"/>
+              </a:rPr>
+              <a:t>)  # note the mode!</a:t>
+            </a:r>
+          </a:p>
+          <a:p>
+            <a:endParaRPr lang="en-US" dirty="0">
+              <a:latin typeface="Monaco"/>
+              <a:cs typeface="Monaco"/>
+            </a:endParaRPr>
+          </a:p>
+          <a:p>
+            <a:r>
+              <a:rPr lang="en-US" dirty="0" smtClean="0">
+                <a:latin typeface="Monaco"/>
+                <a:cs typeface="Monaco"/>
+              </a:rPr>
+              <a:t># Write to the file with the </a:t>
+            </a:r>
+            <a:r>
+              <a:rPr lang="en-US" i="1" dirty="0" smtClean="0">
+                <a:latin typeface="Monaco"/>
+                <a:cs typeface="Monaco"/>
+              </a:rPr>
+              <a:t>.write()</a:t>
+            </a:r>
+            <a:r>
+              <a:rPr lang="en-US" dirty="0">
+                <a:latin typeface="Monaco"/>
+                <a:cs typeface="Monaco"/>
+              </a:rPr>
+              <a:t> </a:t>
+            </a:r>
+            <a:r>
+              <a:rPr lang="en-US" dirty="0" smtClean="0">
+                <a:latin typeface="Monaco"/>
+                <a:cs typeface="Monaco"/>
+              </a:rPr>
+              <a:t>method</a:t>
+            </a:r>
+          </a:p>
+          <a:p>
+            <a:r>
+              <a:rPr lang="en-US" dirty="0" smtClean="0">
+                <a:latin typeface="Monaco"/>
+                <a:cs typeface="Monaco"/>
+              </a:rPr>
+              <a:t>file_handle</a:t>
+            </a:r>
+            <a:r>
+              <a:rPr lang="en-US" dirty="0" smtClean="0">
+                <a:solidFill>
+                  <a:schemeClr val="accent5"/>
+                </a:solidFill>
+                <a:latin typeface="Monaco"/>
+                <a:cs typeface="Monaco"/>
+              </a:rPr>
+              <a:t>.write(</a:t>
+            </a:r>
+            <a:r>
+              <a:rPr lang="en-US" dirty="0" smtClean="0">
+                <a:latin typeface="Monaco"/>
+                <a:cs typeface="Monaco"/>
+              </a:rPr>
+              <a:t>"Adding this line to the file.\n"</a:t>
+            </a:r>
+            <a:r>
+              <a:rPr lang="en-US" dirty="0" smtClean="0">
+                <a:solidFill>
+                  <a:schemeClr val="accent5"/>
+                </a:solidFill>
+                <a:latin typeface="Monaco"/>
+                <a:cs typeface="Monaco"/>
+              </a:rPr>
+              <a:t>)</a:t>
+            </a:r>
+          </a:p>
+          <a:p>
+            <a:endParaRPr lang="en-US" dirty="0">
+              <a:latin typeface="Monaco"/>
+              <a:cs typeface="Monaco"/>
+            </a:endParaRPr>
+          </a:p>
+          <a:p>
+            <a:r>
+              <a:rPr lang="en-US" dirty="0" smtClean="0">
+                <a:latin typeface="Monaco"/>
+                <a:cs typeface="Monaco"/>
+              </a:rPr>
+              <a:t># Close the file when done with the </a:t>
+            </a:r>
+            <a:r>
+              <a:rPr lang="en-US" i="1" dirty="0" smtClean="0">
+                <a:latin typeface="Monaco"/>
+                <a:cs typeface="Monaco"/>
+              </a:rPr>
+              <a:t>.close()</a:t>
+            </a:r>
+            <a:r>
+              <a:rPr lang="en-US" dirty="0" smtClean="0">
+                <a:latin typeface="Monaco"/>
+                <a:cs typeface="Monaco"/>
+              </a:rPr>
+              <a:t> method (!!!)</a:t>
+            </a:r>
+          </a:p>
+          <a:p>
+            <a:r>
+              <a:rPr lang="en-US" dirty="0" smtClean="0">
+                <a:latin typeface="Monaco"/>
+                <a:cs typeface="Monaco"/>
+              </a:rPr>
+              <a:t>file_handle</a:t>
+            </a:r>
+            <a:r>
+              <a:rPr lang="en-US" dirty="0" smtClean="0">
+                <a:solidFill>
+                  <a:srgbClr val="DC5924"/>
+                </a:solidFill>
+                <a:latin typeface="Monaco"/>
+                <a:cs typeface="Monaco"/>
+              </a:rPr>
+              <a:t>.close()</a:t>
+            </a:r>
+          </a:p>
+          <a:p>
+            <a:endParaRPr lang="en-US" dirty="0" smtClean="0">
+              <a:latin typeface="Monaco"/>
+              <a:cs typeface="Monaco"/>
+            </a:endParaRPr>
+          </a:p>
+        </p:txBody>
+      </p:sp>
+    </p:spTree>
+    <p:extLst>
+      <p:ext uri="{BB962C8B-B14F-4D97-AF65-F5344CB8AC3E}">
+        <p14:creationId xmlns:p14="http://schemas.microsoft.com/office/powerpoint/2010/main" val="20011707"/>
+      </p:ext>
+    </p:extLst>
+  </p:cSld>
+  <p:clrMapOvr>
+    <a:masterClrMapping/>
+  </p:clrMapOvr>
+</p:sld>
+</file>
+
+<file path=ppt/slides/slide44.xml><?xml version="1.0" encoding="utf-8"?>
+<p:sld xmlns:a="http://schemas.openxmlformats.org/drawingml/2006/main" xmlns:r="http://schemas.openxmlformats.org/officeDocument/2006/relationships" xmlns:p="http://schemas.openxmlformats.org/presentationml/2006/main">
+  <p:cSld>
+    <p:spTree>
+      <p:nvGrpSpPr>
+        <p:cNvPr id="1" name=""/>
+        <p:cNvGrpSpPr/>
+        <p:nvPr/>
+      </p:nvGrpSpPr>
+      <p:grpSpPr>
+        <a:xfrm>
+          <a:off x="0" y="0"/>
+          <a:ext cx="0" cy="0"/>
+          <a:chOff x="0" y="0"/>
+          <a:chExt cx="0" cy="0"/>
+        </a:xfrm>
+      </p:grpSpPr>
+      <p:sp>
+        <p:nvSpPr>
+          <p:cNvPr id="2" name="Title 1"/>
+          <p:cNvSpPr>
+            <a:spLocks noGrp="1"/>
+          </p:cNvSpPr>
+          <p:nvPr>
+            <p:ph type="title"/>
+          </p:nvPr>
+        </p:nvSpPr>
+        <p:spPr/>
+        <p:txBody>
+          <a:bodyPr/>
+          <a:lstStyle/>
+          <a:p>
+            <a:r>
+              <a:rPr lang="en-US" dirty="0" smtClean="0"/>
+              <a:t>but </a:t>
+            </a:r>
+            <a:r>
+              <a:rPr lang="en-US" dirty="0" err="1" smtClean="0"/>
+              <a:t>stephanie</a:t>
+            </a:r>
+            <a:r>
+              <a:rPr lang="en-US" dirty="0" smtClean="0"/>
+              <a:t>, I'm really lazy!</a:t>
+            </a:r>
+            <a:endParaRPr lang="en-US" dirty="0"/>
+          </a:p>
+        </p:txBody>
+      </p:sp>
+      <p:sp>
+        <p:nvSpPr>
+          <p:cNvPr id="7" name="TextBox 6"/>
+          <p:cNvSpPr txBox="1"/>
+          <p:nvPr/>
+        </p:nvSpPr>
+        <p:spPr>
+          <a:xfrm>
+            <a:off x="457199" y="2009989"/>
+            <a:ext cx="8338444" cy="2123658"/>
+          </a:xfrm>
+          <a:prstGeom prst="rect">
+            <a:avLst/>
+          </a:prstGeom>
+          <a:noFill/>
+        </p:spPr>
+        <p:txBody>
+          <a:bodyPr wrap="square" rtlCol="0">
+            <a:spAutoFit/>
+          </a:bodyPr>
+          <a:lstStyle/>
+          <a:p>
+            <a:r>
               <a:rPr lang="en-US" sz="2200" dirty="0" smtClean="0">
                 <a:latin typeface="Monaco"/>
                 <a:cs typeface="Monaco"/>
@@ -12464,15 +12718,6 @@
                 <a:latin typeface="Monaco"/>
                 <a:cs typeface="Monaco"/>
               </a:rPr>
-              <a:t># do stuff to file_handle</a:t>
-            </a:r>
-          </a:p>
-          <a:p>
-            <a:r>
-              <a:rPr lang="en-US" sz="2200" dirty="0" smtClean="0">
-                <a:latin typeface="Monaco"/>
-                <a:cs typeface="Monaco"/>
-              </a:rPr>
               <a:t>file_handle.close()</a:t>
             </a:r>
           </a:p>
@@ -12494,83 +12739,126 @@
               <a:cs typeface="Monaco"/>
             </a:endParaRPr>
           </a:p>
+        </p:txBody>
+      </p:sp>
+    </p:spTree>
+    <p:extLst>
+      <p:ext uri="{BB962C8B-B14F-4D97-AF65-F5344CB8AC3E}">
+        <p14:creationId xmlns:p14="http://schemas.microsoft.com/office/powerpoint/2010/main" val="4211985418"/>
+      </p:ext>
+    </p:extLst>
+  </p:cSld>
+  <p:clrMapOvr>
+    <a:masterClrMapping/>
+  </p:clrMapOvr>
+</p:sld>
+</file>
+
+<file path=ppt/slides/slide45.xml><?xml version="1.0" encoding="utf-8"?>
+<p:sld xmlns:a="http://schemas.openxmlformats.org/drawingml/2006/main" xmlns:r="http://schemas.openxmlformats.org/officeDocument/2006/relationships" xmlns:p="http://schemas.openxmlformats.org/presentationml/2006/main">
+  <p:cSld>
+    <p:spTree>
+      <p:nvGrpSpPr>
+        <p:cNvPr id="1" name=""/>
+        <p:cNvGrpSpPr/>
+        <p:nvPr/>
+      </p:nvGrpSpPr>
+      <p:grpSpPr>
+        <a:xfrm>
+          <a:off x="0" y="0"/>
+          <a:ext cx="0" cy="0"/>
+          <a:chOff x="0" y="0"/>
+          <a:chExt cx="0" cy="0"/>
+        </a:xfrm>
+      </p:grpSpPr>
+      <p:sp>
+        <p:nvSpPr>
+          <p:cNvPr id="2" name="Title 1"/>
+          <p:cNvSpPr>
+            <a:spLocks noGrp="1"/>
+          </p:cNvSpPr>
+          <p:nvPr>
+            <p:ph type="title"/>
+          </p:nvPr>
+        </p:nvSpPr>
+        <p:spPr/>
+        <p:txBody>
+          <a:bodyPr/>
+          <a:lstStyle/>
+          <a:p>
+            <a:r>
+              <a:rPr lang="en-US" dirty="0" smtClean="0"/>
+              <a:t>but </a:t>
+            </a:r>
+            <a:r>
+              <a:rPr lang="en-US" dirty="0" err="1" smtClean="0"/>
+              <a:t>stephanie</a:t>
+            </a:r>
+            <a:r>
+              <a:rPr lang="en-US" dirty="0" smtClean="0"/>
+              <a:t>, I'm really lazy!</a:t>
+            </a:r>
+            <a:endParaRPr lang="en-US" dirty="0"/>
+          </a:p>
+        </p:txBody>
+      </p:sp>
+      <p:sp>
+        <p:nvSpPr>
+          <p:cNvPr id="7" name="TextBox 6"/>
+          <p:cNvSpPr txBox="1"/>
+          <p:nvPr/>
+        </p:nvSpPr>
+        <p:spPr>
+          <a:xfrm>
+            <a:off x="457199" y="2009989"/>
+            <a:ext cx="8338444" cy="3477875"/>
+          </a:xfrm>
+          <a:prstGeom prst="rect">
+            <a:avLst/>
+          </a:prstGeom>
+          <a:noFill/>
+        </p:spPr>
+        <p:txBody>
+          <a:bodyPr wrap="square" rtlCol="0">
+            <a:spAutoFit/>
+          </a:bodyPr>
+          <a:lstStyle/>
           <a:p>
             <a:r>
               <a:rPr lang="en-US" sz="2200" dirty="0" smtClean="0">
                 <a:latin typeface="Monaco"/>
                 <a:cs typeface="Monaco"/>
               </a:rPr>
-              <a:t># Use </a:t>
-            </a:r>
-            <a:r>
-              <a:rPr lang="en-US" sz="2200" i="1" dirty="0" smtClean="0">
-                <a:solidFill>
-                  <a:srgbClr val="DC5924"/>
-                </a:solidFill>
-                <a:latin typeface="Monaco"/>
-                <a:cs typeface="Monaco"/>
-              </a:rPr>
-              <a:t>with</a:t>
-            </a:r>
-            <a:r>
-              <a:rPr lang="en-US" sz="2200" i="1" dirty="0" smtClean="0">
-                <a:latin typeface="Monaco"/>
-                <a:cs typeface="Monaco"/>
-              </a:rPr>
-              <a:t> control-flow </a:t>
-            </a:r>
+              <a:t># Use open and close</a:t>
+            </a:r>
+            <a:endParaRPr lang="en-US" sz="2200" dirty="0">
+              <a:latin typeface="Monaco"/>
+              <a:cs typeface="Monaco"/>
+            </a:endParaRPr>
+          </a:p>
+          <a:p>
             <a:r>
               <a:rPr lang="en-US" sz="2200" dirty="0" smtClean="0">
                 <a:latin typeface="Monaco"/>
                 <a:cs typeface="Monaco"/>
               </a:rPr>
-              <a:t>(no need for close!)</a:t>
+              <a:t>file_handle = open(filename, "r")</a:t>
             </a:r>
           </a:p>
           <a:p>
             <a:r>
               <a:rPr lang="en-US" sz="2200" dirty="0" smtClean="0">
-                <a:solidFill>
-                  <a:schemeClr val="accent5"/>
-                </a:solidFill>
-                <a:latin typeface="Monaco"/>
-                <a:cs typeface="Monaco"/>
-              </a:rPr>
-              <a:t>with</a:t>
-            </a:r>
-            <a:r>
-              <a:rPr lang="en-US" sz="2200" dirty="0" smtClean="0">
-                <a:latin typeface="Monaco"/>
-                <a:cs typeface="Monaco"/>
-              </a:rPr>
-              <a:t> open(filename, "r") </a:t>
-            </a:r>
-            <a:r>
-              <a:rPr lang="en-US" sz="2200" dirty="0" smtClean="0">
-                <a:solidFill>
-                  <a:schemeClr val="accent5"/>
-                </a:solidFill>
-                <a:latin typeface="Monaco"/>
-                <a:cs typeface="Monaco"/>
-              </a:rPr>
-              <a:t>as</a:t>
-            </a:r>
-            <a:r>
-              <a:rPr lang="en-US" sz="2200" dirty="0" smtClean="0">
-                <a:latin typeface="Monaco"/>
-                <a:cs typeface="Monaco"/>
-              </a:rPr>
-              <a:t> file_handle:</a:t>
-            </a:r>
-          </a:p>
-          <a:p>
-            <a:r>
-              <a:rPr lang="en-US" sz="2200" dirty="0" smtClean="0">
-                <a:latin typeface="Monaco"/>
-                <a:cs typeface="Monaco"/>
-              </a:rPr>
-              <a:t>	# do stuff to file_handle</a:t>
-            </a:r>
+                <a:latin typeface="Monaco"/>
+                <a:cs typeface="Monaco"/>
+              </a:rPr>
+              <a:t>file_handle.close()</a:t>
+            </a:r>
+          </a:p>
+          <a:p>
+            <a:endParaRPr lang="en-US" sz="2200" dirty="0">
+              <a:latin typeface="Monaco"/>
+              <a:cs typeface="Monaco"/>
+            </a:endParaRPr>
           </a:p>
           <a:p>
             <a:endParaRPr lang="en-US" sz="2200" dirty="0" smtClean="0">
@@ -12578,6 +12866,313 @@
               <a:cs typeface="Monaco"/>
             </a:endParaRPr>
           </a:p>
+          <a:p>
+            <a:endParaRPr lang="en-US" sz="2200" dirty="0" smtClean="0">
+              <a:latin typeface="Monaco"/>
+              <a:cs typeface="Monaco"/>
+            </a:endParaRPr>
+          </a:p>
+          <a:p>
+            <a:r>
+              <a:rPr lang="en-US" sz="2200" dirty="0" smtClean="0">
+                <a:latin typeface="Monaco"/>
+                <a:cs typeface="Monaco"/>
+              </a:rPr>
+              <a:t># Use </a:t>
+            </a:r>
+            <a:r>
+              <a:rPr lang="en-US" sz="2200" i="1" dirty="0" smtClean="0">
+                <a:solidFill>
+                  <a:srgbClr val="DC5924"/>
+                </a:solidFill>
+                <a:latin typeface="Monaco"/>
+                <a:cs typeface="Monaco"/>
+              </a:rPr>
+              <a:t>with</a:t>
+            </a:r>
+            <a:r>
+              <a:rPr lang="en-US" sz="2200" i="1" dirty="0" smtClean="0">
+                <a:latin typeface="Monaco"/>
+                <a:cs typeface="Monaco"/>
+              </a:rPr>
+              <a:t> control-flow </a:t>
+            </a:r>
+            <a:r>
+              <a:rPr lang="en-US" sz="2200" dirty="0" smtClean="0">
+                <a:latin typeface="Monaco"/>
+                <a:cs typeface="Monaco"/>
+              </a:rPr>
+              <a:t>(no need for close!)</a:t>
+            </a:r>
+          </a:p>
+          <a:p>
+            <a:r>
+              <a:rPr lang="en-US" sz="2200" dirty="0" smtClean="0">
+                <a:solidFill>
+                  <a:schemeClr val="accent5"/>
+                </a:solidFill>
+                <a:latin typeface="Monaco"/>
+                <a:cs typeface="Monaco"/>
+              </a:rPr>
+              <a:t>with</a:t>
+            </a:r>
+            <a:r>
+              <a:rPr lang="en-US" sz="2200" dirty="0" smtClean="0">
+                <a:latin typeface="Monaco"/>
+                <a:cs typeface="Monaco"/>
+              </a:rPr>
+              <a:t> open(filename, "r") </a:t>
+            </a:r>
+            <a:r>
+              <a:rPr lang="en-US" sz="2200" dirty="0" smtClean="0">
+                <a:solidFill>
+                  <a:schemeClr val="accent5"/>
+                </a:solidFill>
+                <a:latin typeface="Monaco"/>
+                <a:cs typeface="Monaco"/>
+              </a:rPr>
+              <a:t>as</a:t>
+            </a:r>
+            <a:r>
+              <a:rPr lang="en-US" sz="2200" dirty="0" smtClean="0">
+                <a:latin typeface="Monaco"/>
+                <a:cs typeface="Monaco"/>
+              </a:rPr>
+              <a:t> file_handle:</a:t>
+            </a:r>
+          </a:p>
+          <a:p>
+            <a:r>
+              <a:rPr lang="en-US" sz="2200" dirty="0" smtClean="0">
+                <a:latin typeface="Monaco"/>
+                <a:cs typeface="Monaco"/>
+              </a:rPr>
+              <a:t>	# do stuff to file_handle</a:t>
+            </a:r>
+          </a:p>
+          <a:p>
+            <a:endParaRPr lang="en-US" sz="2200" dirty="0" smtClean="0">
+              <a:latin typeface="Monaco"/>
+              <a:cs typeface="Monaco"/>
+            </a:endParaRPr>
+          </a:p>
+        </p:txBody>
+      </p:sp>
+    </p:spTree>
+    <p:extLst>
+      <p:ext uri="{BB962C8B-B14F-4D97-AF65-F5344CB8AC3E}">
+        <p14:creationId xmlns:p14="http://schemas.microsoft.com/office/powerpoint/2010/main" val="352099116"/>
+      </p:ext>
+    </p:extLst>
+  </p:cSld>
+  <p:clrMapOvr>
+    <a:masterClrMapping/>
+  </p:clrMapOvr>
+</p:sld>
+</file>
+
+<file path=ppt/slides/slide46.xml><?xml version="1.0" encoding="utf-8"?>
+<p:sld xmlns:a="http://schemas.openxmlformats.org/drawingml/2006/main" xmlns:r="http://schemas.openxmlformats.org/officeDocument/2006/relationships" xmlns:p="http://schemas.openxmlformats.org/presentationml/2006/main">
+  <p:cSld>
+    <p:spTree>
+      <p:nvGrpSpPr>
+        <p:cNvPr id="1" name=""/>
+        <p:cNvGrpSpPr/>
+        <p:nvPr/>
+      </p:nvGrpSpPr>
+      <p:grpSpPr>
+        <a:xfrm>
+          <a:off x="0" y="0"/>
+          <a:ext cx="0" cy="0"/>
+          <a:chOff x="0" y="0"/>
+          <a:chExt cx="0" cy="0"/>
+        </a:xfrm>
+      </p:grpSpPr>
+      <p:sp>
+        <p:nvSpPr>
+          <p:cNvPr id="2" name="Title 1"/>
+          <p:cNvSpPr>
+            <a:spLocks noGrp="1"/>
+          </p:cNvSpPr>
+          <p:nvPr>
+            <p:ph type="title"/>
+          </p:nvPr>
+        </p:nvSpPr>
+        <p:spPr/>
+        <p:txBody>
+          <a:bodyPr/>
+          <a:lstStyle/>
+          <a:p>
+            <a:r>
+              <a:rPr lang="en-US" dirty="0" smtClean="0"/>
+              <a:t>but </a:t>
+            </a:r>
+            <a:r>
+              <a:rPr lang="en-US" dirty="0" err="1" smtClean="0"/>
+              <a:t>stephanie</a:t>
+            </a:r>
+            <a:r>
+              <a:rPr lang="en-US" dirty="0" smtClean="0"/>
+              <a:t>, I'm really lazy!</a:t>
+            </a:r>
+            <a:endParaRPr lang="en-US" dirty="0"/>
+          </a:p>
+        </p:txBody>
+      </p:sp>
+      <p:sp>
+        <p:nvSpPr>
+          <p:cNvPr id="7" name="TextBox 6"/>
+          <p:cNvSpPr txBox="1"/>
+          <p:nvPr/>
+        </p:nvSpPr>
+        <p:spPr>
+          <a:xfrm>
+            <a:off x="457199" y="2009989"/>
+            <a:ext cx="8338444" cy="3477875"/>
+          </a:xfrm>
+          <a:prstGeom prst="rect">
+            <a:avLst/>
+          </a:prstGeom>
+          <a:noFill/>
+        </p:spPr>
+        <p:txBody>
+          <a:bodyPr wrap="square" rtlCol="0">
+            <a:spAutoFit/>
+          </a:bodyPr>
+          <a:lstStyle/>
+          <a:p>
+            <a:r>
+              <a:rPr lang="en-US" sz="2200" dirty="0" smtClean="0">
+                <a:latin typeface="Monaco"/>
+                <a:cs typeface="Monaco"/>
+              </a:rPr>
+              <a:t># Use open and close</a:t>
+            </a:r>
+            <a:endParaRPr lang="en-US" sz="2200" dirty="0">
+              <a:latin typeface="Monaco"/>
+              <a:cs typeface="Monaco"/>
+            </a:endParaRPr>
+          </a:p>
+          <a:p>
+            <a:r>
+              <a:rPr lang="en-US" sz="2200" dirty="0" smtClean="0">
+                <a:latin typeface="Monaco"/>
+                <a:cs typeface="Monaco"/>
+              </a:rPr>
+              <a:t>file_handle = open(filename, "r")</a:t>
+            </a:r>
+          </a:p>
+          <a:p>
+            <a:r>
+              <a:rPr lang="en-US" sz="2200" dirty="0" smtClean="0">
+                <a:latin typeface="Monaco"/>
+                <a:cs typeface="Monaco"/>
+              </a:rPr>
+              <a:t>file_handle.close()</a:t>
+            </a:r>
+          </a:p>
+          <a:p>
+            <a:endParaRPr lang="en-US" sz="2200" dirty="0">
+              <a:latin typeface="Monaco"/>
+              <a:cs typeface="Monaco"/>
+            </a:endParaRPr>
+          </a:p>
+          <a:p>
+            <a:endParaRPr lang="en-US" sz="2200" dirty="0" smtClean="0">
+              <a:latin typeface="Monaco"/>
+              <a:cs typeface="Monaco"/>
+            </a:endParaRPr>
+          </a:p>
+          <a:p>
+            <a:endParaRPr lang="en-US" sz="2200" dirty="0" smtClean="0">
+              <a:latin typeface="Monaco"/>
+              <a:cs typeface="Monaco"/>
+            </a:endParaRPr>
+          </a:p>
+          <a:p>
+            <a:r>
+              <a:rPr lang="en-US" sz="2200" dirty="0" smtClean="0">
+                <a:latin typeface="Monaco"/>
+                <a:cs typeface="Monaco"/>
+              </a:rPr>
+              <a:t># Use </a:t>
+            </a:r>
+            <a:r>
+              <a:rPr lang="en-US" sz="2200" i="1" dirty="0" smtClean="0">
+                <a:solidFill>
+                  <a:srgbClr val="DC5924"/>
+                </a:solidFill>
+                <a:latin typeface="Monaco"/>
+                <a:cs typeface="Monaco"/>
+              </a:rPr>
+              <a:t>with</a:t>
+            </a:r>
+            <a:r>
+              <a:rPr lang="en-US" sz="2200" i="1" dirty="0" smtClean="0">
+                <a:latin typeface="Monaco"/>
+                <a:cs typeface="Monaco"/>
+              </a:rPr>
+              <a:t> control-flow </a:t>
+            </a:r>
+            <a:r>
+              <a:rPr lang="en-US" sz="2200" dirty="0" smtClean="0">
+                <a:latin typeface="Monaco"/>
+                <a:cs typeface="Monaco"/>
+              </a:rPr>
+              <a:t>(no need for close!)</a:t>
+            </a:r>
+          </a:p>
+          <a:p>
+            <a:r>
+              <a:rPr lang="en-US" sz="2200" dirty="0" smtClean="0">
+                <a:solidFill>
+                  <a:schemeClr val="accent5"/>
+                </a:solidFill>
+                <a:latin typeface="Monaco"/>
+                <a:cs typeface="Monaco"/>
+              </a:rPr>
+              <a:t>with</a:t>
+            </a:r>
+            <a:r>
+              <a:rPr lang="en-US" sz="2200" dirty="0" smtClean="0">
+                <a:latin typeface="Monaco"/>
+                <a:cs typeface="Monaco"/>
+              </a:rPr>
+              <a:t> open(filename, "r") </a:t>
+            </a:r>
+            <a:r>
+              <a:rPr lang="en-US" sz="2200" dirty="0" smtClean="0">
+                <a:solidFill>
+                  <a:schemeClr val="accent5"/>
+                </a:solidFill>
+                <a:latin typeface="Monaco"/>
+                <a:cs typeface="Monaco"/>
+              </a:rPr>
+              <a:t>as</a:t>
+            </a:r>
+            <a:r>
+              <a:rPr lang="en-US" sz="2200" dirty="0" smtClean="0">
+                <a:latin typeface="Monaco"/>
+                <a:cs typeface="Monaco"/>
+              </a:rPr>
+              <a:t> file_handle:</a:t>
+            </a:r>
+          </a:p>
+          <a:p>
+            <a:r>
+              <a:rPr lang="en-US" sz="2200" dirty="0" smtClean="0">
+                <a:latin typeface="Monaco"/>
+                <a:cs typeface="Monaco"/>
+              </a:rPr>
+              <a:t>	# do stuff to file_handle</a:t>
+            </a:r>
+          </a:p>
+          <a:p>
+            <a:endParaRPr lang="en-US" sz="2200" dirty="0" smtClean="0">
+              <a:latin typeface="Monaco"/>
+              <a:cs typeface="Monaco"/>
+            </a:endParaRPr>
+          </a:p>
         </p:txBody>
       </p:sp>
       <p:sp>
@@ -12588,8 +13183,8 @@
         </p:nvSpPr>
         <p:spPr>
           <a:xfrm>
-            <a:off x="581850" y="5101432"/>
-            <a:ext cx="374620" cy="261937"/>
+            <a:off x="581850" y="4729844"/>
+            <a:ext cx="374620" cy="348665"/>
           </a:xfrm>
           <a:prstGeom prst="rect">
             <a:avLst/>
@@ -12633,7 +13228,7 @@
         </p:nvSpPr>
         <p:spPr>
           <a:xfrm>
-            <a:off x="7099104" y="4821910"/>
+            <a:off x="7099104" y="4467907"/>
             <a:ext cx="170141" cy="261937"/>
           </a:xfrm>
           <a:prstGeom prst="rect">
@@ -12683,7 +13278,7 @@
 </p:sld>
 </file>
 
-<file path=ppt/slides/slide43.xml><?xml version="1.0" encoding="utf-8"?>
+<file path=ppt/slides/slide47.xml><?xml version="1.0" encoding="utf-8"?>
 <p:sld xmlns:a="http://schemas.openxmlformats.org/drawingml/2006/main" xmlns:r="http://schemas.openxmlformats.org/officeDocument/2006/relationships" xmlns:p="http://schemas.openxmlformats.org/presentationml/2006/main">
   <p:cSld>
     <p:spTree>
@@ -12893,7 +13488,7 @@
 </p:sld>
 </file>
 
-<file path=ppt/slides/slide44.xml><?xml version="1.0" encoding="utf-8"?>
+<file path=ppt/slides/slide48.xml><?xml version="1.0" encoding="utf-8"?>
 <p:sld xmlns:a="http://schemas.openxmlformats.org/drawingml/2006/main" xmlns:r="http://schemas.openxmlformats.org/officeDocument/2006/relationships" xmlns:p="http://schemas.openxmlformats.org/presentationml/2006/main">
   <p:cSld>
     <p:spTree>
@@ -12942,7 +13537,7 @@
         <p:spPr>
           <a:xfrm>
             <a:off x="457199" y="1558432"/>
-            <a:ext cx="8338444" cy="2031325"/>
+            <a:ext cx="8338444" cy="5078314"/>
           </a:xfrm>
           <a:prstGeom prst="rect">
             <a:avLst/>
@@ -12961,13 +13556,10 @@
             </a:endParaRPr>
           </a:p>
           <a:p>
-            <a:r>
-              <a:rPr lang="en-US" dirty="0" smtClean="0">
-                <a:latin typeface="Monaco"/>
-                <a:cs typeface="Monaco"/>
-              </a:rPr>
-              <a:t># Solution: include the full path!</a:t>
-            </a:r>
+            <a:endParaRPr lang="en-US" dirty="0">
+              <a:latin typeface="Monaco"/>
+              <a:cs typeface="Monaco"/>
+            </a:endParaRPr>
           </a:p>
           <a:p>
             <a:endParaRPr lang="en-US" dirty="0" smtClean="0">
@@ -12981,16 +13573,21 @@
                 <a:latin typeface="Monaco"/>
                 <a:cs typeface="Monaco"/>
               </a:rPr>
-              <a:t>filename = "my_file.txt"</a:t>
-            </a:r>
-          </a:p>
-          <a:p>
-            <a:r>
-              <a:rPr lang="en-US" dirty="0" smtClean="0">
-                <a:latin typeface="Monaco"/>
-                <a:cs typeface="Monaco"/>
-              </a:rPr>
-              <a:t>path = "/path/to/files/"</a:t>
+              <a:t>filename = "</a:t>
+            </a:r>
+            <a:r>
+              <a:rPr lang="en-US" dirty="0" err="1" smtClean="0">
+                <a:latin typeface="Monaco"/>
+                <a:cs typeface="Monaco"/>
+              </a:rPr>
+              <a:t>my_file.txt</a:t>
+            </a:r>
+            <a:r>
+              <a:rPr lang="en-US" dirty="0" smtClean="0">
+                <a:latin typeface="Monaco"/>
+                <a:cs typeface="Monaco"/>
+              </a:rPr>
+              <a:t>"</a:t>
             </a:r>
           </a:p>
           <a:p>
@@ -13005,6 +13602,144 @@
                 <a:latin typeface="Monaco"/>
                 <a:cs typeface="Monaco"/>
               </a:rPr>
+              <a:t>file_handle = open(filename, "r")</a:t>
+            </a:r>
+          </a:p>
+          <a:p>
+            <a:r>
+              <a:rPr lang="en-US" dirty="0" smtClean="0">
+                <a:solidFill>
+                  <a:schemeClr val="tx2"/>
+                </a:solidFill>
+                <a:latin typeface="Monaco"/>
+                <a:cs typeface="Monaco"/>
+              </a:rPr>
+              <a:t>	</a:t>
+            </a:r>
+            <a:r>
+              <a:rPr lang="en-US" dirty="0" err="1" smtClean="0">
+                <a:solidFill>
+                  <a:schemeClr val="tx2"/>
+                </a:solidFill>
+                <a:latin typeface="Monaco"/>
+                <a:cs typeface="Monaco"/>
+              </a:rPr>
+              <a:t>IOError</a:t>
+            </a:r>
+            <a:r>
+              <a:rPr lang="en-US" dirty="0">
+                <a:solidFill>
+                  <a:schemeClr val="tx2"/>
+                </a:solidFill>
+                <a:latin typeface="Monaco"/>
+                <a:cs typeface="Monaco"/>
+              </a:rPr>
+              <a:t>: [</a:t>
+            </a:r>
+            <a:r>
+              <a:rPr lang="en-US" dirty="0" err="1">
+                <a:solidFill>
+                  <a:schemeClr val="tx2"/>
+                </a:solidFill>
+                <a:latin typeface="Monaco"/>
+                <a:cs typeface="Monaco"/>
+              </a:rPr>
+              <a:t>Errno</a:t>
+            </a:r>
+            <a:r>
+              <a:rPr lang="en-US" dirty="0">
+                <a:solidFill>
+                  <a:schemeClr val="tx2"/>
+                </a:solidFill>
+                <a:latin typeface="Monaco"/>
+                <a:cs typeface="Monaco"/>
+              </a:rPr>
+              <a:t> 2] No such file or directory: '</a:t>
+            </a:r>
+            <a:r>
+              <a:rPr lang="en-US" dirty="0" err="1" smtClean="0">
+                <a:solidFill>
+                  <a:schemeClr val="tx2"/>
+                </a:solidFill>
+                <a:latin typeface="Monaco"/>
+                <a:cs typeface="Monaco"/>
+              </a:rPr>
+              <a:t>my_file.txt</a:t>
+            </a:r>
+            <a:r>
+              <a:rPr lang="en-US" dirty="0">
+                <a:solidFill>
+                  <a:schemeClr val="tx2"/>
+                </a:solidFill>
+                <a:latin typeface="Monaco"/>
+                <a:cs typeface="Monaco"/>
+              </a:rPr>
+              <a:t>'</a:t>
+            </a:r>
+          </a:p>
+          <a:p>
+            <a:endParaRPr lang="en-US" dirty="0">
+              <a:solidFill>
+                <a:schemeClr val="tx2"/>
+              </a:solidFill>
+              <a:latin typeface="Monaco"/>
+              <a:cs typeface="Monaco"/>
+            </a:endParaRPr>
+          </a:p>
+          <a:p>
+            <a:endParaRPr lang="en-US" dirty="0">
+              <a:solidFill>
+                <a:schemeClr val="tx2"/>
+              </a:solidFill>
+              <a:latin typeface="Monaco"/>
+              <a:cs typeface="Monaco"/>
+            </a:endParaRPr>
+          </a:p>
+          <a:p>
+            <a:r>
+              <a:rPr lang="en-US" dirty="0">
+                <a:latin typeface="Monaco"/>
+                <a:cs typeface="Monaco"/>
+              </a:rPr>
+              <a:t># Solution: include the full path!</a:t>
+            </a:r>
+          </a:p>
+          <a:p>
+            <a:endParaRPr lang="en-US" dirty="0">
+              <a:latin typeface="Monaco"/>
+              <a:cs typeface="Monaco"/>
+            </a:endParaRPr>
+          </a:p>
+          <a:p>
+            <a:r>
+              <a:rPr lang="en-US" dirty="0">
+                <a:latin typeface="Monaco"/>
+                <a:cs typeface="Monaco"/>
+              </a:rPr>
+              <a:t>filename = "my_file.txt"</a:t>
+            </a:r>
+          </a:p>
+          <a:p>
+            <a:r>
+              <a:rPr lang="en-US" dirty="0">
+                <a:latin typeface="Monaco"/>
+                <a:cs typeface="Monaco"/>
+              </a:rPr>
+              <a:t>path = "/path/to/files/"</a:t>
+            </a:r>
+          </a:p>
+          <a:p>
+            <a:endParaRPr lang="en-US" dirty="0">
+              <a:latin typeface="Monaco"/>
+              <a:cs typeface="Monaco"/>
+            </a:endParaRPr>
+          </a:p>
+          <a:p>
+            <a:r>
+              <a:rPr lang="en-US" dirty="0">
+                <a:latin typeface="Monaco"/>
+                <a:cs typeface="Monaco"/>
+              </a:rPr>
               <a:t>file_handle = open(path + filename, "r"</a:t>
             </a:r>
             <a:r>
@@ -13014,6 +13749,21 @@
               </a:rPr>
               <a:t>)</a:t>
             </a:r>
+            <a:endParaRPr lang="en-US" dirty="0">
+              <a:latin typeface="Monaco"/>
+              <a:cs typeface="Monaco"/>
+            </a:endParaRPr>
+          </a:p>
+          <a:p>
+            <a:endParaRPr lang="en-US" dirty="0">
+              <a:solidFill>
+                <a:schemeClr val="tx2"/>
+              </a:solidFill>
+              <a:latin typeface="Monaco"/>
+              <a:cs typeface="Monaco"/>
+            </a:endParaRPr>
+          </a:p>
+          <a:p>
             <a:endParaRPr lang="en-US" dirty="0" smtClean="0">
               <a:latin typeface="Monaco"/>
               <a:cs typeface="Monaco"/>
@@ -13024,7 +13774,7 @@
     </p:spTree>
     <p:extLst>
       <p:ext uri="{BB962C8B-B14F-4D97-AF65-F5344CB8AC3E}">
-        <p14:creationId xmlns:p14="http://schemas.microsoft.com/office/powerpoint/2010/main" val="333159187"/>
+        <p14:creationId xmlns:p14="http://schemas.microsoft.com/office/powerpoint/2010/main" val="3417604356"/>
       </p:ext>
     </p:extLst>
   </p:cSld>
@@ -13034,214 +13784,7 @@
 </p:sld>
 </file>
 
-<file path=ppt/slides/slide45.xml><?xml version="1.0" encoding="utf-8"?>
-<p:sld xmlns:a="http://schemas.openxmlformats.org/drawingml/2006/main" xmlns:r="http://schemas.openxmlformats.org/officeDocument/2006/relationships" xmlns:p="http://schemas.openxmlformats.org/presentationml/2006/main">
-  <p:cSld>
-    <p:spTree>
-      <p:nvGrpSpPr>
-        <p:cNvPr id="1" name=""/>
-        <p:cNvGrpSpPr/>
-        <p:nvPr/>
-      </p:nvGrpSpPr>
-      <p:grpSpPr>
-        <a:xfrm>
-          <a:off x="0" y="0"/>
-          <a:ext cx="0" cy="0"/>
-          <a:chOff x="0" y="0"/>
-          <a:chExt cx="0" cy="0"/>
-        </a:xfrm>
-      </p:grpSpPr>
-      <p:sp>
-        <p:nvSpPr>
-          <p:cNvPr id="2" name="Title 1"/>
-          <p:cNvSpPr>
-            <a:spLocks noGrp="1"/>
-          </p:cNvSpPr>
-          <p:nvPr>
-            <p:ph type="title"/>
-          </p:nvPr>
-        </p:nvSpPr>
-        <p:spPr/>
-        <p:txBody>
-          <a:bodyPr/>
-          <a:lstStyle/>
-          <a:p>
-            <a:r>
-              <a:rPr lang="en-US" dirty="0" smtClean="0"/>
-              <a:t>remember file paths!!</a:t>
-            </a:r>
-            <a:endParaRPr lang="en-US" dirty="0"/>
-          </a:p>
-        </p:txBody>
-      </p:sp>
-      <p:sp>
-        <p:nvSpPr>
-          <p:cNvPr id="4" name="TextBox 3"/>
-          <p:cNvSpPr txBox="1"/>
-          <p:nvPr/>
-        </p:nvSpPr>
-        <p:spPr>
-          <a:xfrm>
-            <a:off x="457199" y="1558432"/>
-            <a:ext cx="8338444" cy="3970318"/>
-          </a:xfrm>
-          <a:prstGeom prst="rect">
-            <a:avLst/>
-          </a:prstGeom>
-          <a:noFill/>
-        </p:spPr>
-        <p:txBody>
-          <a:bodyPr wrap="square" rtlCol="0">
-            <a:spAutoFit/>
-          </a:bodyPr>
-          <a:lstStyle/>
-          <a:p>
-            <a:endParaRPr lang="en-US" dirty="0" smtClean="0">
-              <a:latin typeface="Monaco"/>
-              <a:cs typeface="Monaco"/>
-            </a:endParaRPr>
-          </a:p>
-          <a:p>
-            <a:r>
-              <a:rPr lang="en-US" dirty="0" smtClean="0">
-                <a:latin typeface="Monaco"/>
-                <a:cs typeface="Monaco"/>
-              </a:rPr>
-              <a:t># Solution: include the full path!</a:t>
-            </a:r>
-          </a:p>
-          <a:p>
-            <a:endParaRPr lang="en-US" dirty="0" smtClean="0">
-              <a:latin typeface="Monaco"/>
-              <a:cs typeface="Monaco"/>
-            </a:endParaRPr>
-          </a:p>
-          <a:p>
-            <a:r>
-              <a:rPr lang="en-US" dirty="0" smtClean="0">
-                <a:latin typeface="Monaco"/>
-                <a:cs typeface="Monaco"/>
-              </a:rPr>
-              <a:t>filename = "my_file.txt"</a:t>
-            </a:r>
-          </a:p>
-          <a:p>
-            <a:r>
-              <a:rPr lang="en-US" dirty="0" smtClean="0">
-                <a:latin typeface="Monaco"/>
-                <a:cs typeface="Monaco"/>
-              </a:rPr>
-              <a:t>path = "/path/to/files/"</a:t>
-            </a:r>
-          </a:p>
-          <a:p>
-            <a:endParaRPr lang="en-US" dirty="0">
-              <a:latin typeface="Monaco"/>
-              <a:cs typeface="Monaco"/>
-            </a:endParaRPr>
-          </a:p>
-          <a:p>
-            <a:r>
-              <a:rPr lang="en-US" dirty="0" smtClean="0">
-                <a:latin typeface="Monaco"/>
-                <a:cs typeface="Monaco"/>
-              </a:rPr>
-              <a:t>file_handle = open(path + filename, "r")</a:t>
-            </a:r>
-          </a:p>
-          <a:p>
-            <a:endParaRPr lang="en-US" dirty="0" smtClean="0">
-              <a:solidFill>
-                <a:srgbClr val="000000"/>
-              </a:solidFill>
-              <a:latin typeface="Monaco"/>
-              <a:cs typeface="Monaco"/>
-            </a:endParaRPr>
-          </a:p>
-          <a:p>
-            <a:r>
-              <a:rPr lang="en-US" dirty="0" smtClean="0">
-                <a:solidFill>
-                  <a:srgbClr val="000000"/>
-                </a:solidFill>
-                <a:latin typeface="Monaco"/>
-                <a:cs typeface="Monaco"/>
-              </a:rPr>
-              <a:t># OR!</a:t>
-            </a:r>
-          </a:p>
-          <a:p>
-            <a:r>
-              <a:rPr lang="en-US" dirty="0" smtClean="0">
-                <a:solidFill>
-                  <a:srgbClr val="000000"/>
-                </a:solidFill>
-                <a:latin typeface="Monaco"/>
-                <a:cs typeface="Monaco"/>
-              </a:rPr>
-              <a:t>filename_with_path = "path/to/files/my_file.txt")</a:t>
-            </a:r>
-          </a:p>
-          <a:p>
-            <a:r>
-              <a:rPr lang="en-US" dirty="0">
-                <a:latin typeface="Monaco"/>
-                <a:cs typeface="Monaco"/>
-              </a:rPr>
-              <a:t>file_handle = open</a:t>
-            </a:r>
-            <a:r>
-              <a:rPr lang="en-US" dirty="0" smtClean="0">
-                <a:latin typeface="Monaco"/>
-                <a:cs typeface="Monaco"/>
-              </a:rPr>
-              <a:t>(filename_with_path, </a:t>
-            </a:r>
-            <a:r>
-              <a:rPr lang="en-US" dirty="0">
-                <a:latin typeface="Monaco"/>
-                <a:cs typeface="Monaco"/>
-              </a:rPr>
-              <a:t>"r")</a:t>
-            </a:r>
-          </a:p>
-          <a:p>
-            <a:endParaRPr lang="en-US" dirty="0">
-              <a:solidFill>
-                <a:schemeClr val="tx2"/>
-              </a:solidFill>
-              <a:latin typeface="Monaco"/>
-              <a:cs typeface="Monaco"/>
-            </a:endParaRPr>
-          </a:p>
-          <a:p>
-            <a:endParaRPr lang="en-US" dirty="0">
-              <a:latin typeface="Monaco"/>
-              <a:cs typeface="Monaco"/>
-            </a:endParaRPr>
-          </a:p>
-          <a:p>
-            <a:endParaRPr lang="en-US" dirty="0" smtClean="0">
-              <a:latin typeface="Monaco"/>
-              <a:cs typeface="Monaco"/>
-            </a:endParaRPr>
-          </a:p>
-        </p:txBody>
-      </p:sp>
-    </p:spTree>
-    <p:extLst>
-      <p:ext uri="{BB962C8B-B14F-4D97-AF65-F5344CB8AC3E}">
-        <p14:creationId xmlns:p14="http://schemas.microsoft.com/office/powerpoint/2010/main" val="3712131961"/>
-      </p:ext>
-    </p:extLst>
-  </p:cSld>
-  <p:clrMapOvr>
-    <a:masterClrMapping/>
-  </p:clrMapOvr>
-</p:sld>
-</file>
-
-<file path=ppt/slides/slide46.xml><?xml version="1.0" encoding="utf-8"?>
+<file path=ppt/slides/slide49.xml><?xml version="1.0" encoding="utf-8"?>
 <p:sld xmlns:a="http://schemas.openxmlformats.org/drawingml/2006/main" xmlns:r="http://schemas.openxmlformats.org/officeDocument/2006/relationships" xmlns:p="http://schemas.openxmlformats.org/presentationml/2006/main">
   <p:cSld>
     <p:spTree>
@@ -13333,7 +13876,7 @@
           <a:p>
             <a:r>
               <a:rPr lang="en-US" dirty="0" smtClean="0"/>
-              <a:t>writing custom functions</a:t>
+              <a:t>functions in python</a:t>
             </a:r>
             <a:endParaRPr lang="en-US" dirty="0"/>
           </a:p>
@@ -13351,7 +13894,9 @@
         </p:nvSpPr>
         <p:spPr/>
         <p:txBody>
-          <a:bodyPr/>
+          <a:bodyPr>
+            <a:normAutofit/>
+          </a:bodyPr>
           <a:lstStyle/>
           <a:p>
             <a:pPr marL="457200" indent="-457200">
@@ -13360,7 +13905,32 @@
             </a:pPr>
             <a:r>
               <a:rPr lang="en-US" dirty="0" smtClean="0"/>
-              <a:t>Reference example:</a:t>
+              <a:t>We</a:t>
+            </a:r>
+            <a:r>
+              <a:rPr lang="fr-FR" dirty="0" smtClean="0"/>
+              <a:t>’</a:t>
+            </a:r>
+            <a:r>
+              <a:rPr lang="en-US" dirty="0" err="1" smtClean="0"/>
+              <a:t>ve</a:t>
+            </a:r>
+            <a:r>
+              <a:rPr lang="en-US" dirty="0" smtClean="0"/>
+              <a:t> used several built-in functions:</a:t>
+            </a:r>
+          </a:p>
+          <a:p>
+            <a:pPr marL="914400" lvl="1" indent="-457200">
+              <a:buFont typeface="Arial"/>
+              <a:buChar char="•"/>
+            </a:pPr>
+            <a:r>
+              <a:rPr lang="en-US" dirty="0" smtClean="0">
+                <a:latin typeface="Monaco"/>
+                <a:cs typeface="Monaco"/>
+              </a:rPr>
+              <a:t>len(), sum(), round()</a:t>
             </a:r>
           </a:p>
           <a:p>
@@ -13375,141 +13945,57 @@
               <a:buFont typeface="Arial"/>
               <a:buChar char="•"/>
             </a:pPr>
-            <a:endParaRPr lang="en-US" dirty="0" smtClean="0"/>
-          </a:p>
-          <a:p>
-            <a:endParaRPr lang="en-US" sz="2000" dirty="0"/>
-          </a:p>
-        </p:txBody>
-      </p:sp>
-      <p:sp>
-        <p:nvSpPr>
-          <p:cNvPr id="4" name="TextBox 3"/>
-          <p:cNvSpPr txBox="1"/>
-          <p:nvPr/>
-        </p:nvSpPr>
-        <p:spPr>
-          <a:xfrm>
-            <a:off x="1035539" y="2414085"/>
-            <a:ext cx="5109893" cy="1631216"/>
-          </a:xfrm>
-          <a:prstGeom prst="rect">
-            <a:avLst/>
-          </a:prstGeom>
-          <a:noFill/>
-        </p:spPr>
-        <p:txBody>
-          <a:bodyPr wrap="none" rtlCol="0">
-            <a:spAutoFit/>
-          </a:bodyPr>
-          <a:lstStyle/>
-          <a:p>
-            <a:r>
-              <a:rPr lang="en-US" sz="2000" dirty="0">
-                <a:latin typeface="Monaco"/>
-                <a:cs typeface="Monaco"/>
-              </a:rPr>
-              <a:t>my_list = [1, 2, 3, 4, 5, 6</a:t>
-            </a:r>
-            <a:r>
-              <a:rPr lang="en-US" sz="2000" dirty="0" smtClean="0">
-                <a:latin typeface="Monaco"/>
-                <a:cs typeface="Monaco"/>
-              </a:rPr>
-              <a:t>]</a:t>
-            </a:r>
-          </a:p>
-          <a:p>
-            <a:endParaRPr lang="en-US" sz="2000" dirty="0">
-              <a:latin typeface="Monaco"/>
-              <a:cs typeface="Monaco"/>
-            </a:endParaRPr>
-          </a:p>
-          <a:p>
-            <a:r>
-              <a:rPr lang="en-US" sz="2000" dirty="0">
-                <a:solidFill>
-                  <a:schemeClr val="accent3"/>
-                </a:solidFill>
-                <a:latin typeface="Monaco"/>
-                <a:cs typeface="Monaco"/>
-              </a:rPr>
-              <a:t>a</a:t>
-            </a:r>
-            <a:r>
-              <a:rPr lang="en-US" sz="2000" dirty="0">
-                <a:latin typeface="Monaco"/>
-                <a:cs typeface="Monaco"/>
-              </a:rPr>
-              <a:t> = </a:t>
-            </a:r>
-            <a:r>
-              <a:rPr lang="en-US" sz="2000" dirty="0" smtClean="0">
-                <a:solidFill>
-                  <a:schemeClr val="accent5"/>
-                </a:solidFill>
-                <a:latin typeface="Monaco"/>
-                <a:cs typeface="Monaco"/>
-              </a:rPr>
-              <a:t>len</a:t>
-            </a:r>
-            <a:r>
-              <a:rPr lang="en-US" sz="2000" dirty="0" smtClean="0">
-                <a:latin typeface="Monaco"/>
-                <a:cs typeface="Monaco"/>
-              </a:rPr>
-              <a:t>(</a:t>
-            </a:r>
-            <a:r>
-              <a:rPr lang="en-US" sz="2000" dirty="0">
-                <a:solidFill>
-                  <a:schemeClr val="accent6"/>
-                </a:solidFill>
-                <a:latin typeface="Monaco"/>
-                <a:cs typeface="Monaco"/>
-              </a:rPr>
-              <a:t>my_list</a:t>
-            </a:r>
-            <a:r>
-              <a:rPr lang="en-US" sz="2000" dirty="0">
-                <a:latin typeface="Monaco"/>
-                <a:cs typeface="Monaco"/>
-              </a:rPr>
-              <a:t>)  </a:t>
-            </a:r>
-            <a:r>
-              <a:rPr lang="en-US" sz="2000" dirty="0" smtClean="0">
-                <a:latin typeface="Monaco"/>
-                <a:cs typeface="Monaco"/>
-              </a:rPr>
-              <a:t> # </a:t>
-            </a:r>
-            <a:r>
-              <a:rPr lang="en-US" sz="2000" dirty="0">
-                <a:latin typeface="Monaco"/>
-                <a:cs typeface="Monaco"/>
-              </a:rPr>
-              <a:t>here, a = 6</a:t>
-            </a:r>
-          </a:p>
-          <a:p>
-            <a:r>
-              <a:rPr lang="en-US" sz="2000" dirty="0">
-                <a:latin typeface="Monaco"/>
-                <a:cs typeface="Monaco"/>
-              </a:rPr>
-              <a:t> </a:t>
-            </a:r>
-          </a:p>
-          <a:p>
-            <a:endParaRPr lang="en-US" sz="2000" dirty="0"/>
+            <a:r>
+              <a:rPr lang="en-US" dirty="0" smtClean="0"/>
+              <a:t>We can *write our own* functions too</a:t>
+            </a:r>
+          </a:p>
+          <a:p>
+            <a:pPr marL="914400" lvl="1" indent="-457200">
+              <a:buFont typeface="Arial"/>
+              <a:buChar char="•"/>
+            </a:pPr>
+            <a:r>
+              <a:rPr lang="en-US" dirty="0" smtClean="0"/>
+              <a:t>Reusability</a:t>
+            </a:r>
+          </a:p>
+          <a:p>
+            <a:pPr marL="914400" lvl="1" indent="-457200">
+              <a:buFont typeface="Arial"/>
+              <a:buChar char="•"/>
+            </a:pPr>
+            <a:r>
+              <a:rPr lang="en-US" dirty="0" smtClean="0"/>
+              <a:t>Modular design and organization</a:t>
+            </a:r>
+          </a:p>
+          <a:p>
+            <a:pPr marL="914400" lvl="1" indent="-457200">
+              <a:buFont typeface="Arial"/>
+              <a:buChar char="•"/>
+            </a:pPr>
+            <a:r>
+              <a:rPr lang="en-US" dirty="0" smtClean="0"/>
+              <a:t>Readability</a:t>
+            </a:r>
+          </a:p>
+          <a:p>
+            <a:pPr marL="914400" lvl="1" indent="-457200">
+              <a:buFont typeface="Arial"/>
+              <a:buChar char="•"/>
+            </a:pPr>
+            <a:r>
+              <a:rPr lang="en-US" dirty="0" smtClean="0"/>
+              <a:t>Debugging!!</a:t>
+            </a:r>
           </a:p>
         </p:txBody>
       </p:sp>
     </p:spTree>
     <p:extLst>
       <p:ext uri="{BB962C8B-B14F-4D97-AF65-F5344CB8AC3E}">
-        <p14:creationId xmlns:p14="http://schemas.microsoft.com/office/powerpoint/2010/main" val="1575113641"/>
+        <p14:creationId xmlns:p14="http://schemas.microsoft.com/office/powerpoint/2010/main" val="320325248"/>
       </p:ext>
     </p:extLst>
   </p:cSld>
@@ -13598,6 +14084,226 @@
             <a:endParaRPr lang="en-US" dirty="0" smtClean="0"/>
           </a:p>
           <a:p>
+            <a:endParaRPr lang="en-US" sz="2000" dirty="0"/>
+          </a:p>
+        </p:txBody>
+      </p:sp>
+      <p:sp>
+        <p:nvSpPr>
+          <p:cNvPr id="4" name="TextBox 3"/>
+          <p:cNvSpPr txBox="1"/>
+          <p:nvPr/>
+        </p:nvSpPr>
+        <p:spPr>
+          <a:xfrm>
+            <a:off x="1035539" y="2414085"/>
+            <a:ext cx="5109893" cy="1631216"/>
+          </a:xfrm>
+          <a:prstGeom prst="rect">
+            <a:avLst/>
+          </a:prstGeom>
+          <a:noFill/>
+        </p:spPr>
+        <p:txBody>
+          <a:bodyPr wrap="none" rtlCol="0">
+            <a:spAutoFit/>
+          </a:bodyPr>
+          <a:lstStyle/>
+          <a:p>
+            <a:r>
+              <a:rPr lang="en-US" sz="2000" dirty="0">
+                <a:latin typeface="Monaco"/>
+                <a:cs typeface="Monaco"/>
+              </a:rPr>
+              <a:t>my_list = [1, 2, 3, 4, 5, 6</a:t>
+            </a:r>
+            <a:r>
+              <a:rPr lang="en-US" sz="2000" dirty="0" smtClean="0">
+                <a:latin typeface="Monaco"/>
+                <a:cs typeface="Monaco"/>
+              </a:rPr>
+              <a:t>]</a:t>
+            </a:r>
+          </a:p>
+          <a:p>
+            <a:endParaRPr lang="en-US" sz="2000" dirty="0">
+              <a:latin typeface="Monaco"/>
+              <a:cs typeface="Monaco"/>
+            </a:endParaRPr>
+          </a:p>
+          <a:p>
+            <a:r>
+              <a:rPr lang="en-US" sz="2000" dirty="0">
+                <a:solidFill>
+                  <a:schemeClr val="accent3"/>
+                </a:solidFill>
+                <a:latin typeface="Monaco"/>
+                <a:cs typeface="Monaco"/>
+              </a:rPr>
+              <a:t>a</a:t>
+            </a:r>
+            <a:r>
+              <a:rPr lang="en-US" sz="2000" dirty="0">
+                <a:latin typeface="Monaco"/>
+                <a:cs typeface="Monaco"/>
+              </a:rPr>
+              <a:t> = </a:t>
+            </a:r>
+            <a:r>
+              <a:rPr lang="en-US" sz="2000" dirty="0" smtClean="0">
+                <a:solidFill>
+                  <a:schemeClr val="accent5"/>
+                </a:solidFill>
+                <a:latin typeface="Monaco"/>
+                <a:cs typeface="Monaco"/>
+              </a:rPr>
+              <a:t>len</a:t>
+            </a:r>
+            <a:r>
+              <a:rPr lang="en-US" sz="2000" dirty="0" smtClean="0">
+                <a:latin typeface="Monaco"/>
+                <a:cs typeface="Monaco"/>
+              </a:rPr>
+              <a:t>(</a:t>
+            </a:r>
+            <a:r>
+              <a:rPr lang="en-US" sz="2000" dirty="0">
+                <a:solidFill>
+                  <a:schemeClr val="accent6"/>
+                </a:solidFill>
+                <a:latin typeface="Monaco"/>
+                <a:cs typeface="Monaco"/>
+              </a:rPr>
+              <a:t>my_list</a:t>
+            </a:r>
+            <a:r>
+              <a:rPr lang="en-US" sz="2000" dirty="0">
+                <a:latin typeface="Monaco"/>
+                <a:cs typeface="Monaco"/>
+              </a:rPr>
+              <a:t>)  </a:t>
+            </a:r>
+            <a:r>
+              <a:rPr lang="en-US" sz="2000" dirty="0" smtClean="0">
+                <a:latin typeface="Monaco"/>
+                <a:cs typeface="Monaco"/>
+              </a:rPr>
+              <a:t> # </a:t>
+            </a:r>
+            <a:r>
+              <a:rPr lang="en-US" sz="2000" dirty="0">
+                <a:latin typeface="Monaco"/>
+                <a:cs typeface="Monaco"/>
+              </a:rPr>
+              <a:t>here, a = 6</a:t>
+            </a:r>
+          </a:p>
+          <a:p>
+            <a:r>
+              <a:rPr lang="en-US" sz="2000" dirty="0">
+                <a:latin typeface="Monaco"/>
+                <a:cs typeface="Monaco"/>
+              </a:rPr>
+              <a:t> </a:t>
+            </a:r>
+          </a:p>
+          <a:p>
+            <a:endParaRPr lang="en-US" sz="2000" dirty="0"/>
+          </a:p>
+        </p:txBody>
+      </p:sp>
+    </p:spTree>
+    <p:extLst>
+      <p:ext uri="{BB962C8B-B14F-4D97-AF65-F5344CB8AC3E}">
+        <p14:creationId xmlns:p14="http://schemas.microsoft.com/office/powerpoint/2010/main" val="1575113641"/>
+      </p:ext>
+    </p:extLst>
+  </p:cSld>
+  <p:clrMapOvr>
+    <a:masterClrMapping/>
+  </p:clrMapOvr>
+</p:sld>
+</file>
+
+<file path=ppt/slides/slide7.xml><?xml version="1.0" encoding="utf-8"?>
+<p:sld xmlns:a="http://schemas.openxmlformats.org/drawingml/2006/main" xmlns:r="http://schemas.openxmlformats.org/officeDocument/2006/relationships" xmlns:p="http://schemas.openxmlformats.org/presentationml/2006/main">
+  <p:cSld>
+    <p:spTree>
+      <p:nvGrpSpPr>
+        <p:cNvPr id="1" name=""/>
+        <p:cNvGrpSpPr/>
+        <p:nvPr/>
+      </p:nvGrpSpPr>
+      <p:grpSpPr>
+        <a:xfrm>
+          <a:off x="0" y="0"/>
+          <a:ext cx="0" cy="0"/>
+          <a:chOff x="0" y="0"/>
+          <a:chExt cx="0" cy="0"/>
+        </a:xfrm>
+      </p:grpSpPr>
+      <p:sp>
+        <p:nvSpPr>
+          <p:cNvPr id="2" name="Title 1"/>
+          <p:cNvSpPr>
+            <a:spLocks noGrp="1"/>
+          </p:cNvSpPr>
+          <p:nvPr>
+            <p:ph type="title"/>
+          </p:nvPr>
+        </p:nvSpPr>
+        <p:spPr/>
+        <p:txBody>
+          <a:bodyPr/>
+          <a:lstStyle/>
+          <a:p>
+            <a:r>
+              <a:rPr lang="en-US" dirty="0" smtClean="0"/>
+              <a:t>writing custom functions</a:t>
+            </a:r>
+            <a:endParaRPr lang="en-US" dirty="0"/>
+          </a:p>
+        </p:txBody>
+      </p:sp>
+      <p:sp>
+        <p:nvSpPr>
+          <p:cNvPr id="3" name="Content Placeholder 2"/>
+          <p:cNvSpPr>
+            <a:spLocks noGrp="1"/>
+          </p:cNvSpPr>
+          <p:nvPr>
+            <p:ph idx="1"/>
+          </p:nvPr>
+        </p:nvSpPr>
+        <p:spPr/>
+        <p:txBody>
+          <a:bodyPr/>
+          <a:lstStyle/>
+          <a:p>
+            <a:pPr marL="457200" indent="-457200">
+              <a:buFont typeface="Arial"/>
+              <a:buChar char="•"/>
+            </a:pPr>
+            <a:r>
+              <a:rPr lang="en-US" dirty="0" smtClean="0"/>
+              <a:t>Reference example:</a:t>
+            </a:r>
+          </a:p>
+          <a:p>
+            <a:pPr marL="457200" indent="-457200">
+              <a:buFont typeface="Arial"/>
+              <a:buChar char="•"/>
+            </a:pPr>
+            <a:endParaRPr lang="en-US" dirty="0"/>
+          </a:p>
+          <a:p>
+            <a:pPr marL="457200" indent="-457200">
+              <a:buFont typeface="Arial"/>
+              <a:buChar char="•"/>
+            </a:pPr>
+            <a:endParaRPr lang="en-US" dirty="0" smtClean="0"/>
+          </a:p>
+          <a:p>
             <a:pPr marL="457200" indent="-457200">
               <a:buFont typeface="Arial"/>
               <a:buChar char="•"/>
@@ -13800,7 +14506,7 @@
 </p:sld>
 </file>
 
-<file path=ppt/slides/slide7.xml><?xml version="1.0" encoding="utf-8"?>
+<file path=ppt/slides/slide8.xml><?xml version="1.0" encoding="utf-8"?>
 <p:sld xmlns:a="http://schemas.openxmlformats.org/drawingml/2006/main" xmlns:r="http://schemas.openxmlformats.org/officeDocument/2006/relationships" xmlns:p="http://schemas.openxmlformats.org/presentationml/2006/main">
   <p:cSld>
     <p:spTree>
@@ -14129,7 +14835,7 @@
 </p:sld>
 </file>
 
-<file path=ppt/slides/slide8.xml><?xml version="1.0" encoding="utf-8"?>
+<file path=ppt/slides/slide9.xml><?xml version="1.0" encoding="utf-8"?>
 <p:sld xmlns:a="http://schemas.openxmlformats.org/drawingml/2006/main" xmlns:r="http://schemas.openxmlformats.org/officeDocument/2006/relationships" xmlns:p="http://schemas.openxmlformats.org/presentationml/2006/main">
   <p:cSld>
     <p:spTree>
@@ -14584,302 +15290,6 @@
     <p:extLst>
       <p:ext uri="{BB962C8B-B14F-4D97-AF65-F5344CB8AC3E}">
         <p14:creationId xmlns:p14="http://schemas.microsoft.com/office/powerpoint/2010/main" val="2399826621"/>
-      </p:ext>
-    </p:extLst>
-  </p:cSld>
-  <p:clrMapOvr>
-    <a:masterClrMapping/>
-  </p:clrMapOvr>
-</p:sld>
-</file>
-
-<file path=ppt/slides/slide9.xml><?xml version="1.0" encoding="utf-8"?>
-<p:sld xmlns:a="http://schemas.openxmlformats.org/drawingml/2006/main" xmlns:r="http://schemas.openxmlformats.org/officeDocument/2006/relationships" xmlns:p="http://schemas.openxmlformats.org/presentationml/2006/main">
-  <p:cSld>
-    <p:spTree>
-      <p:nvGrpSpPr>
-        <p:cNvPr id="1" name=""/>
-        <p:cNvGrpSpPr/>
-        <p:nvPr/>
-      </p:nvGrpSpPr>
-      <p:grpSpPr>
-        <a:xfrm>
-          <a:off x="0" y="0"/>
-          <a:ext cx="0" cy="0"/>
-          <a:chOff x="0" y="0"/>
-          <a:chExt cx="0" cy="0"/>
-        </a:xfrm>
-      </p:grpSpPr>
-      <p:sp>
-        <p:nvSpPr>
-          <p:cNvPr id="2" name="Title 1"/>
-          <p:cNvSpPr>
-            <a:spLocks noGrp="1"/>
-          </p:cNvSpPr>
-          <p:nvPr>
-            <p:ph type="title"/>
-          </p:nvPr>
-        </p:nvSpPr>
-        <p:spPr/>
-        <p:txBody>
-          <a:bodyPr/>
-          <a:lstStyle/>
-          <a:p>
-            <a:r>
-              <a:rPr lang="en-US" dirty="0" smtClean="0"/>
-              <a:t>so how can we re-write the len() function?</a:t>
-            </a:r>
-            <a:endParaRPr lang="en-US" dirty="0"/>
-          </a:p>
-        </p:txBody>
-      </p:sp>
-      <p:sp>
-        <p:nvSpPr>
-          <p:cNvPr id="4" name="TextBox 3"/>
-          <p:cNvSpPr txBox="1"/>
-          <p:nvPr/>
-        </p:nvSpPr>
-        <p:spPr>
-          <a:xfrm>
-            <a:off x="457199" y="1770509"/>
-            <a:ext cx="8338444" cy="2862323"/>
-          </a:xfrm>
-          <a:prstGeom prst="rect">
-            <a:avLst/>
-          </a:prstGeom>
-          <a:noFill/>
-        </p:spPr>
-        <p:txBody>
-          <a:bodyPr wrap="square" rtlCol="0">
-            <a:spAutoFit/>
-          </a:bodyPr>
-          <a:lstStyle/>
-          <a:p>
-            <a:r>
-              <a:rPr lang="en-US" dirty="0" smtClean="0">
-                <a:latin typeface="Monaco"/>
-                <a:cs typeface="Monaco"/>
-              </a:rPr>
-              <a:t># Example function construction </a:t>
-            </a:r>
-            <a:endParaRPr lang="en-US" dirty="0">
-              <a:solidFill>
-                <a:schemeClr val="bg1">
-                  <a:lumMod val="65000"/>
-                </a:schemeClr>
-              </a:solidFill>
-              <a:latin typeface="Monaco"/>
-              <a:cs typeface="Monaco"/>
-            </a:endParaRPr>
-          </a:p>
-          <a:p>
-            <a:r>
-              <a:rPr lang="en-US" dirty="0" smtClean="0">
-                <a:solidFill>
-                  <a:srgbClr val="000000"/>
-                </a:solidFill>
-                <a:latin typeface="Monaco"/>
-                <a:cs typeface="Monaco"/>
-              </a:rPr>
-              <a:t>def </a:t>
-            </a:r>
-            <a:r>
-              <a:rPr lang="en-US" dirty="0" err="1" smtClean="0">
-                <a:solidFill>
-                  <a:schemeClr val="accent5"/>
-                </a:solidFill>
-                <a:latin typeface="Monaco"/>
-                <a:cs typeface="Monaco"/>
-              </a:rPr>
-              <a:t>my_len</a:t>
-            </a:r>
-            <a:r>
-              <a:rPr lang="en-US" dirty="0" smtClean="0">
-                <a:solidFill>
-                  <a:srgbClr val="000000"/>
-                </a:solidFill>
-                <a:latin typeface="Monaco"/>
-                <a:cs typeface="Monaco"/>
-              </a:rPr>
-              <a:t>(</a:t>
-            </a:r>
-            <a:r>
-              <a:rPr lang="en-US" dirty="0" smtClean="0">
-                <a:solidFill>
-                  <a:schemeClr val="accent6"/>
-                </a:solidFill>
-                <a:latin typeface="Monaco"/>
-                <a:cs typeface="Monaco"/>
-              </a:rPr>
-              <a:t>item</a:t>
-            </a:r>
-            <a:r>
-              <a:rPr lang="en-US" dirty="0" smtClean="0">
-                <a:solidFill>
-                  <a:srgbClr val="000000"/>
-                </a:solidFill>
-                <a:latin typeface="Monaco"/>
-                <a:cs typeface="Monaco"/>
-              </a:rPr>
-              <a:t>):</a:t>
-            </a:r>
-          </a:p>
-          <a:p>
-            <a:endParaRPr lang="en-US" dirty="0" smtClean="0">
-              <a:solidFill>
-                <a:srgbClr val="000000"/>
-              </a:solidFill>
-              <a:latin typeface="Monaco"/>
-              <a:cs typeface="Monaco"/>
-            </a:endParaRPr>
-          </a:p>
-          <a:p>
-            <a:r>
-              <a:rPr lang="en-US" dirty="0">
-                <a:solidFill>
-                  <a:srgbClr val="000000"/>
-                </a:solidFill>
-                <a:latin typeface="Monaco"/>
-                <a:cs typeface="Monaco"/>
-              </a:rPr>
-              <a:t>	</a:t>
-            </a:r>
-            <a:r>
-              <a:rPr lang="en-US" dirty="0" smtClean="0">
-                <a:solidFill>
-                  <a:srgbClr val="000000"/>
-                </a:solidFill>
-                <a:latin typeface="Monaco"/>
-                <a:cs typeface="Monaco"/>
-              </a:rPr>
-              <a:t># Loop over item to count its size</a:t>
-            </a:r>
-          </a:p>
-          <a:p>
-            <a:r>
-              <a:rPr lang="en-US" dirty="0" smtClean="0">
-                <a:solidFill>
-                  <a:srgbClr val="000000"/>
-                </a:solidFill>
-                <a:latin typeface="Monaco"/>
-                <a:cs typeface="Monaco"/>
-              </a:rPr>
-              <a:t>	j = 0</a:t>
-            </a:r>
-          </a:p>
-          <a:p>
-            <a:r>
-              <a:rPr lang="en-US" dirty="0">
-                <a:solidFill>
-                  <a:srgbClr val="000000"/>
-                </a:solidFill>
-                <a:latin typeface="Monaco"/>
-                <a:cs typeface="Monaco"/>
-              </a:rPr>
-              <a:t>	</a:t>
-            </a:r>
-            <a:r>
-              <a:rPr lang="en-US" dirty="0" smtClean="0">
-                <a:solidFill>
-                  <a:srgbClr val="000000"/>
-                </a:solidFill>
-                <a:latin typeface="Monaco"/>
-                <a:cs typeface="Monaco"/>
-              </a:rPr>
-              <a:t>for entry in item:</a:t>
-            </a:r>
-          </a:p>
-          <a:p>
-            <a:r>
-              <a:rPr lang="en-US" dirty="0">
-                <a:solidFill>
-                  <a:srgbClr val="000000"/>
-                </a:solidFill>
-                <a:latin typeface="Monaco"/>
-                <a:cs typeface="Monaco"/>
-              </a:rPr>
-              <a:t>	</a:t>
-            </a:r>
-            <a:r>
-              <a:rPr lang="en-US" dirty="0" smtClean="0">
-                <a:solidFill>
-                  <a:srgbClr val="000000"/>
-                </a:solidFill>
-                <a:latin typeface="Monaco"/>
-                <a:cs typeface="Monaco"/>
-              </a:rPr>
-              <a:t>	j += 1</a:t>
-            </a:r>
-          </a:p>
-          <a:p>
-            <a:endParaRPr lang="en-US" dirty="0" smtClean="0">
-              <a:solidFill>
-                <a:srgbClr val="000000"/>
-              </a:solidFill>
-              <a:latin typeface="Monaco"/>
-              <a:cs typeface="Monaco"/>
-            </a:endParaRPr>
-          </a:p>
-          <a:p>
-            <a:r>
-              <a:rPr lang="en-US" dirty="0">
-                <a:solidFill>
-                  <a:srgbClr val="000000"/>
-                </a:solidFill>
-                <a:latin typeface="Monaco"/>
-                <a:cs typeface="Monaco"/>
-              </a:rPr>
-              <a:t>	</a:t>
-            </a:r>
-            <a:r>
-              <a:rPr lang="en-US" dirty="0" smtClean="0">
-                <a:solidFill>
-                  <a:srgbClr val="000000"/>
-                </a:solidFill>
-                <a:latin typeface="Monaco"/>
-                <a:cs typeface="Monaco"/>
-              </a:rPr>
-              <a:t># Return the size</a:t>
-            </a:r>
-          </a:p>
-          <a:p>
-            <a:r>
-              <a:rPr lang="en-US" dirty="0">
-                <a:solidFill>
-                  <a:srgbClr val="000000"/>
-                </a:solidFill>
-                <a:latin typeface="Monaco"/>
-                <a:cs typeface="Monaco"/>
-              </a:rPr>
-              <a:t>	</a:t>
-            </a:r>
-            <a:r>
-              <a:rPr lang="en-US" dirty="0" smtClean="0">
-                <a:solidFill>
-                  <a:srgbClr val="000000"/>
-                </a:solidFill>
-                <a:latin typeface="Monaco"/>
-                <a:cs typeface="Monaco"/>
-              </a:rPr>
-              <a:t>return </a:t>
-            </a:r>
-            <a:r>
-              <a:rPr lang="en-US" dirty="0" smtClean="0">
-                <a:solidFill>
-                  <a:srgbClr val="526DB0"/>
-                </a:solidFill>
-                <a:latin typeface="Monaco"/>
-                <a:cs typeface="Monaco"/>
-              </a:rPr>
-              <a:t>j</a:t>
-            </a:r>
-          </a:p>
-        </p:txBody>
-      </p:sp>
-    </p:spTree>
-    <p:extLst>
-      <p:ext uri="{BB962C8B-B14F-4D97-AF65-F5344CB8AC3E}">
-        <p14:creationId xmlns:p14="http://schemas.microsoft.com/office/powerpoint/2010/main" val="3019156721"/>
       </p:ext>
     </p:extLst>
   </p:cSld>
